--- a/doc/설계서.pptx
+++ b/doc/설계서.pptx
@@ -9,6 +9,8 @@
     <p:sldId id="257" r:id="rId3"/>
     <p:sldId id="258" r:id="rId4"/>
     <p:sldId id="259" r:id="rId5"/>
+    <p:sldId id="261" r:id="rId6"/>
+    <p:sldId id="260" r:id="rId7"/>
   </p:sldIdLst>
   <p:sldSz cx="12192000" cy="6858000"/>
   <p:notesSz cx="6858000" cy="9144000"/>
@@ -5619,8 +5621,12 @@
           <a:lstStyle/>
           <a:p>
             <a:r>
+              <a:rPr kumimoji="1" lang="en-US" altLang="ko-Kore-KR" sz="1600" dirty="0"/>
+              <a:t>UI</a:t>
+            </a:r>
+            <a:r>
               <a:rPr kumimoji="1" lang="ko-KR" altLang="en-US" sz="1600" dirty="0"/>
-              <a:t>소제목</a:t>
+              <a:t> 구성</a:t>
             </a:r>
             <a:endParaRPr kumimoji="1" lang="ko-Kore-KR" altLang="en-US" sz="1600" dirty="0"/>
           </a:p>
@@ -5718,6 +5724,2271 @@
           </a:p>
         </p:txBody>
       </p:sp>
+      <p:pic>
+        <p:nvPicPr>
+          <p:cNvPr id="4" name="그림 3">
+            <a:extLst>
+              <a:ext uri="{FF2B5EF4-FFF2-40B4-BE49-F238E27FC236}">
+                <a16:creationId xmlns:a16="http://schemas.microsoft.com/office/drawing/2014/main" id="{216A618F-54A6-8D4A-8746-F2B9BADCA540}"/>
+              </a:ext>
+            </a:extLst>
+          </p:cNvPr>
+          <p:cNvPicPr>
+            <a:picLocks noChangeAspect="1"/>
+          </p:cNvPicPr>
+          <p:nvPr/>
+        </p:nvPicPr>
+        <p:blipFill>
+          <a:blip r:embed="rId2"/>
+          <a:stretch>
+            <a:fillRect/>
+          </a:stretch>
+        </p:blipFill>
+        <p:spPr>
+          <a:xfrm>
+            <a:off x="985899" y="2321740"/>
+            <a:ext cx="1636041" cy="2711670"/>
+          </a:xfrm>
+          <a:prstGeom prst="rect">
+            <a:avLst/>
+          </a:prstGeom>
+        </p:spPr>
+      </p:pic>
+      <p:pic>
+        <p:nvPicPr>
+          <p:cNvPr id="34" name="그림 33">
+            <a:extLst>
+              <a:ext uri="{FF2B5EF4-FFF2-40B4-BE49-F238E27FC236}">
+                <a16:creationId xmlns:a16="http://schemas.microsoft.com/office/drawing/2014/main" id="{F777592E-298F-C746-80E6-C23C2FA4575B}"/>
+              </a:ext>
+            </a:extLst>
+          </p:cNvPr>
+          <p:cNvPicPr>
+            <a:picLocks noChangeAspect="1"/>
+          </p:cNvPicPr>
+          <p:nvPr/>
+        </p:nvPicPr>
+        <p:blipFill>
+          <a:blip r:embed="rId3"/>
+          <a:stretch>
+            <a:fillRect/>
+          </a:stretch>
+        </p:blipFill>
+        <p:spPr>
+          <a:xfrm>
+            <a:off x="4304992" y="962823"/>
+            <a:ext cx="1636042" cy="2714752"/>
+          </a:xfrm>
+          <a:prstGeom prst="rect">
+            <a:avLst/>
+          </a:prstGeom>
+        </p:spPr>
+      </p:pic>
+      <p:sp>
+        <p:nvSpPr>
+          <p:cNvPr id="35" name="TextBox 34">
+            <a:extLst>
+              <a:ext uri="{FF2B5EF4-FFF2-40B4-BE49-F238E27FC236}">
+                <a16:creationId xmlns:a16="http://schemas.microsoft.com/office/drawing/2014/main" id="{05FF8EB8-16B0-B942-B0A6-6715CFB80D9C}"/>
+              </a:ext>
+            </a:extLst>
+          </p:cNvPr>
+          <p:cNvSpPr txBox="1"/>
+          <p:nvPr/>
+        </p:nvSpPr>
+        <p:spPr>
+          <a:xfrm>
+            <a:off x="96462" y="3415965"/>
+            <a:ext cx="639919" cy="261610"/>
+          </a:xfrm>
+          <a:prstGeom prst="rect">
+            <a:avLst/>
+          </a:prstGeom>
+          <a:noFill/>
+        </p:spPr>
+        <p:txBody>
+          <a:bodyPr wrap="none" rtlCol="0">
+            <a:spAutoFit/>
+          </a:bodyPr>
+          <a:lstStyle/>
+          <a:p>
+            <a:r>
+              <a:rPr kumimoji="1" lang="ko-KR" altLang="en-US" sz="1100" dirty="0"/>
+              <a:t>앱 실행</a:t>
+            </a:r>
+            <a:endParaRPr kumimoji="1" lang="ko-Kore-KR" altLang="en-US" sz="1100" dirty="0"/>
+          </a:p>
+        </p:txBody>
+      </p:sp>
+      <p:sp>
+        <p:nvSpPr>
+          <p:cNvPr id="36" name="TextBox 35">
+            <a:extLst>
+              <a:ext uri="{FF2B5EF4-FFF2-40B4-BE49-F238E27FC236}">
+                <a16:creationId xmlns:a16="http://schemas.microsoft.com/office/drawing/2014/main" id="{C8F794E6-ABE7-8F41-8AB9-D18C7C45EFCD}"/>
+              </a:ext>
+            </a:extLst>
+          </p:cNvPr>
+          <p:cNvSpPr txBox="1"/>
+          <p:nvPr/>
+        </p:nvSpPr>
+        <p:spPr>
+          <a:xfrm>
+            <a:off x="4610248" y="3867906"/>
+            <a:ext cx="922047" cy="261610"/>
+          </a:xfrm>
+          <a:prstGeom prst="rect">
+            <a:avLst/>
+          </a:prstGeom>
+          <a:noFill/>
+        </p:spPr>
+        <p:txBody>
+          <a:bodyPr wrap="none" rtlCol="0">
+            <a:spAutoFit/>
+          </a:bodyPr>
+          <a:lstStyle/>
+          <a:p>
+            <a:r>
+              <a:rPr kumimoji="1" lang="ko-KR" altLang="en-US" sz="1100" dirty="0"/>
+              <a:t>로그인 화면</a:t>
+            </a:r>
+            <a:endParaRPr kumimoji="1" lang="ko-Kore-KR" altLang="en-US" sz="1100" dirty="0"/>
+          </a:p>
+        </p:txBody>
+      </p:sp>
+      <p:pic>
+        <p:nvPicPr>
+          <p:cNvPr id="38" name="그림 37">
+            <a:extLst>
+              <a:ext uri="{FF2B5EF4-FFF2-40B4-BE49-F238E27FC236}">
+                <a16:creationId xmlns:a16="http://schemas.microsoft.com/office/drawing/2014/main" id="{1E022576-3643-2E4B-828A-BC690DB58D52}"/>
+              </a:ext>
+            </a:extLst>
+          </p:cNvPr>
+          <p:cNvPicPr>
+            <a:picLocks noChangeAspect="1"/>
+          </p:cNvPicPr>
+          <p:nvPr/>
+        </p:nvPicPr>
+        <p:blipFill>
+          <a:blip r:embed="rId4"/>
+          <a:stretch>
+            <a:fillRect/>
+          </a:stretch>
+        </p:blipFill>
+        <p:spPr>
+          <a:xfrm>
+            <a:off x="7392170" y="971813"/>
+            <a:ext cx="1636042" cy="2705762"/>
+          </a:xfrm>
+          <a:prstGeom prst="rect">
+            <a:avLst/>
+          </a:prstGeom>
+        </p:spPr>
+      </p:pic>
+      <p:sp>
+        <p:nvSpPr>
+          <p:cNvPr id="39" name="TextBox 38">
+            <a:extLst>
+              <a:ext uri="{FF2B5EF4-FFF2-40B4-BE49-F238E27FC236}">
+                <a16:creationId xmlns:a16="http://schemas.microsoft.com/office/drawing/2014/main" id="{E3125988-4D64-9E4E-A34A-DE4367859788}"/>
+              </a:ext>
+            </a:extLst>
+          </p:cNvPr>
+          <p:cNvSpPr txBox="1"/>
+          <p:nvPr/>
+        </p:nvSpPr>
+        <p:spPr>
+          <a:xfrm>
+            <a:off x="7749167" y="3867906"/>
+            <a:ext cx="780983" cy="261610"/>
+          </a:xfrm>
+          <a:prstGeom prst="rect">
+            <a:avLst/>
+          </a:prstGeom>
+          <a:noFill/>
+        </p:spPr>
+        <p:txBody>
+          <a:bodyPr wrap="none" rtlCol="0">
+            <a:spAutoFit/>
+          </a:bodyPr>
+          <a:lstStyle/>
+          <a:p>
+            <a:r>
+              <a:rPr kumimoji="1" lang="ko-KR" altLang="en-US" sz="1100" dirty="0"/>
+              <a:t>회원 가입</a:t>
+            </a:r>
+            <a:endParaRPr kumimoji="1" lang="ko-Kore-KR" altLang="en-US" sz="1100" dirty="0"/>
+          </a:p>
+        </p:txBody>
+      </p:sp>
+      <p:sp>
+        <p:nvSpPr>
+          <p:cNvPr id="41" name="TextBox 40">
+            <a:extLst>
+              <a:ext uri="{FF2B5EF4-FFF2-40B4-BE49-F238E27FC236}">
+                <a16:creationId xmlns:a16="http://schemas.microsoft.com/office/drawing/2014/main" id="{E9527F2C-5FA5-8643-869D-6A085282032C}"/>
+              </a:ext>
+            </a:extLst>
+          </p:cNvPr>
+          <p:cNvSpPr txBox="1"/>
+          <p:nvPr/>
+        </p:nvSpPr>
+        <p:spPr>
+          <a:xfrm>
+            <a:off x="1265184" y="5234527"/>
+            <a:ext cx="1063112" cy="261610"/>
+          </a:xfrm>
+          <a:prstGeom prst="rect">
+            <a:avLst/>
+          </a:prstGeom>
+          <a:noFill/>
+        </p:spPr>
+        <p:txBody>
+          <a:bodyPr wrap="none" rtlCol="0">
+            <a:spAutoFit/>
+          </a:bodyPr>
+          <a:lstStyle/>
+          <a:p>
+            <a:r>
+              <a:rPr kumimoji="1" lang="ko-KR" altLang="en-US" sz="1100" dirty="0" err="1"/>
+              <a:t>스플래시</a:t>
+            </a:r>
+            <a:r>
+              <a:rPr kumimoji="1" lang="ko-KR" altLang="en-US" sz="1100" dirty="0"/>
+              <a:t> 화면</a:t>
+            </a:r>
+            <a:endParaRPr kumimoji="1" lang="ko-Kore-KR" altLang="en-US" sz="1100" dirty="0"/>
+          </a:p>
+        </p:txBody>
+      </p:sp>
+      <p:sp>
+        <p:nvSpPr>
+          <p:cNvPr id="42" name="TextBox 41">
+            <a:extLst>
+              <a:ext uri="{FF2B5EF4-FFF2-40B4-BE49-F238E27FC236}">
+                <a16:creationId xmlns:a16="http://schemas.microsoft.com/office/drawing/2014/main" id="{74EA8B61-F331-3842-ACA0-C8A2864B72A9}"/>
+              </a:ext>
+            </a:extLst>
+          </p:cNvPr>
+          <p:cNvSpPr txBox="1"/>
+          <p:nvPr/>
+        </p:nvSpPr>
+        <p:spPr>
+          <a:xfrm>
+            <a:off x="10497595" y="5234527"/>
+            <a:ext cx="780983" cy="261610"/>
+          </a:xfrm>
+          <a:prstGeom prst="rect">
+            <a:avLst/>
+          </a:prstGeom>
+          <a:noFill/>
+        </p:spPr>
+        <p:txBody>
+          <a:bodyPr wrap="none" rtlCol="0">
+            <a:spAutoFit/>
+          </a:bodyPr>
+          <a:lstStyle/>
+          <a:p>
+            <a:r>
+              <a:rPr kumimoji="1" lang="ko-KR" altLang="en-US" sz="1100" dirty="0"/>
+              <a:t>메인 화면</a:t>
+            </a:r>
+            <a:endParaRPr kumimoji="1" lang="ko-Kore-KR" altLang="en-US" sz="1100" dirty="0"/>
+          </a:p>
+        </p:txBody>
+      </p:sp>
+      <p:cxnSp>
+        <p:nvCxnSpPr>
+          <p:cNvPr id="44" name="직선 화살표 연결선 43">
+            <a:extLst>
+              <a:ext uri="{FF2B5EF4-FFF2-40B4-BE49-F238E27FC236}">
+                <a16:creationId xmlns:a16="http://schemas.microsoft.com/office/drawing/2014/main" id="{9395E92F-BC67-C445-B033-DAD7887B1D1D}"/>
+              </a:ext>
+            </a:extLst>
+          </p:cNvPr>
+          <p:cNvCxnSpPr>
+            <a:stCxn id="34" idx="3"/>
+            <a:endCxn id="38" idx="1"/>
+          </p:cNvCxnSpPr>
+          <p:nvPr/>
+        </p:nvCxnSpPr>
+        <p:spPr>
+          <a:xfrm>
+            <a:off x="5941034" y="2320199"/>
+            <a:ext cx="1451136" cy="4495"/>
+          </a:xfrm>
+          <a:prstGeom prst="straightConnector1">
+            <a:avLst/>
+          </a:prstGeom>
+          <a:ln>
+            <a:tailEnd type="triangle"/>
+          </a:ln>
+        </p:spPr>
+        <p:style>
+          <a:lnRef idx="1">
+            <a:schemeClr val="dk1"/>
+          </a:lnRef>
+          <a:fillRef idx="0">
+            <a:schemeClr val="dk1"/>
+          </a:fillRef>
+          <a:effectRef idx="0">
+            <a:schemeClr val="dk1"/>
+          </a:effectRef>
+          <a:fontRef idx="minor">
+            <a:schemeClr val="tx1"/>
+          </a:fontRef>
+        </p:style>
+      </p:cxnSp>
+      <p:cxnSp>
+        <p:nvCxnSpPr>
+          <p:cNvPr id="48" name="직선 화살표 연결선 47">
+            <a:extLst>
+              <a:ext uri="{FF2B5EF4-FFF2-40B4-BE49-F238E27FC236}">
+                <a16:creationId xmlns:a16="http://schemas.microsoft.com/office/drawing/2014/main" id="{F87736D6-F9DD-054C-A475-307658D415FF}"/>
+              </a:ext>
+            </a:extLst>
+          </p:cNvPr>
+          <p:cNvCxnSpPr>
+            <a:cxnSpLocks/>
+            <a:stCxn id="38" idx="3"/>
+            <a:endCxn id="57" idx="1"/>
+          </p:cNvCxnSpPr>
+          <p:nvPr/>
+        </p:nvCxnSpPr>
+        <p:spPr>
+          <a:xfrm>
+            <a:off x="9028212" y="2324694"/>
+            <a:ext cx="1037773" cy="1351345"/>
+          </a:xfrm>
+          <a:prstGeom prst="straightConnector1">
+            <a:avLst/>
+          </a:prstGeom>
+          <a:ln>
+            <a:tailEnd type="triangle"/>
+          </a:ln>
+        </p:spPr>
+        <p:style>
+          <a:lnRef idx="1">
+            <a:schemeClr val="dk1"/>
+          </a:lnRef>
+          <a:fillRef idx="0">
+            <a:schemeClr val="dk1"/>
+          </a:fillRef>
+          <a:effectRef idx="0">
+            <a:schemeClr val="dk1"/>
+          </a:effectRef>
+          <a:fontRef idx="minor">
+            <a:schemeClr val="tx1"/>
+          </a:fontRef>
+        </p:style>
+      </p:cxnSp>
+      <p:cxnSp>
+        <p:nvCxnSpPr>
+          <p:cNvPr id="52" name="직선 화살표 연결선 51">
+            <a:extLst>
+              <a:ext uri="{FF2B5EF4-FFF2-40B4-BE49-F238E27FC236}">
+                <a16:creationId xmlns:a16="http://schemas.microsoft.com/office/drawing/2014/main" id="{606312D2-58C5-D54C-86BE-BC125E27E38C}"/>
+              </a:ext>
+            </a:extLst>
+          </p:cNvPr>
+          <p:cNvCxnSpPr>
+            <a:cxnSpLocks/>
+            <a:stCxn id="4" idx="3"/>
+            <a:endCxn id="34" idx="1"/>
+          </p:cNvCxnSpPr>
+          <p:nvPr/>
+        </p:nvCxnSpPr>
+        <p:spPr>
+          <a:xfrm flipV="1">
+            <a:off x="2621940" y="2320199"/>
+            <a:ext cx="1683052" cy="1357376"/>
+          </a:xfrm>
+          <a:prstGeom prst="straightConnector1">
+            <a:avLst/>
+          </a:prstGeom>
+          <a:ln>
+            <a:tailEnd type="triangle"/>
+          </a:ln>
+        </p:spPr>
+        <p:style>
+          <a:lnRef idx="1">
+            <a:schemeClr val="dk1"/>
+          </a:lnRef>
+          <a:fillRef idx="0">
+            <a:schemeClr val="dk1"/>
+          </a:fillRef>
+          <a:effectRef idx="0">
+            <a:schemeClr val="dk1"/>
+          </a:effectRef>
+          <a:fontRef idx="minor">
+            <a:schemeClr val="tx1"/>
+          </a:fontRef>
+        </p:style>
+      </p:cxnSp>
+      <p:pic>
+        <p:nvPicPr>
+          <p:cNvPr id="57" name="그림 56">
+            <a:extLst>
+              <a:ext uri="{FF2B5EF4-FFF2-40B4-BE49-F238E27FC236}">
+                <a16:creationId xmlns:a16="http://schemas.microsoft.com/office/drawing/2014/main" id="{3599EEC0-0408-8345-BF1C-4E3850008C3C}"/>
+              </a:ext>
+            </a:extLst>
+          </p:cNvPr>
+          <p:cNvPicPr>
+            <a:picLocks noChangeAspect="1"/>
+          </p:cNvPicPr>
+          <p:nvPr/>
+        </p:nvPicPr>
+        <p:blipFill>
+          <a:blip r:embed="rId5"/>
+          <a:stretch>
+            <a:fillRect/>
+          </a:stretch>
+        </p:blipFill>
+        <p:spPr>
+          <a:xfrm>
+            <a:off x="10065985" y="2318667"/>
+            <a:ext cx="1644204" cy="2714743"/>
+          </a:xfrm>
+          <a:prstGeom prst="rect">
+            <a:avLst/>
+          </a:prstGeom>
+        </p:spPr>
+      </p:pic>
+      <p:cxnSp>
+        <p:nvCxnSpPr>
+          <p:cNvPr id="58" name="직선 화살표 연결선 57">
+            <a:extLst>
+              <a:ext uri="{FF2B5EF4-FFF2-40B4-BE49-F238E27FC236}">
+                <a16:creationId xmlns:a16="http://schemas.microsoft.com/office/drawing/2014/main" id="{4A70C89C-E74B-934A-A62F-FD4C30FB45D0}"/>
+              </a:ext>
+            </a:extLst>
+          </p:cNvPr>
+          <p:cNvCxnSpPr>
+            <a:cxnSpLocks/>
+          </p:cNvCxnSpPr>
+          <p:nvPr/>
+        </p:nvCxnSpPr>
+        <p:spPr>
+          <a:xfrm>
+            <a:off x="2621940" y="4340154"/>
+            <a:ext cx="7418328" cy="25343"/>
+          </a:xfrm>
+          <a:prstGeom prst="straightConnector1">
+            <a:avLst/>
+          </a:prstGeom>
+          <a:ln>
+            <a:tailEnd type="triangle"/>
+          </a:ln>
+        </p:spPr>
+        <p:style>
+          <a:lnRef idx="1">
+            <a:schemeClr val="dk1"/>
+          </a:lnRef>
+          <a:fillRef idx="0">
+            <a:schemeClr val="dk1"/>
+          </a:fillRef>
+          <a:effectRef idx="0">
+            <a:schemeClr val="dk1"/>
+          </a:effectRef>
+          <a:fontRef idx="minor">
+            <a:schemeClr val="tx1"/>
+          </a:fontRef>
+        </p:style>
+      </p:cxnSp>
+      <p:sp>
+        <p:nvSpPr>
+          <p:cNvPr id="64" name="TextBox 63">
+            <a:extLst>
+              <a:ext uri="{FF2B5EF4-FFF2-40B4-BE49-F238E27FC236}">
+                <a16:creationId xmlns:a16="http://schemas.microsoft.com/office/drawing/2014/main" id="{7C4C49C8-5878-324C-A743-8ACE6B2740AB}"/>
+              </a:ext>
+            </a:extLst>
+          </p:cNvPr>
+          <p:cNvSpPr txBox="1"/>
+          <p:nvPr/>
+        </p:nvSpPr>
+        <p:spPr>
+          <a:xfrm>
+            <a:off x="5634976" y="4554500"/>
+            <a:ext cx="922047" cy="261610"/>
+          </a:xfrm>
+          <a:prstGeom prst="rect">
+            <a:avLst/>
+          </a:prstGeom>
+          <a:noFill/>
+        </p:spPr>
+        <p:txBody>
+          <a:bodyPr wrap="none" rtlCol="0">
+            <a:spAutoFit/>
+          </a:bodyPr>
+          <a:lstStyle/>
+          <a:p>
+            <a:r>
+              <a:rPr kumimoji="1" lang="ko-KR" altLang="en-US" sz="1100" dirty="0"/>
+              <a:t>자동 로그인</a:t>
+            </a:r>
+            <a:endParaRPr kumimoji="1" lang="ko-Kore-KR" altLang="en-US" sz="1100" dirty="0"/>
+          </a:p>
+        </p:txBody>
+      </p:sp>
+      <p:graphicFrame>
+        <p:nvGraphicFramePr>
+          <p:cNvPr id="68" name="표 68">
+            <a:extLst>
+              <a:ext uri="{FF2B5EF4-FFF2-40B4-BE49-F238E27FC236}">
+                <a16:creationId xmlns:a16="http://schemas.microsoft.com/office/drawing/2014/main" id="{7345807B-9DE2-4045-B555-0840364E146C}"/>
+              </a:ext>
+            </a:extLst>
+          </p:cNvPr>
+          <p:cNvGraphicFramePr>
+            <a:graphicFrameLocks noGrp="1"/>
+          </p:cNvGraphicFramePr>
+          <p:nvPr>
+            <p:extLst>
+              <p:ext uri="{D42A27DB-BD31-4B8C-83A1-F6EECF244321}">
+                <p14:modId xmlns:p14="http://schemas.microsoft.com/office/powerpoint/2010/main" val="3335572607"/>
+              </p:ext>
+            </p:extLst>
+          </p:nvPr>
+        </p:nvGraphicFramePr>
+        <p:xfrm>
+          <a:off x="6282061" y="5088151"/>
+          <a:ext cx="3758207" cy="1559556"/>
+        </p:xfrm>
+        <a:graphic>
+          <a:graphicData uri="http://schemas.openxmlformats.org/drawingml/2006/table">
+            <a:tbl>
+              <a:tblPr firstRow="1" bandRow="1">
+                <a:tableStyleId>{F5AB1C69-6EDB-4FF4-983F-18BD219EF322}</a:tableStyleId>
+              </a:tblPr>
+              <a:tblGrid>
+                <a:gridCol w="3758207">
+                  <a:extLst>
+                    <a:ext uri="{9D8B030D-6E8A-4147-A177-3AD203B41FA5}">
+                      <a16:colId xmlns:a16="http://schemas.microsoft.com/office/drawing/2014/main" val="1730690052"/>
+                    </a:ext>
+                  </a:extLst>
+                </a:gridCol>
+              </a:tblGrid>
+              <a:tr h="233676">
+                <a:tc>
+                  <a:txBody>
+                    <a:bodyPr/>
+                    <a:lstStyle/>
+                    <a:p>
+                      <a:r>
+                        <a:rPr lang="ko-Kore-KR" altLang="en-US" sz="900" b="0" cap="none" spc="0" dirty="0">
+                          <a:ln w="0"/>
+                          <a:solidFill>
+                            <a:schemeClr val="tx1"/>
+                          </a:solidFill>
+                          <a:effectLst>
+                            <a:outerShdw blurRad="38100" dist="19050" dir="2700000" algn="tl" rotWithShape="0">
+                              <a:schemeClr val="dk1">
+                                <a:alpha val="40000"/>
+                              </a:schemeClr>
+                            </a:outerShdw>
+                          </a:effectLst>
+                        </a:rPr>
+                        <a:t>메인화면</a:t>
+                      </a:r>
+                      <a:r>
+                        <a:rPr lang="ko-KR" altLang="en-US" sz="900" b="0" cap="none" spc="0" dirty="0">
+                          <a:ln w="0"/>
+                          <a:solidFill>
+                            <a:schemeClr val="tx1"/>
+                          </a:solidFill>
+                          <a:effectLst>
+                            <a:outerShdw blurRad="38100" dist="19050" dir="2700000" algn="tl" rotWithShape="0">
+                              <a:schemeClr val="dk1">
+                                <a:alpha val="40000"/>
+                              </a:schemeClr>
+                            </a:outerShdw>
+                          </a:effectLst>
+                        </a:rPr>
+                        <a:t> 정의</a:t>
+                      </a:r>
+                      <a:endParaRPr lang="ko-Kore-KR" altLang="en-US" sz="900" b="0" i="0" cap="none" spc="0" dirty="0">
+                        <a:ln w="0"/>
+                        <a:solidFill>
+                          <a:schemeClr val="tx1"/>
+                        </a:solidFill>
+                        <a:effectLst>
+                          <a:outerShdw blurRad="38100" dist="19050" dir="2700000" algn="tl" rotWithShape="0">
+                            <a:schemeClr val="dk1">
+                              <a:alpha val="40000"/>
+                            </a:schemeClr>
+                          </a:outerShdw>
+                        </a:effectLst>
+                      </a:endParaRPr>
+                    </a:p>
+                  </a:txBody>
+                  <a:tcPr/>
+                </a:tc>
+                <a:extLst>
+                  <a:ext uri="{0D108BD9-81ED-4DB2-BD59-A6C34878D82A}">
+                    <a16:rowId xmlns:a16="http://schemas.microsoft.com/office/drawing/2014/main" val="3124255190"/>
+                  </a:ext>
+                </a:extLst>
+              </a:tr>
+              <a:tr h="370840">
+                <a:tc>
+                  <a:txBody>
+                    <a:bodyPr/>
+                    <a:lstStyle/>
+                    <a:p>
+                      <a:pPr algn="l" latinLnBrk="1"/>
+                      <a:r>
+                        <a:rPr lang="ko-KR" altLang="en-US" sz="900" b="0" dirty="0">
+                          <a:solidFill>
+                            <a:srgbClr val="333333"/>
+                          </a:solidFill>
+                          <a:effectLst/>
+                        </a:rPr>
+                        <a:t>전구 모양을 누르면 메뉴를 선택할 수 </a:t>
+                      </a:r>
+                      <a:r>
+                        <a:rPr lang="ko-KR" altLang="en-US" sz="900" b="0" dirty="0" err="1">
+                          <a:solidFill>
+                            <a:srgbClr val="333333"/>
+                          </a:solidFill>
+                          <a:effectLst/>
+                        </a:rPr>
+                        <a:t>있음아래</a:t>
+                      </a:r>
+                      <a:r>
+                        <a:rPr lang="ko-KR" altLang="en-US" sz="900" b="0" dirty="0">
+                          <a:solidFill>
+                            <a:srgbClr val="333333"/>
+                          </a:solidFill>
+                          <a:effectLst/>
+                        </a:rPr>
+                        <a:t> 메뉴 </a:t>
+                      </a:r>
+                      <a:r>
+                        <a:rPr lang="en-US" altLang="ko-KR" sz="900" b="0" dirty="0">
+                          <a:solidFill>
+                            <a:srgbClr val="333333"/>
+                          </a:solidFill>
+                          <a:effectLst/>
+                        </a:rPr>
+                        <a:t>5</a:t>
+                      </a:r>
+                      <a:r>
+                        <a:rPr lang="ko-KR" altLang="en-US" sz="900" b="0" dirty="0">
+                          <a:solidFill>
+                            <a:srgbClr val="333333"/>
+                          </a:solidFill>
+                          <a:effectLst/>
+                        </a:rPr>
+                        <a:t>개는 전구 터치 시</a:t>
+                      </a:r>
+                    </a:p>
+                    <a:p>
+                      <a:pPr algn="l" latinLnBrk="1"/>
+                      <a:r>
+                        <a:rPr lang="ko-KR" altLang="en-US" sz="900" b="0" dirty="0">
+                          <a:solidFill>
+                            <a:srgbClr val="333333"/>
+                          </a:solidFill>
+                          <a:effectLst/>
+                        </a:rPr>
+                        <a:t>애니메이션 효과 적용</a:t>
+                      </a:r>
+                    </a:p>
+                    <a:p>
+                      <a:pPr algn="l" latinLnBrk="1"/>
+                      <a:r>
+                        <a:rPr lang="en-US" altLang="ko-KR" sz="900" b="0" dirty="0">
+                          <a:solidFill>
+                            <a:srgbClr val="333333"/>
+                          </a:solidFill>
+                          <a:effectLst/>
+                        </a:rPr>
+                        <a:t>1. </a:t>
+                      </a:r>
+                      <a:r>
+                        <a:rPr lang="ko-KR" altLang="en-US" sz="900" b="0" dirty="0" err="1">
+                          <a:solidFill>
+                            <a:srgbClr val="333333"/>
+                          </a:solidFill>
+                          <a:effectLst/>
+                        </a:rPr>
+                        <a:t>내정보</a:t>
+                      </a:r>
+                      <a:endParaRPr lang="ko-KR" altLang="en-US" sz="900" b="0" dirty="0">
+                        <a:solidFill>
+                          <a:srgbClr val="333333"/>
+                        </a:solidFill>
+                        <a:effectLst/>
+                      </a:endParaRPr>
+                    </a:p>
+                    <a:p>
+                      <a:pPr algn="l" latinLnBrk="1"/>
+                      <a:r>
+                        <a:rPr lang="en-US" altLang="ko-KR" sz="900" b="0" dirty="0">
+                          <a:solidFill>
+                            <a:srgbClr val="333333"/>
+                          </a:solidFill>
+                          <a:effectLst/>
+                        </a:rPr>
+                        <a:t>2. </a:t>
+                      </a:r>
+                      <a:r>
+                        <a:rPr lang="ko-KR" altLang="en-US" sz="900" b="0" dirty="0">
+                          <a:solidFill>
+                            <a:srgbClr val="333333"/>
+                          </a:solidFill>
+                          <a:effectLst/>
+                        </a:rPr>
+                        <a:t>일기 쓰기</a:t>
+                      </a:r>
+                    </a:p>
+                    <a:p>
+                      <a:pPr algn="l" latinLnBrk="1"/>
+                      <a:r>
+                        <a:rPr lang="en-US" altLang="ko-KR" sz="900" b="0" dirty="0">
+                          <a:solidFill>
+                            <a:srgbClr val="333333"/>
+                          </a:solidFill>
+                          <a:effectLst/>
+                        </a:rPr>
+                        <a:t>3. </a:t>
+                      </a:r>
+                      <a:r>
+                        <a:rPr lang="en" altLang="ko-Kore-KR" sz="900" b="0" dirty="0">
+                          <a:solidFill>
+                            <a:srgbClr val="333333"/>
+                          </a:solidFill>
+                          <a:effectLst/>
+                        </a:rPr>
+                        <a:t>TODO </a:t>
+                      </a:r>
+                      <a:r>
+                        <a:rPr lang="ko-KR" altLang="en-US" sz="900" b="0" dirty="0">
+                          <a:solidFill>
+                            <a:srgbClr val="333333"/>
+                          </a:solidFill>
+                          <a:effectLst/>
+                        </a:rPr>
+                        <a:t>리스트</a:t>
+                      </a:r>
+                    </a:p>
+                    <a:p>
+                      <a:pPr algn="l" latinLnBrk="1"/>
+                      <a:r>
+                        <a:rPr lang="en-US" altLang="ko-KR" sz="900" b="0" dirty="0">
+                          <a:solidFill>
+                            <a:srgbClr val="333333"/>
+                          </a:solidFill>
+                          <a:effectLst/>
+                        </a:rPr>
+                        <a:t>4. </a:t>
+                      </a:r>
+                      <a:r>
+                        <a:rPr lang="ko-KR" altLang="en-US" sz="900" b="0" dirty="0">
+                          <a:solidFill>
+                            <a:srgbClr val="333333"/>
+                          </a:solidFill>
+                          <a:effectLst/>
+                        </a:rPr>
+                        <a:t>배지 관리</a:t>
+                      </a:r>
+                    </a:p>
+                    <a:p>
+                      <a:pPr algn="l" latinLnBrk="1"/>
+                      <a:r>
+                        <a:rPr lang="en-US" altLang="ko-KR" sz="900" b="0" dirty="0">
+                          <a:solidFill>
+                            <a:srgbClr val="333333"/>
+                          </a:solidFill>
+                          <a:effectLst/>
+                        </a:rPr>
+                        <a:t>5. </a:t>
+                      </a:r>
+                      <a:r>
+                        <a:rPr lang="ko-KR" altLang="en-US" sz="900" b="0" dirty="0">
+                          <a:solidFill>
+                            <a:srgbClr val="333333"/>
+                          </a:solidFill>
+                          <a:effectLst/>
+                        </a:rPr>
+                        <a:t>공유</a:t>
+                      </a:r>
+                    </a:p>
+                    <a:p>
+                      <a:pPr algn="l" latinLnBrk="1"/>
+                      <a:r>
+                        <a:rPr lang="en-US" altLang="ko-KR" sz="900" b="0" dirty="0">
+                          <a:solidFill>
+                            <a:srgbClr val="333333"/>
+                          </a:solidFill>
+                          <a:effectLst/>
+                        </a:rPr>
+                        <a:t>(</a:t>
+                      </a:r>
+                      <a:r>
+                        <a:rPr lang="en" altLang="ko-Kore-KR" sz="900" b="0" dirty="0">
+                          <a:solidFill>
+                            <a:srgbClr val="333333"/>
+                          </a:solidFill>
+                          <a:effectLst/>
+                        </a:rPr>
+                        <a:t>default : </a:t>
+                      </a:r>
+                      <a:r>
+                        <a:rPr lang="ko-KR" altLang="en-US" sz="900" b="0" dirty="0" err="1">
+                          <a:solidFill>
+                            <a:srgbClr val="333333"/>
+                          </a:solidFill>
+                          <a:effectLst/>
+                        </a:rPr>
+                        <a:t>내정보</a:t>
+                      </a:r>
+                      <a:r>
+                        <a:rPr lang="en-US" altLang="ko-KR" sz="900" b="0" dirty="0">
+                          <a:solidFill>
+                            <a:srgbClr val="333333"/>
+                          </a:solidFill>
+                          <a:effectLst/>
+                        </a:rPr>
+                        <a:t>)</a:t>
+                      </a:r>
+                    </a:p>
+                    <a:p>
+                      <a:pPr algn="l" latinLnBrk="1"/>
+                      <a:r>
+                        <a:rPr lang="ko-KR" altLang="en-US" sz="900" b="0" dirty="0">
+                          <a:solidFill>
+                            <a:srgbClr val="333333"/>
+                          </a:solidFill>
+                          <a:effectLst/>
+                        </a:rPr>
+                        <a:t>최초 진입 시 </a:t>
+                      </a:r>
+                      <a:r>
+                        <a:rPr lang="ko-KR" altLang="en-US" sz="900" b="0" dirty="0" err="1">
+                          <a:solidFill>
+                            <a:srgbClr val="333333"/>
+                          </a:solidFill>
+                          <a:effectLst/>
+                        </a:rPr>
+                        <a:t>내정보</a:t>
+                      </a:r>
+                      <a:r>
+                        <a:rPr lang="ko-KR" altLang="en-US" sz="900" b="0" dirty="0">
+                          <a:solidFill>
+                            <a:srgbClr val="333333"/>
+                          </a:solidFill>
+                          <a:effectLst/>
+                        </a:rPr>
+                        <a:t> 화면에서 가이드 </a:t>
+                      </a:r>
+                      <a:r>
+                        <a:rPr lang="ko-KR" altLang="en-US" sz="900" b="0" dirty="0" err="1">
+                          <a:solidFill>
+                            <a:srgbClr val="333333"/>
+                          </a:solidFill>
+                          <a:effectLst/>
+                        </a:rPr>
+                        <a:t>툴팁</a:t>
+                      </a:r>
+                      <a:r>
+                        <a:rPr lang="ko-KR" altLang="en-US" sz="900" b="0" dirty="0">
+                          <a:solidFill>
+                            <a:srgbClr val="333333"/>
+                          </a:solidFill>
+                          <a:effectLst/>
+                        </a:rPr>
+                        <a:t> 제공</a:t>
+                      </a:r>
+                      <a:endParaRPr lang="ko-KR" altLang="en-US" sz="900" b="0" i="0" dirty="0">
+                        <a:solidFill>
+                          <a:srgbClr val="333333"/>
+                        </a:solidFill>
+                        <a:effectLst/>
+                        <a:latin typeface="HanSans"/>
+                      </a:endParaRPr>
+                    </a:p>
+                  </a:txBody>
+                  <a:tcPr/>
+                </a:tc>
+                <a:extLst>
+                  <a:ext uri="{0D108BD9-81ED-4DB2-BD59-A6C34878D82A}">
+                    <a16:rowId xmlns:a16="http://schemas.microsoft.com/office/drawing/2014/main" val="2301895042"/>
+                  </a:ext>
+                </a:extLst>
+              </a:tr>
+            </a:tbl>
+          </a:graphicData>
+        </a:graphic>
+      </p:graphicFrame>
+      <p:sp>
+        <p:nvSpPr>
+          <p:cNvPr id="70" name="TextBox 69">
+            <a:extLst>
+              <a:ext uri="{FF2B5EF4-FFF2-40B4-BE49-F238E27FC236}">
+                <a16:creationId xmlns:a16="http://schemas.microsoft.com/office/drawing/2014/main" id="{0228AD04-8ABD-5A40-AD6A-4895C49F7B57}"/>
+              </a:ext>
+            </a:extLst>
+          </p:cNvPr>
+          <p:cNvSpPr txBox="1"/>
+          <p:nvPr/>
+        </p:nvSpPr>
+        <p:spPr>
+          <a:xfrm>
+            <a:off x="385948" y="466866"/>
+            <a:ext cx="3800238" cy="261610"/>
+          </a:xfrm>
+          <a:prstGeom prst="rect">
+            <a:avLst/>
+          </a:prstGeom>
+          <a:noFill/>
+        </p:spPr>
+        <p:txBody>
+          <a:bodyPr wrap="square">
+            <a:spAutoFit/>
+          </a:bodyPr>
+          <a:lstStyle/>
+          <a:p>
+            <a:r>
+              <a:rPr lang="en" altLang="ko-Kore-KR" sz="1050" b="1" dirty="0"/>
+              <a:t>https://</a:t>
+            </a:r>
+            <a:r>
+              <a:rPr lang="en" altLang="ko-Kore-KR" sz="1050" b="1" dirty="0" err="1"/>
+              <a:t>ovenapp.io</a:t>
+            </a:r>
+            <a:r>
+              <a:rPr lang="en" altLang="ko-Kore-KR" sz="1050" b="1" dirty="0"/>
+              <a:t>/view/oaYZYlQekFvJwlfknhyKX5gykfhVLO9b/</a:t>
+            </a:r>
+            <a:endParaRPr lang="ko-Kore-KR" altLang="en-US" sz="700" dirty="0"/>
+          </a:p>
+        </p:txBody>
+      </p:sp>
+    </p:spTree>
+    <p:extLst>
+      <p:ext uri="{BB962C8B-B14F-4D97-AF65-F5344CB8AC3E}">
+        <p14:creationId xmlns:p14="http://schemas.microsoft.com/office/powerpoint/2010/main" val="1065038652"/>
+      </p:ext>
+    </p:extLst>
+  </p:cSld>
+  <p:clrMapOvr>
+    <a:masterClrMapping/>
+  </p:clrMapOvr>
+</p:sld>
+</file>
+
+<file path=ppt/slides/slide5.xml><?xml version="1.0" encoding="utf-8"?>
+<p:sld xmlns:a="http://schemas.openxmlformats.org/drawingml/2006/main" xmlns:r="http://schemas.openxmlformats.org/officeDocument/2006/relationships" xmlns:p="http://schemas.openxmlformats.org/presentationml/2006/main">
+  <p:cSld>
+    <p:spTree>
+      <p:nvGrpSpPr>
+        <p:cNvPr id="1" name=""/>
+        <p:cNvGrpSpPr/>
+        <p:nvPr/>
+      </p:nvGrpSpPr>
+      <p:grpSpPr>
+        <a:xfrm>
+          <a:off x="0" y="0"/>
+          <a:ext cx="0" cy="0"/>
+          <a:chOff x="0" y="0"/>
+          <a:chExt cx="0" cy="0"/>
+        </a:xfrm>
+      </p:grpSpPr>
+      <p:sp>
+        <p:nvSpPr>
+          <p:cNvPr id="2" name="제목 1">
+            <a:extLst>
+              <a:ext uri="{FF2B5EF4-FFF2-40B4-BE49-F238E27FC236}">
+                <a16:creationId xmlns:a16="http://schemas.microsoft.com/office/drawing/2014/main" id="{4DA2F12F-ADD1-A247-8F78-05DDB7F1CE61}"/>
+              </a:ext>
+            </a:extLst>
+          </p:cNvPr>
+          <p:cNvSpPr>
+            <a:spLocks noGrp="1"/>
+          </p:cNvSpPr>
+          <p:nvPr>
+            <p:ph type="title"/>
+          </p:nvPr>
+        </p:nvSpPr>
+        <p:spPr>
+          <a:xfrm>
+            <a:off x="411218" y="173123"/>
+            <a:ext cx="853966" cy="315912"/>
+          </a:xfrm>
+        </p:spPr>
+        <p:txBody>
+          <a:bodyPr>
+            <a:noAutofit/>
+          </a:bodyPr>
+          <a:lstStyle/>
+          <a:p>
+            <a:r>
+              <a:rPr kumimoji="1" lang="en-US" altLang="ko-Kore-KR" sz="1600" dirty="0"/>
+              <a:t>UI</a:t>
+            </a:r>
+            <a:r>
+              <a:rPr kumimoji="1" lang="ko-KR" altLang="en-US" sz="1600" dirty="0"/>
+              <a:t> 구성</a:t>
+            </a:r>
+            <a:endParaRPr kumimoji="1" lang="ko-Kore-KR" altLang="en-US" sz="1600" dirty="0"/>
+          </a:p>
+        </p:txBody>
+      </p:sp>
+      <p:cxnSp>
+        <p:nvCxnSpPr>
+          <p:cNvPr id="8" name="직선 연결선[R] 7">
+            <a:extLst>
+              <a:ext uri="{FF2B5EF4-FFF2-40B4-BE49-F238E27FC236}">
+                <a16:creationId xmlns:a16="http://schemas.microsoft.com/office/drawing/2014/main" id="{27890F80-36DC-BE45-AF2C-8F1A6E9E5B40}"/>
+              </a:ext>
+            </a:extLst>
+          </p:cNvPr>
+          <p:cNvCxnSpPr/>
+          <p:nvPr/>
+        </p:nvCxnSpPr>
+        <p:spPr>
+          <a:xfrm>
+            <a:off x="0" y="798788"/>
+            <a:ext cx="12204000" cy="0"/>
+          </a:xfrm>
+          <a:prstGeom prst="line">
+            <a:avLst/>
+          </a:prstGeom>
+          <a:ln w="25400"/>
+        </p:spPr>
+        <p:style>
+          <a:lnRef idx="1">
+            <a:schemeClr val="dk1"/>
+          </a:lnRef>
+          <a:fillRef idx="0">
+            <a:schemeClr val="dk1"/>
+          </a:fillRef>
+          <a:effectRef idx="0">
+            <a:schemeClr val="dk1"/>
+          </a:effectRef>
+          <a:fontRef idx="minor">
+            <a:schemeClr val="tx1"/>
+          </a:fontRef>
+        </p:style>
+      </p:cxnSp>
+      <p:sp>
+        <p:nvSpPr>
+          <p:cNvPr id="9" name="제목 1">
+            <a:extLst>
+              <a:ext uri="{FF2B5EF4-FFF2-40B4-BE49-F238E27FC236}">
+                <a16:creationId xmlns:a16="http://schemas.microsoft.com/office/drawing/2014/main" id="{6F8A83B5-CF55-8A4A-806C-1AA82B17116C}"/>
+              </a:ext>
+            </a:extLst>
+          </p:cNvPr>
+          <p:cNvSpPr txBox="1">
+            <a:spLocks/>
+          </p:cNvSpPr>
+          <p:nvPr/>
+        </p:nvSpPr>
+        <p:spPr>
+          <a:xfrm>
+            <a:off x="10626811" y="173123"/>
+            <a:ext cx="1355800" cy="315912"/>
+          </a:xfrm>
+          <a:prstGeom prst="rect">
+            <a:avLst/>
+          </a:prstGeom>
+        </p:spPr>
+        <p:txBody>
+          <a:bodyPr vert="horz" lIns="91440" tIns="45720" rIns="91440" bIns="45720" rtlCol="0" anchor="ctr">
+            <a:noAutofit/>
+          </a:bodyPr>
+          <a:lstStyle>
+            <a:lvl1pPr algn="l" defTabSz="914400" rtl="0" eaLnBrk="1" latinLnBrk="0" hangingPunct="1">
+              <a:lnSpc>
+                <a:spcPct val="90000"/>
+              </a:lnSpc>
+              <a:spcBef>
+                <a:spcPct val="0"/>
+              </a:spcBef>
+              <a:buNone/>
+              <a:defRPr sz="4400" kern="1200">
+                <a:solidFill>
+                  <a:schemeClr val="tx1"/>
+                </a:solidFill>
+                <a:latin typeface="+mj-lt"/>
+                <a:ea typeface="+mj-ea"/>
+                <a:cs typeface="+mj-cs"/>
+              </a:defRPr>
+            </a:lvl1pPr>
+          </a:lstStyle>
+          <a:p>
+            <a:r>
+              <a:rPr kumimoji="1" lang="en-US" altLang="ko-Kore-KR" sz="1600" dirty="0"/>
+              <a:t>Record a Day</a:t>
+            </a:r>
+            <a:endParaRPr kumimoji="1" lang="ko-Kore-KR" altLang="en-US" sz="1600" dirty="0"/>
+          </a:p>
+        </p:txBody>
+      </p:sp>
+      <p:sp>
+        <p:nvSpPr>
+          <p:cNvPr id="42" name="TextBox 41">
+            <a:extLst>
+              <a:ext uri="{FF2B5EF4-FFF2-40B4-BE49-F238E27FC236}">
+                <a16:creationId xmlns:a16="http://schemas.microsoft.com/office/drawing/2014/main" id="{74EA8B61-F331-3842-ACA0-C8A2864B72A9}"/>
+              </a:ext>
+            </a:extLst>
+          </p:cNvPr>
+          <p:cNvSpPr txBox="1"/>
+          <p:nvPr/>
+        </p:nvSpPr>
+        <p:spPr>
+          <a:xfrm>
+            <a:off x="697683" y="3893618"/>
+            <a:ext cx="954107" cy="261610"/>
+          </a:xfrm>
+          <a:prstGeom prst="rect">
+            <a:avLst/>
+          </a:prstGeom>
+          <a:noFill/>
+        </p:spPr>
+        <p:txBody>
+          <a:bodyPr wrap="none" rtlCol="0">
+            <a:spAutoFit/>
+          </a:bodyPr>
+          <a:lstStyle/>
+          <a:p>
+            <a:r>
+              <a:rPr kumimoji="1" lang="ko-KR" altLang="en-US" sz="1100" dirty="0"/>
+              <a:t>내 정보 화면</a:t>
+            </a:r>
+            <a:endParaRPr kumimoji="1" lang="ko-Kore-KR" altLang="en-US" sz="1100" dirty="0"/>
+          </a:p>
+        </p:txBody>
+      </p:sp>
+      <p:graphicFrame>
+        <p:nvGraphicFramePr>
+          <p:cNvPr id="68" name="표 68">
+            <a:extLst>
+              <a:ext uri="{FF2B5EF4-FFF2-40B4-BE49-F238E27FC236}">
+                <a16:creationId xmlns:a16="http://schemas.microsoft.com/office/drawing/2014/main" id="{7345807B-9DE2-4045-B555-0840364E146C}"/>
+              </a:ext>
+            </a:extLst>
+          </p:cNvPr>
+          <p:cNvGraphicFramePr>
+            <a:graphicFrameLocks noGrp="1"/>
+          </p:cNvGraphicFramePr>
+          <p:nvPr>
+            <p:extLst>
+              <p:ext uri="{D42A27DB-BD31-4B8C-83A1-F6EECF244321}">
+                <p14:modId xmlns:p14="http://schemas.microsoft.com/office/powerpoint/2010/main" val="2803971501"/>
+              </p:ext>
+            </p:extLst>
+          </p:nvPr>
+        </p:nvGraphicFramePr>
+        <p:xfrm>
+          <a:off x="443082" y="4556035"/>
+          <a:ext cx="3944505" cy="1422396"/>
+        </p:xfrm>
+        <a:graphic>
+          <a:graphicData uri="http://schemas.openxmlformats.org/drawingml/2006/table">
+            <a:tbl>
+              <a:tblPr firstRow="1" bandRow="1">
+                <a:tableStyleId>{F5AB1C69-6EDB-4FF4-983F-18BD219EF322}</a:tableStyleId>
+              </a:tblPr>
+              <a:tblGrid>
+                <a:gridCol w="3944505">
+                  <a:extLst>
+                    <a:ext uri="{9D8B030D-6E8A-4147-A177-3AD203B41FA5}">
+                      <a16:colId xmlns:a16="http://schemas.microsoft.com/office/drawing/2014/main" val="1730690052"/>
+                    </a:ext>
+                  </a:extLst>
+                </a:gridCol>
+              </a:tblGrid>
+              <a:tr h="233676">
+                <a:tc>
+                  <a:txBody>
+                    <a:bodyPr/>
+                    <a:lstStyle/>
+                    <a:p>
+                      <a:r>
+                        <a:rPr lang="ko-KR" altLang="en-US" sz="900" b="0" i="0" cap="none" spc="0" dirty="0">
+                          <a:ln w="0"/>
+                          <a:solidFill>
+                            <a:schemeClr val="tx1"/>
+                          </a:solidFill>
+                          <a:effectLst>
+                            <a:outerShdw blurRad="38100" dist="19050" dir="2700000" algn="tl" rotWithShape="0">
+                              <a:schemeClr val="dk1">
+                                <a:alpha val="40000"/>
+                              </a:schemeClr>
+                            </a:outerShdw>
+                          </a:effectLst>
+                        </a:rPr>
+                        <a:t>내 정보 화면</a:t>
+                      </a:r>
+                      <a:endParaRPr lang="ko-Kore-KR" altLang="en-US" sz="900" b="0" i="0" cap="none" spc="0" dirty="0">
+                        <a:ln w="0"/>
+                        <a:solidFill>
+                          <a:schemeClr val="tx1"/>
+                        </a:solidFill>
+                        <a:effectLst>
+                          <a:outerShdw blurRad="38100" dist="19050" dir="2700000" algn="tl" rotWithShape="0">
+                            <a:schemeClr val="dk1">
+                              <a:alpha val="40000"/>
+                            </a:schemeClr>
+                          </a:outerShdw>
+                        </a:effectLst>
+                      </a:endParaRPr>
+                    </a:p>
+                  </a:txBody>
+                  <a:tcPr/>
+                </a:tc>
+                <a:extLst>
+                  <a:ext uri="{0D108BD9-81ED-4DB2-BD59-A6C34878D82A}">
+                    <a16:rowId xmlns:a16="http://schemas.microsoft.com/office/drawing/2014/main" val="3124255190"/>
+                  </a:ext>
+                </a:extLst>
+              </a:tr>
+              <a:tr h="370840">
+                <a:tc>
+                  <a:txBody>
+                    <a:bodyPr/>
+                    <a:lstStyle/>
+                    <a:p>
+                      <a:pPr marL="228600" indent="-228600" algn="l" latinLnBrk="1">
+                        <a:buFont typeface="+mj-lt"/>
+                        <a:buAutoNum type="arabicPeriod"/>
+                      </a:pPr>
+                      <a:r>
+                        <a:rPr lang="ko-KR" altLang="en-US" sz="900" b="0" i="0" dirty="0">
+                          <a:solidFill>
+                            <a:srgbClr val="333333"/>
+                          </a:solidFill>
+                          <a:effectLst/>
+                          <a:latin typeface="HanSans"/>
+                        </a:rPr>
+                        <a:t>전구 모양 터치 후 프로필 이미지 선택 시 내 정보 화면으로 이동</a:t>
+                      </a:r>
+                      <a:endParaRPr lang="en-US" altLang="ko-KR" sz="900" b="0" i="0" dirty="0">
+                        <a:solidFill>
+                          <a:srgbClr val="333333"/>
+                        </a:solidFill>
+                        <a:effectLst/>
+                        <a:latin typeface="HanSans"/>
+                      </a:endParaRPr>
+                    </a:p>
+                    <a:p>
+                      <a:pPr marL="228600" indent="-228600" algn="l" latinLnBrk="1">
+                        <a:buFont typeface="+mj-lt"/>
+                        <a:buAutoNum type="arabicPeriod"/>
+                      </a:pPr>
+                      <a:r>
+                        <a:rPr lang="ko-KR" altLang="en-US" sz="900" b="0" i="0" dirty="0">
+                          <a:solidFill>
+                            <a:srgbClr val="333333"/>
+                          </a:solidFill>
+                          <a:effectLst/>
+                          <a:latin typeface="HanSans"/>
+                        </a:rPr>
+                        <a:t>최초 로그인</a:t>
+                      </a:r>
+                      <a:r>
+                        <a:rPr lang="en-US" altLang="ko-KR" sz="900" b="0" i="0" dirty="0">
+                          <a:solidFill>
+                            <a:srgbClr val="333333"/>
+                          </a:solidFill>
+                          <a:effectLst/>
+                          <a:latin typeface="HanSans"/>
+                        </a:rPr>
+                        <a:t>(</a:t>
+                      </a:r>
+                      <a:r>
+                        <a:rPr lang="ko-KR" altLang="en-US" sz="900" b="0" i="0" dirty="0">
+                          <a:solidFill>
+                            <a:srgbClr val="333333"/>
+                          </a:solidFill>
+                          <a:effectLst/>
+                          <a:latin typeface="HanSans"/>
+                        </a:rPr>
+                        <a:t>자동 로그인</a:t>
+                      </a:r>
+                      <a:r>
+                        <a:rPr lang="en-US" altLang="ko-KR" sz="900" b="0" i="0" dirty="0">
+                          <a:solidFill>
+                            <a:srgbClr val="333333"/>
+                          </a:solidFill>
+                          <a:effectLst/>
+                          <a:latin typeface="HanSans"/>
+                        </a:rPr>
+                        <a:t>x)</a:t>
+                      </a:r>
+                      <a:r>
+                        <a:rPr lang="ko-KR" altLang="en-US" sz="900" b="0" i="0" dirty="0">
+                          <a:solidFill>
+                            <a:srgbClr val="333333"/>
+                          </a:solidFill>
+                          <a:effectLst/>
+                          <a:latin typeface="HanSans"/>
+                        </a:rPr>
+                        <a:t> 시 가이드 </a:t>
+                      </a:r>
+                      <a:r>
+                        <a:rPr lang="ko-KR" altLang="en-US" sz="900" b="0" i="0" dirty="0" err="1">
+                          <a:solidFill>
+                            <a:srgbClr val="333333"/>
+                          </a:solidFill>
+                          <a:effectLst/>
+                          <a:latin typeface="HanSans"/>
+                        </a:rPr>
+                        <a:t>툴팁</a:t>
+                      </a:r>
+                      <a:r>
+                        <a:rPr lang="en-US" altLang="ko-KR" sz="900" b="0" i="0" dirty="0">
+                          <a:solidFill>
+                            <a:srgbClr val="333333"/>
+                          </a:solidFill>
+                          <a:effectLst/>
+                          <a:latin typeface="HanSans"/>
+                        </a:rPr>
+                        <a:t>(1)</a:t>
+                      </a:r>
+                      <a:r>
+                        <a:rPr lang="ko-KR" altLang="en-US" sz="900" b="0" i="0" dirty="0">
+                          <a:solidFill>
+                            <a:srgbClr val="333333"/>
+                          </a:solidFill>
+                          <a:effectLst/>
+                          <a:latin typeface="HanSans"/>
+                        </a:rPr>
+                        <a:t> 제공</a:t>
+                      </a:r>
+                      <a:endParaRPr lang="en-US" altLang="ko-KR" sz="900" b="0" i="0" dirty="0">
+                        <a:solidFill>
+                          <a:srgbClr val="333333"/>
+                        </a:solidFill>
+                        <a:effectLst/>
+                        <a:latin typeface="HanSans"/>
+                      </a:endParaRPr>
+                    </a:p>
+                    <a:p>
+                      <a:pPr marL="228600" indent="-228600" algn="l" latinLnBrk="1">
+                        <a:buFont typeface="+mj-lt"/>
+                        <a:buAutoNum type="arabicPeriod"/>
+                      </a:pPr>
+                      <a:r>
+                        <a:rPr lang="ko-KR" altLang="en-US" sz="900" b="0" i="0" dirty="0">
+                          <a:solidFill>
+                            <a:srgbClr val="333333"/>
+                          </a:solidFill>
+                          <a:effectLst/>
+                          <a:latin typeface="HanSans"/>
+                        </a:rPr>
+                        <a:t>하루를 기록한 횟수 제공</a:t>
+                      </a:r>
+                      <a:endParaRPr lang="en-US" altLang="ko-KR" sz="900" b="0" i="0" dirty="0">
+                        <a:solidFill>
+                          <a:srgbClr val="333333"/>
+                        </a:solidFill>
+                        <a:effectLst/>
+                        <a:latin typeface="HanSans"/>
+                      </a:endParaRPr>
+                    </a:p>
+                    <a:p>
+                      <a:pPr marL="228600" indent="-228600" algn="l" latinLnBrk="1">
+                        <a:buFont typeface="+mj-lt"/>
+                        <a:buAutoNum type="arabicPeriod"/>
+                      </a:pPr>
+                      <a:r>
+                        <a:rPr lang="ko-KR" altLang="en-US" sz="900" b="0" i="0" dirty="0">
+                          <a:solidFill>
+                            <a:srgbClr val="333333"/>
+                          </a:solidFill>
+                          <a:effectLst/>
+                          <a:latin typeface="HanSans"/>
+                        </a:rPr>
+                        <a:t>배지 리스트 제공</a:t>
+                      </a:r>
+                      <a:r>
+                        <a:rPr lang="en-US" altLang="ko-KR" sz="900" b="0" i="0" dirty="0">
+                          <a:solidFill>
+                            <a:srgbClr val="333333"/>
+                          </a:solidFill>
+                          <a:effectLst/>
+                          <a:latin typeface="HanSans"/>
+                        </a:rPr>
+                        <a:t>,</a:t>
+                      </a:r>
+                      <a:r>
+                        <a:rPr lang="ko-KR" altLang="en-US" sz="900" b="0" i="0" dirty="0">
+                          <a:solidFill>
+                            <a:srgbClr val="333333"/>
+                          </a:solidFill>
+                          <a:effectLst/>
+                          <a:latin typeface="HanSans"/>
+                        </a:rPr>
+                        <a:t> 선택 시 배지 리스트 화면으로 이동</a:t>
+                      </a:r>
+                      <a:endParaRPr lang="en-US" altLang="ko-KR" sz="900" b="0" i="0" dirty="0">
+                        <a:solidFill>
+                          <a:srgbClr val="333333"/>
+                        </a:solidFill>
+                        <a:effectLst/>
+                        <a:latin typeface="HanSans"/>
+                      </a:endParaRPr>
+                    </a:p>
+                    <a:p>
+                      <a:pPr marL="228600" indent="-228600" algn="l" latinLnBrk="1">
+                        <a:buFont typeface="+mj-lt"/>
+                        <a:buAutoNum type="arabicPeriod"/>
+                      </a:pPr>
+                      <a:r>
+                        <a:rPr lang="ko-KR" altLang="en-US" sz="900" b="0" i="0" dirty="0">
+                          <a:solidFill>
+                            <a:srgbClr val="333333"/>
+                          </a:solidFill>
+                          <a:effectLst/>
+                          <a:latin typeface="HanSans"/>
+                        </a:rPr>
+                        <a:t>나의 목표 제공</a:t>
+                      </a:r>
+                      <a:r>
+                        <a:rPr lang="en-US" altLang="ko-KR" sz="900" b="0" i="0" dirty="0">
+                          <a:solidFill>
+                            <a:srgbClr val="333333"/>
+                          </a:solidFill>
+                          <a:effectLst/>
+                          <a:latin typeface="HanSans"/>
+                        </a:rPr>
+                        <a:t>,</a:t>
+                      </a:r>
+                      <a:r>
+                        <a:rPr lang="ko-KR" altLang="en-US" sz="900" b="0" i="0" dirty="0">
+                          <a:solidFill>
+                            <a:srgbClr val="333333"/>
+                          </a:solidFill>
+                          <a:effectLst/>
+                          <a:latin typeface="HanSans"/>
+                        </a:rPr>
+                        <a:t> 목표가 없을 경우 </a:t>
+                      </a:r>
+                      <a:r>
+                        <a:rPr lang="en-US" altLang="ko-KR" sz="900" b="0" i="0" dirty="0">
+                          <a:solidFill>
+                            <a:srgbClr val="333333"/>
+                          </a:solidFill>
+                          <a:effectLst/>
+                          <a:latin typeface="HanSans"/>
+                        </a:rPr>
+                        <a:t>default </a:t>
+                      </a:r>
+                      <a:r>
+                        <a:rPr lang="ko-KR" altLang="en-US" sz="900" b="0" i="0" dirty="0">
+                          <a:solidFill>
+                            <a:srgbClr val="333333"/>
+                          </a:solidFill>
+                          <a:effectLst/>
+                          <a:latin typeface="HanSans"/>
+                        </a:rPr>
+                        <a:t>문구 제공</a:t>
+                      </a:r>
+                      <a:r>
+                        <a:rPr lang="en-US" altLang="ko-KR" sz="900" b="0" i="0" dirty="0">
+                          <a:solidFill>
+                            <a:srgbClr val="333333"/>
+                          </a:solidFill>
+                          <a:effectLst/>
+                          <a:latin typeface="HanSans"/>
+                        </a:rPr>
+                        <a:t>,</a:t>
+                      </a:r>
+                      <a:r>
+                        <a:rPr lang="ko-KR" altLang="en-US" sz="900" b="0" i="0" dirty="0">
+                          <a:solidFill>
+                            <a:srgbClr val="333333"/>
+                          </a:solidFill>
+                          <a:effectLst/>
+                          <a:latin typeface="HanSans"/>
+                        </a:rPr>
+                        <a:t> 목표 설정하기 버튼으로 목표를 설정하여 진행 사항 </a:t>
+                      </a:r>
+                      <a:r>
+                        <a:rPr lang="ko-KR" altLang="en-US" sz="900" b="0" i="0" dirty="0" err="1">
+                          <a:solidFill>
+                            <a:srgbClr val="333333"/>
+                          </a:solidFill>
+                          <a:effectLst/>
+                          <a:latin typeface="HanSans"/>
+                        </a:rPr>
+                        <a:t>프로그래스</a:t>
+                      </a:r>
+                      <a:r>
+                        <a:rPr lang="ko-KR" altLang="en-US" sz="900" b="0" i="0" dirty="0">
+                          <a:solidFill>
+                            <a:srgbClr val="333333"/>
+                          </a:solidFill>
+                          <a:effectLst/>
+                          <a:latin typeface="HanSans"/>
+                        </a:rPr>
+                        <a:t> 바로 표시</a:t>
+                      </a:r>
+                      <a:endParaRPr lang="en-US" altLang="ko-KR" sz="900" b="0" i="0" dirty="0">
+                        <a:solidFill>
+                          <a:srgbClr val="333333"/>
+                        </a:solidFill>
+                        <a:effectLst/>
+                        <a:latin typeface="HanSans"/>
+                      </a:endParaRPr>
+                    </a:p>
+                    <a:p>
+                      <a:pPr marL="228600" indent="-228600" algn="l" latinLnBrk="1">
+                        <a:buFont typeface="+mj-lt"/>
+                        <a:buAutoNum type="arabicPeriod"/>
+                      </a:pPr>
+                      <a:r>
+                        <a:rPr lang="en-US" altLang="ko-KR" sz="900" b="0" i="0" dirty="0">
+                          <a:solidFill>
+                            <a:srgbClr val="333333"/>
+                          </a:solidFill>
+                          <a:effectLst/>
+                          <a:latin typeface="HanSans"/>
+                        </a:rPr>
+                        <a:t>TODO</a:t>
+                      </a:r>
+                      <a:r>
+                        <a:rPr lang="ko-KR" altLang="en-US" sz="900" b="0" i="0" dirty="0">
+                          <a:solidFill>
+                            <a:srgbClr val="333333"/>
+                          </a:solidFill>
+                          <a:effectLst/>
+                          <a:latin typeface="HanSans"/>
+                        </a:rPr>
+                        <a:t> 리스트 목록 제공 선택 시 </a:t>
+                      </a:r>
+                      <a:r>
+                        <a:rPr lang="en-US" altLang="ko-KR" sz="900" b="0" i="0" dirty="0">
+                          <a:solidFill>
+                            <a:srgbClr val="333333"/>
+                          </a:solidFill>
+                          <a:effectLst/>
+                          <a:latin typeface="HanSans"/>
+                        </a:rPr>
+                        <a:t>TODO </a:t>
+                      </a:r>
+                      <a:r>
+                        <a:rPr lang="ko-KR" altLang="en-US" sz="900" b="0" i="0" dirty="0">
+                          <a:solidFill>
+                            <a:srgbClr val="333333"/>
+                          </a:solidFill>
+                          <a:effectLst/>
+                          <a:latin typeface="HanSans"/>
+                        </a:rPr>
+                        <a:t>리스트 화면으로 이동</a:t>
+                      </a:r>
+                      <a:r>
+                        <a:rPr lang="en-US" altLang="ko-KR" sz="900" b="0" i="0" dirty="0">
+                          <a:solidFill>
+                            <a:srgbClr val="333333"/>
+                          </a:solidFill>
+                          <a:effectLst/>
+                          <a:latin typeface="HanSans"/>
+                        </a:rPr>
+                        <a:t>,</a:t>
+                      </a:r>
+                      <a:r>
+                        <a:rPr lang="ko-KR" altLang="en-US" sz="900" b="0" i="0" dirty="0">
+                          <a:solidFill>
+                            <a:srgbClr val="333333"/>
+                          </a:solidFill>
+                          <a:effectLst/>
+                          <a:latin typeface="HanSans"/>
+                        </a:rPr>
+                        <a:t> 내 정보에 보여지는 할 일은 최근 순으로 정렬하여 </a:t>
+                      </a:r>
+                      <a:r>
+                        <a:rPr lang="en-US" altLang="ko-KR" sz="900" b="0" i="0" dirty="0">
+                          <a:solidFill>
+                            <a:srgbClr val="333333"/>
+                          </a:solidFill>
+                          <a:effectLst/>
+                          <a:latin typeface="HanSans"/>
+                        </a:rPr>
+                        <a:t>2~3</a:t>
+                      </a:r>
+                      <a:r>
+                        <a:rPr lang="ko-KR" altLang="en-US" sz="900" b="0" i="0" dirty="0">
+                          <a:solidFill>
+                            <a:srgbClr val="333333"/>
+                          </a:solidFill>
+                          <a:effectLst/>
+                          <a:latin typeface="HanSans"/>
+                        </a:rPr>
+                        <a:t>개 표시</a:t>
+                      </a:r>
+                    </a:p>
+                  </a:txBody>
+                  <a:tcPr/>
+                </a:tc>
+                <a:extLst>
+                  <a:ext uri="{0D108BD9-81ED-4DB2-BD59-A6C34878D82A}">
+                    <a16:rowId xmlns:a16="http://schemas.microsoft.com/office/drawing/2014/main" val="2301895042"/>
+                  </a:ext>
+                </a:extLst>
+              </a:tr>
+            </a:tbl>
+          </a:graphicData>
+        </a:graphic>
+      </p:graphicFrame>
+      <p:pic>
+        <p:nvPicPr>
+          <p:cNvPr id="3" name="그림 2">
+            <a:extLst>
+              <a:ext uri="{FF2B5EF4-FFF2-40B4-BE49-F238E27FC236}">
+                <a16:creationId xmlns:a16="http://schemas.microsoft.com/office/drawing/2014/main" id="{1802020B-E815-2344-A914-FD85BB3489E6}"/>
+              </a:ext>
+            </a:extLst>
+          </p:cNvPr>
+          <p:cNvPicPr>
+            <a:picLocks noChangeAspect="1"/>
+          </p:cNvPicPr>
+          <p:nvPr/>
+        </p:nvPicPr>
+        <p:blipFill>
+          <a:blip r:embed="rId2"/>
+          <a:stretch>
+            <a:fillRect/>
+          </a:stretch>
+        </p:blipFill>
+        <p:spPr>
+          <a:xfrm>
+            <a:off x="443082" y="1092256"/>
+            <a:ext cx="1644204" cy="2734284"/>
+          </a:xfrm>
+          <a:prstGeom prst="rect">
+            <a:avLst/>
+          </a:prstGeom>
+        </p:spPr>
+      </p:pic>
+      <p:pic>
+        <p:nvPicPr>
+          <p:cNvPr id="5" name="그림 4">
+            <a:extLst>
+              <a:ext uri="{FF2B5EF4-FFF2-40B4-BE49-F238E27FC236}">
+                <a16:creationId xmlns:a16="http://schemas.microsoft.com/office/drawing/2014/main" id="{2F3CF316-9AAF-9348-9FB2-D92F23BCB1CC}"/>
+              </a:ext>
+            </a:extLst>
+          </p:cNvPr>
+          <p:cNvPicPr>
+            <a:picLocks noChangeAspect="1"/>
+          </p:cNvPicPr>
+          <p:nvPr/>
+        </p:nvPicPr>
+        <p:blipFill>
+          <a:blip r:embed="rId3"/>
+          <a:stretch>
+            <a:fillRect/>
+          </a:stretch>
+        </p:blipFill>
+        <p:spPr>
+          <a:xfrm>
+            <a:off x="2543734" y="1068998"/>
+            <a:ext cx="1644203" cy="2757542"/>
+          </a:xfrm>
+          <a:prstGeom prst="rect">
+            <a:avLst/>
+          </a:prstGeom>
+        </p:spPr>
+      </p:pic>
+      <p:sp>
+        <p:nvSpPr>
+          <p:cNvPr id="22" name="TextBox 21">
+            <a:extLst>
+              <a:ext uri="{FF2B5EF4-FFF2-40B4-BE49-F238E27FC236}">
+                <a16:creationId xmlns:a16="http://schemas.microsoft.com/office/drawing/2014/main" id="{C9857979-03F6-7F4E-9243-41EFB681C223}"/>
+              </a:ext>
+            </a:extLst>
+          </p:cNvPr>
+          <p:cNvSpPr txBox="1"/>
+          <p:nvPr/>
+        </p:nvSpPr>
+        <p:spPr>
+          <a:xfrm>
+            <a:off x="2809432" y="3893618"/>
+            <a:ext cx="1112805" cy="261610"/>
+          </a:xfrm>
+          <a:prstGeom prst="rect">
+            <a:avLst/>
+          </a:prstGeom>
+          <a:noFill/>
+        </p:spPr>
+        <p:txBody>
+          <a:bodyPr wrap="none" rtlCol="0">
+            <a:spAutoFit/>
+          </a:bodyPr>
+          <a:lstStyle/>
+          <a:p>
+            <a:r>
+              <a:rPr kumimoji="1" lang="en-US" altLang="ko-KR" sz="1100" dirty="0"/>
+              <a:t>(1)</a:t>
+            </a:r>
+            <a:r>
+              <a:rPr kumimoji="1" lang="ko-KR" altLang="en-US" sz="1100" dirty="0"/>
+              <a:t> 가이드 </a:t>
+            </a:r>
+            <a:r>
+              <a:rPr kumimoji="1" lang="ko-KR" altLang="en-US" sz="1100" dirty="0" err="1"/>
+              <a:t>툴팁</a:t>
+            </a:r>
+            <a:endParaRPr kumimoji="1" lang="ko-Kore-KR" altLang="en-US" sz="1100" dirty="0"/>
+          </a:p>
+        </p:txBody>
+      </p:sp>
+      <p:pic>
+        <p:nvPicPr>
+          <p:cNvPr id="6" name="그림 5">
+            <a:extLst>
+              <a:ext uri="{FF2B5EF4-FFF2-40B4-BE49-F238E27FC236}">
+                <a16:creationId xmlns:a16="http://schemas.microsoft.com/office/drawing/2014/main" id="{1A2180E3-9BA1-4E46-B3DE-724ED9C52142}"/>
+              </a:ext>
+            </a:extLst>
+          </p:cNvPr>
+          <p:cNvPicPr>
+            <a:picLocks noChangeAspect="1"/>
+          </p:cNvPicPr>
+          <p:nvPr/>
+        </p:nvPicPr>
+        <p:blipFill>
+          <a:blip r:embed="rId4"/>
+          <a:stretch>
+            <a:fillRect/>
+          </a:stretch>
+        </p:blipFill>
+        <p:spPr>
+          <a:xfrm>
+            <a:off x="4839557" y="1108543"/>
+            <a:ext cx="1644203" cy="2754040"/>
+          </a:xfrm>
+          <a:prstGeom prst="rect">
+            <a:avLst/>
+          </a:prstGeom>
+        </p:spPr>
+      </p:pic>
+      <p:sp>
+        <p:nvSpPr>
+          <p:cNvPr id="26" name="TextBox 25">
+            <a:extLst>
+              <a:ext uri="{FF2B5EF4-FFF2-40B4-BE49-F238E27FC236}">
+                <a16:creationId xmlns:a16="http://schemas.microsoft.com/office/drawing/2014/main" id="{BABB4060-EEF4-A347-A13D-5F83B46A1649}"/>
+              </a:ext>
+            </a:extLst>
+          </p:cNvPr>
+          <p:cNvSpPr txBox="1"/>
+          <p:nvPr/>
+        </p:nvSpPr>
+        <p:spPr>
+          <a:xfrm>
+            <a:off x="5141893" y="3910727"/>
+            <a:ext cx="1095172" cy="261610"/>
+          </a:xfrm>
+          <a:prstGeom prst="rect">
+            <a:avLst/>
+          </a:prstGeom>
+          <a:noFill/>
+        </p:spPr>
+        <p:txBody>
+          <a:bodyPr wrap="none" rtlCol="0">
+            <a:spAutoFit/>
+          </a:bodyPr>
+          <a:lstStyle/>
+          <a:p>
+            <a:r>
+              <a:rPr kumimoji="1" lang="ko-KR" altLang="en-US" sz="1100" dirty="0"/>
+              <a:t>일기 쓰기 화면</a:t>
+            </a:r>
+            <a:endParaRPr kumimoji="1" lang="ko-Kore-KR" altLang="en-US" sz="1100" dirty="0"/>
+          </a:p>
+        </p:txBody>
+      </p:sp>
+      <p:graphicFrame>
+        <p:nvGraphicFramePr>
+          <p:cNvPr id="27" name="표 68">
+            <a:extLst>
+              <a:ext uri="{FF2B5EF4-FFF2-40B4-BE49-F238E27FC236}">
+                <a16:creationId xmlns:a16="http://schemas.microsoft.com/office/drawing/2014/main" id="{8203ABF4-D05A-1743-8671-5E8E240DE877}"/>
+              </a:ext>
+            </a:extLst>
+          </p:cNvPr>
+          <p:cNvGraphicFramePr>
+            <a:graphicFrameLocks noGrp="1"/>
+          </p:cNvGraphicFramePr>
+          <p:nvPr>
+            <p:extLst>
+              <p:ext uri="{D42A27DB-BD31-4B8C-83A1-F6EECF244321}">
+                <p14:modId xmlns:p14="http://schemas.microsoft.com/office/powerpoint/2010/main" val="150753279"/>
+              </p:ext>
+            </p:extLst>
+          </p:nvPr>
+        </p:nvGraphicFramePr>
+        <p:xfrm>
+          <a:off x="4839558" y="4556035"/>
+          <a:ext cx="2822484" cy="736596"/>
+        </p:xfrm>
+        <a:graphic>
+          <a:graphicData uri="http://schemas.openxmlformats.org/drawingml/2006/table">
+            <a:tbl>
+              <a:tblPr firstRow="1" bandRow="1">
+                <a:tableStyleId>{F5AB1C69-6EDB-4FF4-983F-18BD219EF322}</a:tableStyleId>
+              </a:tblPr>
+              <a:tblGrid>
+                <a:gridCol w="2822484">
+                  <a:extLst>
+                    <a:ext uri="{9D8B030D-6E8A-4147-A177-3AD203B41FA5}">
+                      <a16:colId xmlns:a16="http://schemas.microsoft.com/office/drawing/2014/main" val="1730690052"/>
+                    </a:ext>
+                  </a:extLst>
+                </a:gridCol>
+              </a:tblGrid>
+              <a:tr h="233676">
+                <a:tc>
+                  <a:txBody>
+                    <a:bodyPr/>
+                    <a:lstStyle/>
+                    <a:p>
+                      <a:r>
+                        <a:rPr lang="ko-KR" altLang="en-US" sz="900" b="0" i="0" cap="none" spc="0" dirty="0">
+                          <a:ln w="0"/>
+                          <a:solidFill>
+                            <a:schemeClr val="tx1"/>
+                          </a:solidFill>
+                          <a:effectLst>
+                            <a:outerShdw blurRad="38100" dist="19050" dir="2700000" algn="tl" rotWithShape="0">
+                              <a:schemeClr val="dk1">
+                                <a:alpha val="40000"/>
+                              </a:schemeClr>
+                            </a:outerShdw>
+                          </a:effectLst>
+                        </a:rPr>
+                        <a:t>일기 쓰기 화면</a:t>
+                      </a:r>
+                      <a:endParaRPr lang="ko-Kore-KR" altLang="en-US" sz="900" b="0" i="0" cap="none" spc="0" dirty="0">
+                        <a:ln w="0"/>
+                        <a:solidFill>
+                          <a:schemeClr val="tx1"/>
+                        </a:solidFill>
+                        <a:effectLst>
+                          <a:outerShdw blurRad="38100" dist="19050" dir="2700000" algn="tl" rotWithShape="0">
+                            <a:schemeClr val="dk1">
+                              <a:alpha val="40000"/>
+                            </a:schemeClr>
+                          </a:outerShdw>
+                        </a:effectLst>
+                      </a:endParaRPr>
+                    </a:p>
+                  </a:txBody>
+                  <a:tcPr/>
+                </a:tc>
+                <a:extLst>
+                  <a:ext uri="{0D108BD9-81ED-4DB2-BD59-A6C34878D82A}">
+                    <a16:rowId xmlns:a16="http://schemas.microsoft.com/office/drawing/2014/main" val="3124255190"/>
+                  </a:ext>
+                </a:extLst>
+              </a:tr>
+              <a:tr h="370840">
+                <a:tc>
+                  <a:txBody>
+                    <a:bodyPr/>
+                    <a:lstStyle/>
+                    <a:p>
+                      <a:pPr marL="228600" indent="-228600" algn="l" latinLnBrk="1">
+                        <a:buAutoNum type="arabicPeriod"/>
+                      </a:pPr>
+                      <a:r>
+                        <a:rPr lang="ko-KR" altLang="en-US" sz="900" b="0" i="0" dirty="0">
+                          <a:solidFill>
+                            <a:srgbClr val="333333"/>
+                          </a:solidFill>
+                          <a:effectLst/>
+                          <a:latin typeface="HanSans"/>
+                        </a:rPr>
+                        <a:t>제목</a:t>
+                      </a:r>
+                      <a:r>
+                        <a:rPr lang="en-US" altLang="ko-KR" sz="900" b="0" i="0" dirty="0">
+                          <a:solidFill>
+                            <a:srgbClr val="333333"/>
+                          </a:solidFill>
+                          <a:effectLst/>
+                          <a:latin typeface="HanSans"/>
+                        </a:rPr>
+                        <a:t>,</a:t>
+                      </a:r>
+                      <a:r>
+                        <a:rPr lang="ko-KR" altLang="en-US" sz="900" b="0" i="0" dirty="0">
+                          <a:solidFill>
+                            <a:srgbClr val="333333"/>
+                          </a:solidFill>
+                          <a:effectLst/>
+                          <a:latin typeface="HanSans"/>
+                        </a:rPr>
+                        <a:t> 날씨</a:t>
+                      </a:r>
+                      <a:r>
+                        <a:rPr lang="en-US" altLang="ko-KR" sz="900" b="0" i="0" dirty="0">
+                          <a:solidFill>
+                            <a:srgbClr val="333333"/>
+                          </a:solidFill>
+                          <a:effectLst/>
+                          <a:latin typeface="HanSans"/>
+                        </a:rPr>
+                        <a:t>,</a:t>
+                      </a:r>
+                      <a:r>
+                        <a:rPr lang="ko-KR" altLang="en-US" sz="900" b="0" i="0" dirty="0">
+                          <a:solidFill>
+                            <a:srgbClr val="333333"/>
+                          </a:solidFill>
+                          <a:effectLst/>
+                          <a:latin typeface="HanSans"/>
+                        </a:rPr>
+                        <a:t> 사진</a:t>
+                      </a:r>
+                      <a:r>
+                        <a:rPr lang="en-US" altLang="ko-KR" sz="900" b="0" i="0" dirty="0">
+                          <a:solidFill>
+                            <a:srgbClr val="333333"/>
+                          </a:solidFill>
+                          <a:effectLst/>
+                          <a:latin typeface="HanSans"/>
+                        </a:rPr>
+                        <a:t>,</a:t>
+                      </a:r>
+                      <a:r>
+                        <a:rPr lang="ko-KR" altLang="en-US" sz="900" b="0" i="0" dirty="0">
+                          <a:solidFill>
+                            <a:srgbClr val="333333"/>
+                          </a:solidFill>
+                          <a:effectLst/>
+                          <a:latin typeface="HanSans"/>
+                        </a:rPr>
+                        <a:t> 내용 기록 기능 제공</a:t>
+                      </a:r>
+                      <a:endParaRPr lang="en-US" altLang="ko-KR" sz="900" b="0" i="0" dirty="0">
+                        <a:solidFill>
+                          <a:srgbClr val="333333"/>
+                        </a:solidFill>
+                        <a:effectLst/>
+                        <a:latin typeface="HanSans"/>
+                      </a:endParaRPr>
+                    </a:p>
+                    <a:p>
+                      <a:pPr marL="228600" indent="-228600" algn="l" latinLnBrk="1">
+                        <a:buAutoNum type="arabicPeriod"/>
+                      </a:pPr>
+                      <a:r>
+                        <a:rPr lang="ko-KR" altLang="en-US" sz="900" b="0" i="0" dirty="0">
+                          <a:solidFill>
+                            <a:srgbClr val="333333"/>
+                          </a:solidFill>
+                          <a:effectLst/>
+                          <a:latin typeface="HanSans"/>
+                        </a:rPr>
+                        <a:t>사진 선택 버튼 선택 시 앨범</a:t>
+                      </a:r>
+                      <a:r>
+                        <a:rPr lang="en-US" altLang="ko-KR" sz="900" b="0" i="0" dirty="0">
+                          <a:solidFill>
+                            <a:srgbClr val="333333"/>
+                          </a:solidFill>
+                          <a:effectLst/>
+                          <a:latin typeface="HanSans"/>
+                        </a:rPr>
+                        <a:t>,</a:t>
+                      </a:r>
+                      <a:r>
+                        <a:rPr lang="ko-KR" altLang="en-US" sz="900" b="0" i="0" dirty="0">
+                          <a:solidFill>
+                            <a:srgbClr val="333333"/>
+                          </a:solidFill>
+                          <a:effectLst/>
+                          <a:latin typeface="HanSans"/>
+                        </a:rPr>
+                        <a:t> 카메라 선택 가능</a:t>
+                      </a:r>
+                      <a:endParaRPr lang="en-US" altLang="ko-KR" sz="900" b="0" i="0" dirty="0">
+                        <a:solidFill>
+                          <a:srgbClr val="333333"/>
+                        </a:solidFill>
+                        <a:effectLst/>
+                        <a:latin typeface="HanSans"/>
+                      </a:endParaRPr>
+                    </a:p>
+                    <a:p>
+                      <a:pPr marL="228600" indent="-228600" algn="l" latinLnBrk="1">
+                        <a:buAutoNum type="arabicPeriod"/>
+                      </a:pPr>
+                      <a:r>
+                        <a:rPr lang="ko-KR" altLang="en-US" sz="900" b="0" i="0" dirty="0">
+                          <a:solidFill>
+                            <a:srgbClr val="333333"/>
+                          </a:solidFill>
+                          <a:effectLst/>
+                          <a:latin typeface="HanSans"/>
+                        </a:rPr>
+                        <a:t>기록 버튼 선택 시 일기 목록 화면으로 이동</a:t>
+                      </a:r>
+                    </a:p>
+                  </a:txBody>
+                  <a:tcPr/>
+                </a:tc>
+                <a:extLst>
+                  <a:ext uri="{0D108BD9-81ED-4DB2-BD59-A6C34878D82A}">
+                    <a16:rowId xmlns:a16="http://schemas.microsoft.com/office/drawing/2014/main" val="2301895042"/>
+                  </a:ext>
+                </a:extLst>
+              </a:tr>
+            </a:tbl>
+          </a:graphicData>
+        </a:graphic>
+      </p:graphicFrame>
+      <p:sp>
+        <p:nvSpPr>
+          <p:cNvPr id="28" name="TextBox 27">
+            <a:extLst>
+              <a:ext uri="{FF2B5EF4-FFF2-40B4-BE49-F238E27FC236}">
+                <a16:creationId xmlns:a16="http://schemas.microsoft.com/office/drawing/2014/main" id="{2F4D1C33-F6A6-BA44-8AA5-87D07A4855ED}"/>
+              </a:ext>
+            </a:extLst>
+          </p:cNvPr>
+          <p:cNvSpPr txBox="1"/>
+          <p:nvPr/>
+        </p:nvSpPr>
+        <p:spPr>
+          <a:xfrm>
+            <a:off x="8085458" y="3910727"/>
+            <a:ext cx="1095172" cy="261610"/>
+          </a:xfrm>
+          <a:prstGeom prst="rect">
+            <a:avLst/>
+          </a:prstGeom>
+          <a:noFill/>
+        </p:spPr>
+        <p:txBody>
+          <a:bodyPr wrap="none" rtlCol="0">
+            <a:spAutoFit/>
+          </a:bodyPr>
+          <a:lstStyle/>
+          <a:p>
+            <a:r>
+              <a:rPr kumimoji="1" lang="ko-KR" altLang="en-US" sz="1100" dirty="0"/>
+              <a:t>일기 목록 화면</a:t>
+            </a:r>
+            <a:endParaRPr kumimoji="1" lang="ko-Kore-KR" altLang="en-US" sz="1100" dirty="0"/>
+          </a:p>
+        </p:txBody>
+      </p:sp>
+      <p:sp>
+        <p:nvSpPr>
+          <p:cNvPr id="31" name="TextBox 30">
+            <a:extLst>
+              <a:ext uri="{FF2B5EF4-FFF2-40B4-BE49-F238E27FC236}">
+                <a16:creationId xmlns:a16="http://schemas.microsoft.com/office/drawing/2014/main" id="{2F24B200-C7E8-6E4F-9761-1A2EA3B06A45}"/>
+              </a:ext>
+            </a:extLst>
+          </p:cNvPr>
+          <p:cNvSpPr txBox="1"/>
+          <p:nvPr/>
+        </p:nvSpPr>
+        <p:spPr>
+          <a:xfrm>
+            <a:off x="385948" y="466866"/>
+            <a:ext cx="3800238" cy="261610"/>
+          </a:xfrm>
+          <a:prstGeom prst="rect">
+            <a:avLst/>
+          </a:prstGeom>
+          <a:noFill/>
+        </p:spPr>
+        <p:txBody>
+          <a:bodyPr wrap="square">
+            <a:spAutoFit/>
+          </a:bodyPr>
+          <a:lstStyle/>
+          <a:p>
+            <a:r>
+              <a:rPr lang="en" altLang="ko-Kore-KR" sz="1050" b="1" dirty="0"/>
+              <a:t>https://</a:t>
+            </a:r>
+            <a:r>
+              <a:rPr lang="en" altLang="ko-Kore-KR" sz="1050" b="1" dirty="0" err="1"/>
+              <a:t>ovenapp.io</a:t>
+            </a:r>
+            <a:r>
+              <a:rPr lang="en" altLang="ko-Kore-KR" sz="1050" b="1" dirty="0"/>
+              <a:t>/view/oaYZYlQekFvJwlfknhyKX5gykfhVLO9b/</a:t>
+            </a:r>
+            <a:endParaRPr lang="ko-Kore-KR" altLang="en-US" sz="700" dirty="0"/>
+          </a:p>
+        </p:txBody>
+      </p:sp>
+    </p:spTree>
+    <p:extLst>
+      <p:ext uri="{BB962C8B-B14F-4D97-AF65-F5344CB8AC3E}">
+        <p14:creationId xmlns:p14="http://schemas.microsoft.com/office/powerpoint/2010/main" val="1806940674"/>
+      </p:ext>
+    </p:extLst>
+  </p:cSld>
+  <p:clrMapOvr>
+    <a:masterClrMapping/>
+  </p:clrMapOvr>
+</p:sld>
+</file>
+
+<file path=ppt/slides/slide6.xml><?xml version="1.0" encoding="utf-8"?>
+<p:sld xmlns:a="http://schemas.openxmlformats.org/drawingml/2006/main" xmlns:r="http://schemas.openxmlformats.org/officeDocument/2006/relationships" xmlns:p="http://schemas.openxmlformats.org/presentationml/2006/main">
+  <p:cSld>
+    <p:spTree>
+      <p:nvGrpSpPr>
+        <p:cNvPr id="1" name=""/>
+        <p:cNvGrpSpPr/>
+        <p:nvPr/>
+      </p:nvGrpSpPr>
+      <p:grpSpPr>
+        <a:xfrm>
+          <a:off x="0" y="0"/>
+          <a:ext cx="0" cy="0"/>
+          <a:chOff x="0" y="0"/>
+          <a:chExt cx="0" cy="0"/>
+        </a:xfrm>
+      </p:grpSpPr>
+      <p:sp>
+        <p:nvSpPr>
+          <p:cNvPr id="2" name="제목 1">
+            <a:extLst>
+              <a:ext uri="{FF2B5EF4-FFF2-40B4-BE49-F238E27FC236}">
+                <a16:creationId xmlns:a16="http://schemas.microsoft.com/office/drawing/2014/main" id="{4DA2F12F-ADD1-A247-8F78-05DDB7F1CE61}"/>
+              </a:ext>
+            </a:extLst>
+          </p:cNvPr>
+          <p:cNvSpPr>
+            <a:spLocks noGrp="1"/>
+          </p:cNvSpPr>
+          <p:nvPr>
+            <p:ph type="title"/>
+          </p:nvPr>
+        </p:nvSpPr>
+        <p:spPr>
+          <a:xfrm>
+            <a:off x="411218" y="173123"/>
+            <a:ext cx="853966" cy="315912"/>
+          </a:xfrm>
+        </p:spPr>
+        <p:txBody>
+          <a:bodyPr>
+            <a:noAutofit/>
+          </a:bodyPr>
+          <a:lstStyle/>
+          <a:p>
+            <a:r>
+              <a:rPr kumimoji="1" lang="ko-KR" altLang="en-US" sz="1600" dirty="0"/>
+              <a:t>소제목</a:t>
+            </a:r>
+            <a:endParaRPr kumimoji="1" lang="ko-Kore-KR" altLang="en-US" sz="1600" dirty="0"/>
+          </a:p>
+        </p:txBody>
+      </p:sp>
+      <p:cxnSp>
+        <p:nvCxnSpPr>
+          <p:cNvPr id="8" name="직선 연결선[R] 7">
+            <a:extLst>
+              <a:ext uri="{FF2B5EF4-FFF2-40B4-BE49-F238E27FC236}">
+                <a16:creationId xmlns:a16="http://schemas.microsoft.com/office/drawing/2014/main" id="{27890F80-36DC-BE45-AF2C-8F1A6E9E5B40}"/>
+              </a:ext>
+            </a:extLst>
+          </p:cNvPr>
+          <p:cNvCxnSpPr/>
+          <p:nvPr/>
+        </p:nvCxnSpPr>
+        <p:spPr>
+          <a:xfrm>
+            <a:off x="0" y="798788"/>
+            <a:ext cx="12204000" cy="0"/>
+          </a:xfrm>
+          <a:prstGeom prst="line">
+            <a:avLst/>
+          </a:prstGeom>
+          <a:ln w="25400"/>
+        </p:spPr>
+        <p:style>
+          <a:lnRef idx="1">
+            <a:schemeClr val="dk1"/>
+          </a:lnRef>
+          <a:fillRef idx="0">
+            <a:schemeClr val="dk1"/>
+          </a:fillRef>
+          <a:effectRef idx="0">
+            <a:schemeClr val="dk1"/>
+          </a:effectRef>
+          <a:fontRef idx="minor">
+            <a:schemeClr val="tx1"/>
+          </a:fontRef>
+        </p:style>
+      </p:cxnSp>
+      <p:sp>
+        <p:nvSpPr>
+          <p:cNvPr id="9" name="제목 1">
+            <a:extLst>
+              <a:ext uri="{FF2B5EF4-FFF2-40B4-BE49-F238E27FC236}">
+                <a16:creationId xmlns:a16="http://schemas.microsoft.com/office/drawing/2014/main" id="{6F8A83B5-CF55-8A4A-806C-1AA82B17116C}"/>
+              </a:ext>
+            </a:extLst>
+          </p:cNvPr>
+          <p:cNvSpPr txBox="1">
+            <a:spLocks/>
+          </p:cNvSpPr>
+          <p:nvPr/>
+        </p:nvSpPr>
+        <p:spPr>
+          <a:xfrm>
+            <a:off x="10626811" y="173123"/>
+            <a:ext cx="1355800" cy="315912"/>
+          </a:xfrm>
+          <a:prstGeom prst="rect">
+            <a:avLst/>
+          </a:prstGeom>
+        </p:spPr>
+        <p:txBody>
+          <a:bodyPr vert="horz" lIns="91440" tIns="45720" rIns="91440" bIns="45720" rtlCol="0" anchor="ctr">
+            <a:noAutofit/>
+          </a:bodyPr>
+          <a:lstStyle>
+            <a:lvl1pPr algn="l" defTabSz="914400" rtl="0" eaLnBrk="1" latinLnBrk="0" hangingPunct="1">
+              <a:lnSpc>
+                <a:spcPct val="90000"/>
+              </a:lnSpc>
+              <a:spcBef>
+                <a:spcPct val="0"/>
+              </a:spcBef>
+              <a:buNone/>
+              <a:defRPr sz="4400" kern="1200">
+                <a:solidFill>
+                  <a:schemeClr val="tx1"/>
+                </a:solidFill>
+                <a:latin typeface="+mj-lt"/>
+                <a:ea typeface="+mj-ea"/>
+                <a:cs typeface="+mj-cs"/>
+              </a:defRPr>
+            </a:lvl1pPr>
+          </a:lstStyle>
+          <a:p>
+            <a:r>
+              <a:rPr kumimoji="1" lang="en-US" altLang="ko-Kore-KR" sz="1600" dirty="0"/>
+              <a:t>Record a Day</a:t>
+            </a:r>
+            <a:endParaRPr kumimoji="1" lang="ko-Kore-KR" altLang="en-US" sz="1600" dirty="0"/>
+          </a:p>
+        </p:txBody>
+      </p:sp>
       <p:sp>
         <p:nvSpPr>
           <p:cNvPr id="30" name="TextBox 29">
@@ -5922,10 +8193,237 @@
           </a:p>
         </p:txBody>
       </p:sp>
+      <p:grpSp>
+        <p:nvGrpSpPr>
+          <p:cNvPr id="11" name="그룹 10">
+            <a:extLst>
+              <a:ext uri="{FF2B5EF4-FFF2-40B4-BE49-F238E27FC236}">
+                <a16:creationId xmlns:a16="http://schemas.microsoft.com/office/drawing/2014/main" id="{0E781060-EE9E-FA48-AAAA-61999892A60B}"/>
+              </a:ext>
+            </a:extLst>
+          </p:cNvPr>
+          <p:cNvGrpSpPr/>
+          <p:nvPr/>
+        </p:nvGrpSpPr>
+        <p:grpSpPr>
+          <a:xfrm>
+            <a:off x="9547438" y="2301646"/>
+            <a:ext cx="735724" cy="1376852"/>
+            <a:chOff x="5665076" y="2333297"/>
+            <a:chExt cx="977462" cy="1734207"/>
+          </a:xfrm>
+        </p:grpSpPr>
+        <p:sp>
+          <p:nvSpPr>
+            <p:cNvPr id="12" name="타원 11">
+              <a:extLst>
+                <a:ext uri="{FF2B5EF4-FFF2-40B4-BE49-F238E27FC236}">
+                  <a16:creationId xmlns:a16="http://schemas.microsoft.com/office/drawing/2014/main" id="{E675DFE1-8D68-AE45-814D-9559EA2E5EF1}"/>
+                </a:ext>
+              </a:extLst>
+            </p:cNvPr>
+            <p:cNvSpPr/>
+            <p:nvPr/>
+          </p:nvSpPr>
+          <p:spPr>
+            <a:xfrm>
+              <a:off x="5812221" y="2333297"/>
+              <a:ext cx="651641" cy="515005"/>
+            </a:xfrm>
+            <a:prstGeom prst="ellipse">
+              <a:avLst/>
+            </a:prstGeom>
+            <a:ln>
+              <a:solidFill>
+                <a:schemeClr val="tx1"/>
+              </a:solidFill>
+            </a:ln>
+          </p:spPr>
+          <p:style>
+            <a:lnRef idx="2">
+              <a:schemeClr val="accent6"/>
+            </a:lnRef>
+            <a:fillRef idx="1">
+              <a:schemeClr val="lt1"/>
+            </a:fillRef>
+            <a:effectRef idx="0">
+              <a:schemeClr val="accent6"/>
+            </a:effectRef>
+            <a:fontRef idx="minor">
+              <a:schemeClr val="dk1"/>
+            </a:fontRef>
+          </p:style>
+          <p:txBody>
+            <a:bodyPr rtlCol="0" anchor="ctr"/>
+            <a:lstStyle/>
+            <a:p>
+              <a:pPr algn="ctr"/>
+              <a:endParaRPr kumimoji="1" lang="ko-Kore-KR" altLang="en-US">
+                <a:solidFill>
+                  <a:sysClr val="windowText" lastClr="000000"/>
+                </a:solidFill>
+              </a:endParaRPr>
+            </a:p>
+          </p:txBody>
+        </p:sp>
+        <p:cxnSp>
+          <p:nvCxnSpPr>
+            <p:cNvPr id="13" name="직선 연결선[R] 12">
+              <a:extLst>
+                <a:ext uri="{FF2B5EF4-FFF2-40B4-BE49-F238E27FC236}">
+                  <a16:creationId xmlns:a16="http://schemas.microsoft.com/office/drawing/2014/main" id="{9CE9ABF8-9990-7E47-82B1-22B00CB8A8AA}"/>
+                </a:ext>
+              </a:extLst>
+            </p:cNvPr>
+            <p:cNvCxnSpPr>
+              <a:cxnSpLocks/>
+              <a:stCxn id="12" idx="4"/>
+            </p:cNvCxnSpPr>
+            <p:nvPr/>
+          </p:nvCxnSpPr>
+          <p:spPr>
+            <a:xfrm>
+              <a:off x="6138042" y="2848302"/>
+              <a:ext cx="15765" cy="830317"/>
+            </a:xfrm>
+            <a:prstGeom prst="line">
+              <a:avLst/>
+            </a:prstGeom>
+          </p:spPr>
+          <p:style>
+            <a:lnRef idx="1">
+              <a:schemeClr val="dk1"/>
+            </a:lnRef>
+            <a:fillRef idx="0">
+              <a:schemeClr val="dk1"/>
+            </a:fillRef>
+            <a:effectRef idx="0">
+              <a:schemeClr val="dk1"/>
+            </a:effectRef>
+            <a:fontRef idx="minor">
+              <a:schemeClr val="tx1"/>
+            </a:fontRef>
+          </p:style>
+        </p:cxnSp>
+        <p:cxnSp>
+          <p:nvCxnSpPr>
+            <p:cNvPr id="14" name="직선 연결선[R] 13">
+              <a:extLst>
+                <a:ext uri="{FF2B5EF4-FFF2-40B4-BE49-F238E27FC236}">
+                  <a16:creationId xmlns:a16="http://schemas.microsoft.com/office/drawing/2014/main" id="{5BFF44CE-5431-124A-9D97-D4C08844902A}"/>
+                </a:ext>
+              </a:extLst>
+            </p:cNvPr>
+            <p:cNvCxnSpPr>
+              <a:cxnSpLocks/>
+            </p:cNvCxnSpPr>
+            <p:nvPr/>
+          </p:nvCxnSpPr>
+          <p:spPr>
+            <a:xfrm>
+              <a:off x="5665076" y="2995448"/>
+              <a:ext cx="977462" cy="0"/>
+            </a:xfrm>
+            <a:prstGeom prst="line">
+              <a:avLst/>
+            </a:prstGeom>
+          </p:spPr>
+          <p:style>
+            <a:lnRef idx="1">
+              <a:schemeClr val="dk1"/>
+            </a:lnRef>
+            <a:fillRef idx="0">
+              <a:schemeClr val="dk1"/>
+            </a:fillRef>
+            <a:effectRef idx="0">
+              <a:schemeClr val="dk1"/>
+            </a:effectRef>
+            <a:fontRef idx="minor">
+              <a:schemeClr val="tx1"/>
+            </a:fontRef>
+          </p:style>
+        </p:cxnSp>
+        <p:cxnSp>
+          <p:nvCxnSpPr>
+            <p:cNvPr id="15" name="직선 연결선[R] 14">
+              <a:extLst>
+                <a:ext uri="{FF2B5EF4-FFF2-40B4-BE49-F238E27FC236}">
+                  <a16:creationId xmlns:a16="http://schemas.microsoft.com/office/drawing/2014/main" id="{6C2E760A-7825-7547-BCD2-0B0750263F7D}"/>
+                </a:ext>
+              </a:extLst>
+            </p:cNvPr>
+            <p:cNvCxnSpPr>
+              <a:cxnSpLocks/>
+            </p:cNvCxnSpPr>
+            <p:nvPr/>
+          </p:nvCxnSpPr>
+          <p:spPr>
+            <a:xfrm flipH="1">
+              <a:off x="5812221" y="3657600"/>
+              <a:ext cx="341587" cy="409904"/>
+            </a:xfrm>
+            <a:prstGeom prst="line">
+              <a:avLst/>
+            </a:prstGeom>
+          </p:spPr>
+          <p:style>
+            <a:lnRef idx="1">
+              <a:schemeClr val="dk1"/>
+            </a:lnRef>
+            <a:fillRef idx="0">
+              <a:schemeClr val="dk1"/>
+            </a:fillRef>
+            <a:effectRef idx="0">
+              <a:schemeClr val="dk1"/>
+            </a:effectRef>
+            <a:fontRef idx="minor">
+              <a:schemeClr val="tx1"/>
+            </a:fontRef>
+          </p:style>
+        </p:cxnSp>
+        <p:cxnSp>
+          <p:nvCxnSpPr>
+            <p:cNvPr id="16" name="직선 연결선[R] 15">
+              <a:extLst>
+                <a:ext uri="{FF2B5EF4-FFF2-40B4-BE49-F238E27FC236}">
+                  <a16:creationId xmlns:a16="http://schemas.microsoft.com/office/drawing/2014/main" id="{CCCD583B-FBF8-294E-ABCC-AD8085BB2C1F}"/>
+                </a:ext>
+              </a:extLst>
+            </p:cNvPr>
+            <p:cNvCxnSpPr>
+              <a:cxnSpLocks/>
+            </p:cNvCxnSpPr>
+            <p:nvPr/>
+          </p:nvCxnSpPr>
+          <p:spPr>
+            <a:xfrm>
+              <a:off x="6153807" y="3678619"/>
+              <a:ext cx="325821" cy="388885"/>
+            </a:xfrm>
+            <a:prstGeom prst="line">
+              <a:avLst/>
+            </a:prstGeom>
+          </p:spPr>
+          <p:style>
+            <a:lnRef idx="1">
+              <a:schemeClr val="dk1"/>
+            </a:lnRef>
+            <a:fillRef idx="0">
+              <a:schemeClr val="dk1"/>
+            </a:fillRef>
+            <a:effectRef idx="0">
+              <a:schemeClr val="dk1"/>
+            </a:effectRef>
+            <a:fontRef idx="minor">
+              <a:schemeClr val="tx1"/>
+            </a:fontRef>
+          </p:style>
+        </p:cxnSp>
+      </p:grpSp>
     </p:spTree>
     <p:extLst>
       <p:ext uri="{BB962C8B-B14F-4D97-AF65-F5344CB8AC3E}">
-        <p14:creationId xmlns:p14="http://schemas.microsoft.com/office/powerpoint/2010/main" val="1065038652"/>
+        <p14:creationId xmlns:p14="http://schemas.microsoft.com/office/powerpoint/2010/main" val="3590545729"/>
       </p:ext>
     </p:extLst>
   </p:cSld>

--- a/doc/설계서.pptx
+++ b/doc/설계서.pptx
@@ -10,7 +10,8 @@
     <p:sldId id="258" r:id="rId4"/>
     <p:sldId id="259" r:id="rId5"/>
     <p:sldId id="261" r:id="rId6"/>
-    <p:sldId id="260" r:id="rId7"/>
+    <p:sldId id="262" r:id="rId7"/>
+    <p:sldId id="260" r:id="rId8"/>
   </p:sldIdLst>
   <p:sldSz cx="12192000" cy="6858000"/>
   <p:notesSz cx="6858000" cy="9144000"/>
@@ -266,7 +267,7 @@
           <a:p>
             <a:fld id="{4FF2EDFA-36E7-4D47-840F-4413CE022B72}" type="datetimeFigureOut">
               <a:rPr kumimoji="1" lang="ko-Kore-KR" altLang="en-US" smtClean="0"/>
-              <a:t>2021. 10. 21.</a:t>
+              <a:t>2021. 10. 22.</a:t>
             </a:fld>
             <a:endParaRPr kumimoji="1" lang="ko-Kore-KR" altLang="en-US"/>
           </a:p>
@@ -466,7 +467,7 @@
           <a:p>
             <a:fld id="{4FF2EDFA-36E7-4D47-840F-4413CE022B72}" type="datetimeFigureOut">
               <a:rPr kumimoji="1" lang="ko-Kore-KR" altLang="en-US" smtClean="0"/>
-              <a:t>2021. 10. 21.</a:t>
+              <a:t>2021. 10. 22.</a:t>
             </a:fld>
             <a:endParaRPr kumimoji="1" lang="ko-Kore-KR" altLang="en-US"/>
           </a:p>
@@ -676,7 +677,7 @@
           <a:p>
             <a:fld id="{4FF2EDFA-36E7-4D47-840F-4413CE022B72}" type="datetimeFigureOut">
               <a:rPr kumimoji="1" lang="ko-Kore-KR" altLang="en-US" smtClean="0"/>
-              <a:t>2021. 10. 21.</a:t>
+              <a:t>2021. 10. 22.</a:t>
             </a:fld>
             <a:endParaRPr kumimoji="1" lang="ko-Kore-KR" altLang="en-US"/>
           </a:p>
@@ -876,7 +877,7 @@
           <a:p>
             <a:fld id="{4FF2EDFA-36E7-4D47-840F-4413CE022B72}" type="datetimeFigureOut">
               <a:rPr kumimoji="1" lang="ko-Kore-KR" altLang="en-US" smtClean="0"/>
-              <a:t>2021. 10. 21.</a:t>
+              <a:t>2021. 10. 22.</a:t>
             </a:fld>
             <a:endParaRPr kumimoji="1" lang="ko-Kore-KR" altLang="en-US"/>
           </a:p>
@@ -1152,7 +1153,7 @@
           <a:p>
             <a:fld id="{4FF2EDFA-36E7-4D47-840F-4413CE022B72}" type="datetimeFigureOut">
               <a:rPr kumimoji="1" lang="ko-Kore-KR" altLang="en-US" smtClean="0"/>
-              <a:t>2021. 10. 21.</a:t>
+              <a:t>2021. 10. 22.</a:t>
             </a:fld>
             <a:endParaRPr kumimoji="1" lang="ko-Kore-KR" altLang="en-US"/>
           </a:p>
@@ -1420,7 +1421,7 @@
           <a:p>
             <a:fld id="{4FF2EDFA-36E7-4D47-840F-4413CE022B72}" type="datetimeFigureOut">
               <a:rPr kumimoji="1" lang="ko-Kore-KR" altLang="en-US" smtClean="0"/>
-              <a:t>2021. 10. 21.</a:t>
+              <a:t>2021. 10. 22.</a:t>
             </a:fld>
             <a:endParaRPr kumimoji="1" lang="ko-Kore-KR" altLang="en-US"/>
           </a:p>
@@ -1835,7 +1836,7 @@
           <a:p>
             <a:fld id="{4FF2EDFA-36E7-4D47-840F-4413CE022B72}" type="datetimeFigureOut">
               <a:rPr kumimoji="1" lang="ko-Kore-KR" altLang="en-US" smtClean="0"/>
-              <a:t>2021. 10. 21.</a:t>
+              <a:t>2021. 10. 22.</a:t>
             </a:fld>
             <a:endParaRPr kumimoji="1" lang="ko-Kore-KR" altLang="en-US"/>
           </a:p>
@@ -1977,7 +1978,7 @@
           <a:p>
             <a:fld id="{4FF2EDFA-36E7-4D47-840F-4413CE022B72}" type="datetimeFigureOut">
               <a:rPr kumimoji="1" lang="ko-Kore-KR" altLang="en-US" smtClean="0"/>
-              <a:t>2021. 10. 21.</a:t>
+              <a:t>2021. 10. 22.</a:t>
             </a:fld>
             <a:endParaRPr kumimoji="1" lang="ko-Kore-KR" altLang="en-US"/>
           </a:p>
@@ -2090,7 +2091,7 @@
           <a:p>
             <a:fld id="{4FF2EDFA-36E7-4D47-840F-4413CE022B72}" type="datetimeFigureOut">
               <a:rPr kumimoji="1" lang="ko-Kore-KR" altLang="en-US" smtClean="0"/>
-              <a:t>2021. 10. 21.</a:t>
+              <a:t>2021. 10. 22.</a:t>
             </a:fld>
             <a:endParaRPr kumimoji="1" lang="ko-Kore-KR" altLang="en-US"/>
           </a:p>
@@ -2403,7 +2404,7 @@
           <a:p>
             <a:fld id="{4FF2EDFA-36E7-4D47-840F-4413CE022B72}" type="datetimeFigureOut">
               <a:rPr kumimoji="1" lang="ko-Kore-KR" altLang="en-US" smtClean="0"/>
-              <a:t>2021. 10. 21.</a:t>
+              <a:t>2021. 10. 22.</a:t>
             </a:fld>
             <a:endParaRPr kumimoji="1" lang="ko-Kore-KR" altLang="en-US"/>
           </a:p>
@@ -2692,7 +2693,7 @@
           <a:p>
             <a:fld id="{4FF2EDFA-36E7-4D47-840F-4413CE022B72}" type="datetimeFigureOut">
               <a:rPr kumimoji="1" lang="ko-Kore-KR" altLang="en-US" smtClean="0"/>
-              <a:t>2021. 10. 21.</a:t>
+              <a:t>2021. 10. 22.</a:t>
             </a:fld>
             <a:endParaRPr kumimoji="1" lang="ko-Kore-KR" altLang="en-US"/>
           </a:p>
@@ -2935,7 +2936,7 @@
           <a:p>
             <a:fld id="{4FF2EDFA-36E7-4D47-840F-4413CE022B72}" type="datetimeFigureOut">
               <a:rPr kumimoji="1" lang="ko-Kore-KR" altLang="en-US" smtClean="0"/>
-              <a:t>2021. 10. 21.</a:t>
+              <a:t>2021. 10. 22.</a:t>
             </a:fld>
             <a:endParaRPr kumimoji="1" lang="ko-Kore-KR" altLang="en-US"/>
           </a:p>
@@ -7466,7 +7467,7 @@
         </p:blipFill>
         <p:spPr>
           <a:xfrm>
-            <a:off x="4839557" y="1108543"/>
+            <a:off x="8911153" y="1072500"/>
             <a:ext cx="1644203" cy="2754040"/>
           </a:xfrm>
           <a:prstGeom prst="rect">
@@ -7488,7 +7489,7 @@
         </p:nvSpPr>
         <p:spPr>
           <a:xfrm>
-            <a:off x="5141893" y="3910727"/>
+            <a:off x="9185668" y="3918280"/>
             <a:ext cx="1095172" cy="261610"/>
           </a:xfrm>
           <a:prstGeom prst="rect">
@@ -7525,14 +7526,14 @@
           <p:nvPr>
             <p:extLst>
               <p:ext uri="{D42A27DB-BD31-4B8C-83A1-F6EECF244321}">
-                <p14:modId xmlns:p14="http://schemas.microsoft.com/office/powerpoint/2010/main" val="150753279"/>
+                <p14:modId xmlns:p14="http://schemas.microsoft.com/office/powerpoint/2010/main" val="1421020611"/>
               </p:ext>
             </p:extLst>
           </p:nvPr>
         </p:nvGraphicFramePr>
         <p:xfrm>
-          <a:off x="4839558" y="4556035"/>
-          <a:ext cx="2822484" cy="736596"/>
+          <a:off x="8911154" y="4519992"/>
+          <a:ext cx="2822484" cy="873756"/>
         </p:xfrm>
         <a:graphic>
           <a:graphicData uri="http://schemas.openxmlformats.org/drawingml/2006/table">
@@ -7735,7 +7736,27 @@
                           <a:effectLst/>
                           <a:latin typeface="HanSans"/>
                         </a:rPr>
-                        <a:t>기록 버튼 선택 시 일기 목록 화면으로 이동</a:t>
+                        <a:t>기록 버튼 또는 </a:t>
+                      </a:r>
+                      <a:r>
+                        <a:rPr lang="ko-KR" altLang="en-US" sz="900" b="0" i="0" dirty="0" err="1">
+                          <a:solidFill>
+                            <a:srgbClr val="333333"/>
+                          </a:solidFill>
+                          <a:effectLst/>
+                          <a:latin typeface="HanSans"/>
+                        </a:rPr>
+                        <a:t>뒤로가기</a:t>
+                      </a:r>
+                      <a:r>
+                        <a:rPr lang="ko-KR" altLang="en-US" sz="900" b="0" i="0" dirty="0">
+                          <a:solidFill>
+                            <a:srgbClr val="333333"/>
+                          </a:solidFill>
+                          <a:effectLst/>
+                          <a:latin typeface="HanSans"/>
+                        </a:rPr>
+                        <a:t> 선택 시 일기 목록 화면으로 이동</a:t>
                       </a:r>
                     </a:p>
                   </a:txBody>
@@ -7765,7 +7786,7 @@
         </p:nvSpPr>
         <p:spPr>
           <a:xfrm>
-            <a:off x="8085458" y="3910727"/>
+            <a:off x="5336655" y="3893618"/>
             <a:ext cx="1095172" cy="261610"/>
           </a:xfrm>
           <a:prstGeom prst="rect">
@@ -7831,6 +7852,197 @@
           </a:p>
         </p:txBody>
       </p:sp>
+      <p:pic>
+        <p:nvPicPr>
+          <p:cNvPr id="4" name="그림 3">
+            <a:extLst>
+              <a:ext uri="{FF2B5EF4-FFF2-40B4-BE49-F238E27FC236}">
+                <a16:creationId xmlns:a16="http://schemas.microsoft.com/office/drawing/2014/main" id="{FFC6BEF5-9299-AC4E-A8EA-C0E555CEB023}"/>
+              </a:ext>
+            </a:extLst>
+          </p:cNvPr>
+          <p:cNvPicPr>
+            <a:picLocks noChangeAspect="1"/>
+          </p:cNvPicPr>
+          <p:nvPr/>
+        </p:nvPicPr>
+        <p:blipFill>
+          <a:blip r:embed="rId5"/>
+          <a:stretch>
+            <a:fillRect/>
+          </a:stretch>
+        </p:blipFill>
+        <p:spPr>
+          <a:xfrm>
+            <a:off x="5028853" y="1068998"/>
+            <a:ext cx="1628085" cy="2717998"/>
+          </a:xfrm>
+          <a:prstGeom prst="rect">
+            <a:avLst/>
+          </a:prstGeom>
+        </p:spPr>
+      </p:pic>
+      <p:graphicFrame>
+        <p:nvGraphicFramePr>
+          <p:cNvPr id="16" name="표 68">
+            <a:extLst>
+              <a:ext uri="{FF2B5EF4-FFF2-40B4-BE49-F238E27FC236}">
+                <a16:creationId xmlns:a16="http://schemas.microsoft.com/office/drawing/2014/main" id="{ABBDA214-D07F-4345-96CA-16F6382400AE}"/>
+              </a:ext>
+            </a:extLst>
+          </p:cNvPr>
+          <p:cNvGraphicFramePr>
+            <a:graphicFrameLocks noGrp="1"/>
+          </p:cNvGraphicFramePr>
+          <p:nvPr>
+            <p:extLst>
+              <p:ext uri="{D42A27DB-BD31-4B8C-83A1-F6EECF244321}">
+                <p14:modId xmlns:p14="http://schemas.microsoft.com/office/powerpoint/2010/main" val="922032574"/>
+              </p:ext>
+            </p:extLst>
+          </p:nvPr>
+        </p:nvGraphicFramePr>
+        <p:xfrm>
+          <a:off x="5028853" y="4519992"/>
+          <a:ext cx="2822484" cy="736596"/>
+        </p:xfrm>
+        <a:graphic>
+          <a:graphicData uri="http://schemas.openxmlformats.org/drawingml/2006/table">
+            <a:tbl>
+              <a:tblPr firstRow="1" bandRow="1">
+                <a:tableStyleId>{F5AB1C69-6EDB-4FF4-983F-18BD219EF322}</a:tableStyleId>
+              </a:tblPr>
+              <a:tblGrid>
+                <a:gridCol w="2822484">
+                  <a:extLst>
+                    <a:ext uri="{9D8B030D-6E8A-4147-A177-3AD203B41FA5}">
+                      <a16:colId xmlns:a16="http://schemas.microsoft.com/office/drawing/2014/main" val="1730690052"/>
+                    </a:ext>
+                  </a:extLst>
+                </a:gridCol>
+              </a:tblGrid>
+              <a:tr h="233676">
+                <a:tc>
+                  <a:txBody>
+                    <a:bodyPr/>
+                    <a:lstStyle/>
+                    <a:p>
+                      <a:r>
+                        <a:rPr lang="ko-KR" altLang="en-US" sz="900" b="0" i="0" cap="none" spc="0" dirty="0">
+                          <a:ln w="0"/>
+                          <a:solidFill>
+                            <a:schemeClr val="tx1"/>
+                          </a:solidFill>
+                          <a:effectLst>
+                            <a:outerShdw blurRad="38100" dist="19050" dir="2700000" algn="tl" rotWithShape="0">
+                              <a:schemeClr val="dk1">
+                                <a:alpha val="40000"/>
+                              </a:schemeClr>
+                            </a:outerShdw>
+                          </a:effectLst>
+                        </a:rPr>
+                        <a:t>일기 목록 화면</a:t>
+                      </a:r>
+                      <a:endParaRPr lang="ko-Kore-KR" altLang="en-US" sz="900" b="0" i="0" cap="none" spc="0" dirty="0">
+                        <a:ln w="0"/>
+                        <a:solidFill>
+                          <a:schemeClr val="tx1"/>
+                        </a:solidFill>
+                        <a:effectLst>
+                          <a:outerShdw blurRad="38100" dist="19050" dir="2700000" algn="tl" rotWithShape="0">
+                            <a:schemeClr val="dk1">
+                              <a:alpha val="40000"/>
+                            </a:schemeClr>
+                          </a:outerShdw>
+                        </a:effectLst>
+                      </a:endParaRPr>
+                    </a:p>
+                  </a:txBody>
+                  <a:tcPr/>
+                </a:tc>
+                <a:extLst>
+                  <a:ext uri="{0D108BD9-81ED-4DB2-BD59-A6C34878D82A}">
+                    <a16:rowId xmlns:a16="http://schemas.microsoft.com/office/drawing/2014/main" val="3124255190"/>
+                  </a:ext>
+                </a:extLst>
+              </a:tr>
+              <a:tr h="370840">
+                <a:tc>
+                  <a:txBody>
+                    <a:bodyPr/>
+                    <a:lstStyle/>
+                    <a:p>
+                      <a:pPr marL="228600" indent="-228600" algn="l" latinLnBrk="1">
+                        <a:buAutoNum type="arabicPeriod"/>
+                      </a:pPr>
+                      <a:r>
+                        <a:rPr lang="ko-KR" altLang="en-US" sz="900" b="0" i="0" dirty="0">
+                          <a:solidFill>
+                            <a:srgbClr val="333333"/>
+                          </a:solidFill>
+                          <a:effectLst/>
+                          <a:latin typeface="HanSans"/>
+                        </a:rPr>
+                        <a:t>일기 최신 순으로 정렬</a:t>
+                      </a:r>
+                      <a:endParaRPr lang="en-US" altLang="ko-KR" sz="900" b="0" i="0" dirty="0">
+                        <a:solidFill>
+                          <a:srgbClr val="333333"/>
+                        </a:solidFill>
+                        <a:effectLst/>
+                        <a:latin typeface="HanSans"/>
+                      </a:endParaRPr>
+                    </a:p>
+                    <a:p>
+                      <a:pPr marL="228600" indent="-228600" algn="l" latinLnBrk="1">
+                        <a:buAutoNum type="arabicPeriod"/>
+                      </a:pPr>
+                      <a:r>
+                        <a:rPr lang="ko-KR" altLang="en-US" sz="900" b="0" i="0" dirty="0">
+                          <a:solidFill>
+                            <a:srgbClr val="333333"/>
+                          </a:solidFill>
+                          <a:effectLst/>
+                          <a:latin typeface="HanSans"/>
+                        </a:rPr>
+                        <a:t>기록하기 버튼 선택 시 일기 쓰기 화면으로 이동</a:t>
+                      </a:r>
+                      <a:endParaRPr lang="en-US" altLang="ko-KR" sz="900" b="0" i="0" dirty="0">
+                        <a:solidFill>
+                          <a:srgbClr val="333333"/>
+                        </a:solidFill>
+                        <a:effectLst/>
+                        <a:latin typeface="HanSans"/>
+                      </a:endParaRPr>
+                    </a:p>
+                    <a:p>
+                      <a:pPr marL="228600" indent="-228600" algn="l" latinLnBrk="1">
+                        <a:buAutoNum type="arabicPeriod"/>
+                      </a:pPr>
+                      <a:r>
+                        <a:rPr lang="ko-KR" altLang="en-US" sz="900" b="0" i="0" dirty="0">
+                          <a:solidFill>
+                            <a:srgbClr val="333333"/>
+                          </a:solidFill>
+                          <a:effectLst/>
+                          <a:latin typeface="HanSans"/>
+                        </a:rPr>
+                        <a:t>리스트 선택 시 일기 상세 화면으로 이동</a:t>
+                      </a:r>
+                    </a:p>
+                  </a:txBody>
+                  <a:tcPr/>
+                </a:tc>
+                <a:extLst>
+                  <a:ext uri="{0D108BD9-81ED-4DB2-BD59-A6C34878D82A}">
+                    <a16:rowId xmlns:a16="http://schemas.microsoft.com/office/drawing/2014/main" val="2301895042"/>
+                  </a:ext>
+                </a:extLst>
+              </a:tr>
+            </a:tbl>
+          </a:graphicData>
+        </a:graphic>
+      </p:graphicFrame>
     </p:spTree>
     <p:extLst>
       <p:ext uri="{BB962C8B-B14F-4D97-AF65-F5344CB8AC3E}">
@@ -7890,8 +8102,12 @@
           <a:lstStyle/>
           <a:p>
             <a:r>
+              <a:rPr kumimoji="1" lang="en-US" altLang="ko-Kore-KR" sz="1600" dirty="0"/>
+              <a:t>UI</a:t>
+            </a:r>
+            <a:r>
               <a:rPr kumimoji="1" lang="ko-KR" altLang="en-US" sz="1600" dirty="0"/>
-              <a:t>소제목</a:t>
+              <a:t> 구성</a:t>
             </a:r>
             <a:endParaRPr kumimoji="1" lang="ko-Kore-KR" altLang="en-US" sz="1600" dirty="0"/>
           </a:p>
@@ -7991,6 +8207,1069 @@
       </p:sp>
       <p:sp>
         <p:nvSpPr>
+          <p:cNvPr id="42" name="TextBox 41">
+            <a:extLst>
+              <a:ext uri="{FF2B5EF4-FFF2-40B4-BE49-F238E27FC236}">
+                <a16:creationId xmlns:a16="http://schemas.microsoft.com/office/drawing/2014/main" id="{74EA8B61-F331-3842-ACA0-C8A2864B72A9}"/>
+              </a:ext>
+            </a:extLst>
+          </p:cNvPr>
+          <p:cNvSpPr txBox="1"/>
+          <p:nvPr/>
+        </p:nvSpPr>
+        <p:spPr>
+          <a:xfrm>
+            <a:off x="676662" y="4010495"/>
+            <a:ext cx="780983" cy="261610"/>
+          </a:xfrm>
+          <a:prstGeom prst="rect">
+            <a:avLst/>
+          </a:prstGeom>
+          <a:noFill/>
+        </p:spPr>
+        <p:txBody>
+          <a:bodyPr wrap="none" rtlCol="0">
+            <a:spAutoFit/>
+          </a:bodyPr>
+          <a:lstStyle/>
+          <a:p>
+            <a:r>
+              <a:rPr kumimoji="1" lang="ko-KR" altLang="en-US" sz="1100" dirty="0"/>
+              <a:t>할일 목록</a:t>
+            </a:r>
+            <a:endParaRPr kumimoji="1" lang="ko-Kore-KR" altLang="en-US" sz="1100" dirty="0"/>
+          </a:p>
+        </p:txBody>
+      </p:sp>
+      <p:graphicFrame>
+        <p:nvGraphicFramePr>
+          <p:cNvPr id="68" name="표 68">
+            <a:extLst>
+              <a:ext uri="{FF2B5EF4-FFF2-40B4-BE49-F238E27FC236}">
+                <a16:creationId xmlns:a16="http://schemas.microsoft.com/office/drawing/2014/main" id="{7345807B-9DE2-4045-B555-0840364E146C}"/>
+              </a:ext>
+            </a:extLst>
+          </p:cNvPr>
+          <p:cNvGraphicFramePr>
+            <a:graphicFrameLocks noGrp="1"/>
+          </p:cNvGraphicFramePr>
+          <p:nvPr>
+            <p:extLst>
+              <p:ext uri="{D42A27DB-BD31-4B8C-83A1-F6EECF244321}">
+                <p14:modId xmlns:p14="http://schemas.microsoft.com/office/powerpoint/2010/main" val="3922045252"/>
+              </p:ext>
+            </p:extLst>
+          </p:nvPr>
+        </p:nvGraphicFramePr>
+        <p:xfrm>
+          <a:off x="311426" y="4533329"/>
+          <a:ext cx="2951759" cy="736596"/>
+        </p:xfrm>
+        <a:graphic>
+          <a:graphicData uri="http://schemas.openxmlformats.org/drawingml/2006/table">
+            <a:tbl>
+              <a:tblPr firstRow="1" bandRow="1">
+                <a:tableStyleId>{F5AB1C69-6EDB-4FF4-983F-18BD219EF322}</a:tableStyleId>
+              </a:tblPr>
+              <a:tblGrid>
+                <a:gridCol w="2951759">
+                  <a:extLst>
+                    <a:ext uri="{9D8B030D-6E8A-4147-A177-3AD203B41FA5}">
+                      <a16:colId xmlns:a16="http://schemas.microsoft.com/office/drawing/2014/main" val="1730690052"/>
+                    </a:ext>
+                  </a:extLst>
+                </a:gridCol>
+              </a:tblGrid>
+              <a:tr h="233676">
+                <a:tc>
+                  <a:txBody>
+                    <a:bodyPr/>
+                    <a:lstStyle/>
+                    <a:p>
+                      <a:r>
+                        <a:rPr lang="ko-KR" altLang="en-US" sz="900" b="0" i="0" cap="none" spc="0" dirty="0">
+                          <a:ln w="0"/>
+                          <a:solidFill>
+                            <a:schemeClr val="tx1"/>
+                          </a:solidFill>
+                          <a:effectLst>
+                            <a:outerShdw blurRad="38100" dist="19050" dir="2700000" algn="tl" rotWithShape="0">
+                              <a:schemeClr val="dk1">
+                                <a:alpha val="40000"/>
+                              </a:schemeClr>
+                            </a:outerShdw>
+                          </a:effectLst>
+                        </a:rPr>
+                        <a:t>할일 화면</a:t>
+                      </a:r>
+                      <a:endParaRPr lang="ko-Kore-KR" altLang="en-US" sz="900" b="0" i="0" cap="none" spc="0" dirty="0">
+                        <a:ln w="0"/>
+                        <a:solidFill>
+                          <a:schemeClr val="tx1"/>
+                        </a:solidFill>
+                        <a:effectLst>
+                          <a:outerShdw blurRad="38100" dist="19050" dir="2700000" algn="tl" rotWithShape="0">
+                            <a:schemeClr val="dk1">
+                              <a:alpha val="40000"/>
+                            </a:schemeClr>
+                          </a:outerShdw>
+                        </a:effectLst>
+                      </a:endParaRPr>
+                    </a:p>
+                  </a:txBody>
+                  <a:tcPr/>
+                </a:tc>
+                <a:extLst>
+                  <a:ext uri="{0D108BD9-81ED-4DB2-BD59-A6C34878D82A}">
+                    <a16:rowId xmlns:a16="http://schemas.microsoft.com/office/drawing/2014/main" val="3124255190"/>
+                  </a:ext>
+                </a:extLst>
+              </a:tr>
+              <a:tr h="370840">
+                <a:tc>
+                  <a:txBody>
+                    <a:bodyPr/>
+                    <a:lstStyle/>
+                    <a:p>
+                      <a:pPr marL="228600" indent="-228600" algn="l" latinLnBrk="1">
+                        <a:buFont typeface="+mj-lt"/>
+                        <a:buAutoNum type="arabicPeriod"/>
+                      </a:pPr>
+                      <a:r>
+                        <a:rPr lang="en-US" altLang="ko-KR" sz="900" b="0" i="0" dirty="0">
+                          <a:solidFill>
+                            <a:srgbClr val="333333"/>
+                          </a:solidFill>
+                          <a:effectLst/>
+                          <a:latin typeface="HanSans"/>
+                        </a:rPr>
+                        <a:t>+</a:t>
+                      </a:r>
+                      <a:r>
+                        <a:rPr lang="ko-KR" altLang="en-US" sz="900" b="0" i="0" dirty="0">
+                          <a:solidFill>
+                            <a:srgbClr val="333333"/>
+                          </a:solidFill>
+                          <a:effectLst/>
+                          <a:latin typeface="HanSans"/>
+                        </a:rPr>
+                        <a:t>버튼 선택 시 할일 추가 가능 최대 </a:t>
+                      </a:r>
+                      <a:r>
+                        <a:rPr lang="en-US" altLang="ko-KR" sz="900" b="0" i="0" dirty="0">
+                          <a:solidFill>
+                            <a:srgbClr val="333333"/>
+                          </a:solidFill>
+                          <a:effectLst/>
+                          <a:latin typeface="HanSans"/>
+                        </a:rPr>
+                        <a:t>10</a:t>
+                      </a:r>
+                      <a:r>
+                        <a:rPr lang="ko-KR" altLang="en-US" sz="900" b="0" i="0" dirty="0">
+                          <a:solidFill>
+                            <a:srgbClr val="333333"/>
+                          </a:solidFill>
+                          <a:effectLst/>
+                          <a:latin typeface="HanSans"/>
+                        </a:rPr>
+                        <a:t>개까지 관리</a:t>
+                      </a:r>
+                      <a:endParaRPr lang="en-US" altLang="ko-KR" sz="900" b="0" i="0" dirty="0">
+                        <a:solidFill>
+                          <a:srgbClr val="333333"/>
+                        </a:solidFill>
+                        <a:effectLst/>
+                        <a:latin typeface="HanSans"/>
+                      </a:endParaRPr>
+                    </a:p>
+                    <a:p>
+                      <a:pPr marL="228600" indent="-228600" algn="l" latinLnBrk="1">
+                        <a:buFont typeface="+mj-lt"/>
+                        <a:buAutoNum type="arabicPeriod"/>
+                      </a:pPr>
+                      <a:r>
+                        <a:rPr lang="ko-KR" altLang="en-US" sz="900" b="0" i="0" dirty="0">
+                          <a:solidFill>
+                            <a:srgbClr val="333333"/>
+                          </a:solidFill>
+                          <a:effectLst/>
+                          <a:latin typeface="HanSans"/>
+                        </a:rPr>
+                        <a:t>할일 길게 선택 시 삭제 제공</a:t>
+                      </a:r>
+                      <a:endParaRPr lang="en-US" altLang="ko-KR" sz="900" b="0" i="0" dirty="0">
+                        <a:solidFill>
+                          <a:srgbClr val="333333"/>
+                        </a:solidFill>
+                        <a:effectLst/>
+                        <a:latin typeface="HanSans"/>
+                      </a:endParaRPr>
+                    </a:p>
+                    <a:p>
+                      <a:pPr marL="228600" indent="-228600" algn="l" latinLnBrk="1">
+                        <a:buFont typeface="+mj-lt"/>
+                        <a:buAutoNum type="arabicPeriod"/>
+                      </a:pPr>
+                      <a:r>
+                        <a:rPr lang="ko-KR" altLang="en-US" sz="900" b="0" i="0" dirty="0">
+                          <a:solidFill>
+                            <a:srgbClr val="333333"/>
+                          </a:solidFill>
+                          <a:effectLst/>
+                          <a:latin typeface="HanSans"/>
+                        </a:rPr>
+                        <a:t>할일 체크 시 애니메이션 제공</a:t>
+                      </a:r>
+                      <a:endParaRPr lang="en-US" altLang="ko-KR" sz="900" b="0" i="0" dirty="0">
+                        <a:solidFill>
+                          <a:srgbClr val="333333"/>
+                        </a:solidFill>
+                        <a:effectLst/>
+                        <a:latin typeface="HanSans"/>
+                      </a:endParaRPr>
+                    </a:p>
+                  </a:txBody>
+                  <a:tcPr/>
+                </a:tc>
+                <a:extLst>
+                  <a:ext uri="{0D108BD9-81ED-4DB2-BD59-A6C34878D82A}">
+                    <a16:rowId xmlns:a16="http://schemas.microsoft.com/office/drawing/2014/main" val="2301895042"/>
+                  </a:ext>
+                </a:extLst>
+              </a:tr>
+            </a:tbl>
+          </a:graphicData>
+        </a:graphic>
+      </p:graphicFrame>
+      <p:sp>
+        <p:nvSpPr>
+          <p:cNvPr id="26" name="TextBox 25">
+            <a:extLst>
+              <a:ext uri="{FF2B5EF4-FFF2-40B4-BE49-F238E27FC236}">
+                <a16:creationId xmlns:a16="http://schemas.microsoft.com/office/drawing/2014/main" id="{BABB4060-EEF4-A347-A13D-5F83B46A1649}"/>
+              </a:ext>
+            </a:extLst>
+          </p:cNvPr>
+          <p:cNvSpPr txBox="1"/>
+          <p:nvPr/>
+        </p:nvSpPr>
+        <p:spPr>
+          <a:xfrm>
+            <a:off x="7321864" y="4010495"/>
+            <a:ext cx="1063112" cy="261610"/>
+          </a:xfrm>
+          <a:prstGeom prst="rect">
+            <a:avLst/>
+          </a:prstGeom>
+          <a:noFill/>
+        </p:spPr>
+        <p:txBody>
+          <a:bodyPr wrap="none" rtlCol="0">
+            <a:spAutoFit/>
+          </a:bodyPr>
+          <a:lstStyle/>
+          <a:p>
+            <a:r>
+              <a:rPr kumimoji="1" lang="ko-KR" altLang="en-US" sz="1100" dirty="0"/>
+              <a:t>공유하기 화면</a:t>
+            </a:r>
+            <a:endParaRPr kumimoji="1" lang="ko-Kore-KR" altLang="en-US" sz="1100" dirty="0"/>
+          </a:p>
+        </p:txBody>
+      </p:sp>
+      <p:graphicFrame>
+        <p:nvGraphicFramePr>
+          <p:cNvPr id="27" name="표 68">
+            <a:extLst>
+              <a:ext uri="{FF2B5EF4-FFF2-40B4-BE49-F238E27FC236}">
+                <a16:creationId xmlns:a16="http://schemas.microsoft.com/office/drawing/2014/main" id="{8203ABF4-D05A-1743-8671-5E8E240DE877}"/>
+              </a:ext>
+            </a:extLst>
+          </p:cNvPr>
+          <p:cNvGraphicFramePr>
+            <a:graphicFrameLocks noGrp="1"/>
+          </p:cNvGraphicFramePr>
+          <p:nvPr>
+            <p:extLst>
+              <p:ext uri="{D42A27DB-BD31-4B8C-83A1-F6EECF244321}">
+                <p14:modId xmlns:p14="http://schemas.microsoft.com/office/powerpoint/2010/main" val="461868166"/>
+              </p:ext>
+            </p:extLst>
+          </p:nvPr>
+        </p:nvGraphicFramePr>
+        <p:xfrm>
+          <a:off x="6965627" y="4536699"/>
+          <a:ext cx="2822484" cy="736596"/>
+        </p:xfrm>
+        <a:graphic>
+          <a:graphicData uri="http://schemas.openxmlformats.org/drawingml/2006/table">
+            <a:tbl>
+              <a:tblPr firstRow="1" bandRow="1">
+                <a:tableStyleId>{F5AB1C69-6EDB-4FF4-983F-18BD219EF322}</a:tableStyleId>
+              </a:tblPr>
+              <a:tblGrid>
+                <a:gridCol w="2822484">
+                  <a:extLst>
+                    <a:ext uri="{9D8B030D-6E8A-4147-A177-3AD203B41FA5}">
+                      <a16:colId xmlns:a16="http://schemas.microsoft.com/office/drawing/2014/main" val="1730690052"/>
+                    </a:ext>
+                  </a:extLst>
+                </a:gridCol>
+              </a:tblGrid>
+              <a:tr h="233676">
+                <a:tc>
+                  <a:txBody>
+                    <a:bodyPr/>
+                    <a:lstStyle/>
+                    <a:p>
+                      <a:r>
+                        <a:rPr lang="ko-KR" altLang="en-US" sz="900" b="0" i="0" cap="none" spc="0" dirty="0">
+                          <a:ln w="0"/>
+                          <a:solidFill>
+                            <a:schemeClr val="tx1"/>
+                          </a:solidFill>
+                          <a:effectLst>
+                            <a:outerShdw blurRad="38100" dist="19050" dir="2700000" algn="tl" rotWithShape="0">
+                              <a:schemeClr val="dk1">
+                                <a:alpha val="40000"/>
+                              </a:schemeClr>
+                            </a:outerShdw>
+                          </a:effectLst>
+                        </a:rPr>
+                        <a:t>공유 하기 화면</a:t>
+                      </a:r>
+                      <a:endParaRPr lang="ko-Kore-KR" altLang="en-US" sz="900" b="0" i="0" cap="none" spc="0" dirty="0">
+                        <a:ln w="0"/>
+                        <a:solidFill>
+                          <a:schemeClr val="tx1"/>
+                        </a:solidFill>
+                        <a:effectLst>
+                          <a:outerShdw blurRad="38100" dist="19050" dir="2700000" algn="tl" rotWithShape="0">
+                            <a:schemeClr val="dk1">
+                              <a:alpha val="40000"/>
+                            </a:schemeClr>
+                          </a:outerShdw>
+                        </a:effectLst>
+                      </a:endParaRPr>
+                    </a:p>
+                  </a:txBody>
+                  <a:tcPr/>
+                </a:tc>
+                <a:extLst>
+                  <a:ext uri="{0D108BD9-81ED-4DB2-BD59-A6C34878D82A}">
+                    <a16:rowId xmlns:a16="http://schemas.microsoft.com/office/drawing/2014/main" val="3124255190"/>
+                  </a:ext>
+                </a:extLst>
+              </a:tr>
+              <a:tr h="370840">
+                <a:tc>
+                  <a:txBody>
+                    <a:bodyPr/>
+                    <a:lstStyle/>
+                    <a:p>
+                      <a:pPr marL="228600" indent="-228600" algn="l" latinLnBrk="1">
+                        <a:buAutoNum type="arabicPeriod"/>
+                      </a:pPr>
+                      <a:r>
+                        <a:rPr lang="ko-KR" altLang="en-US" sz="900" b="0" i="0" dirty="0">
+                          <a:solidFill>
+                            <a:srgbClr val="333333"/>
+                          </a:solidFill>
+                          <a:effectLst/>
+                          <a:latin typeface="HanSans"/>
+                        </a:rPr>
+                        <a:t>배지</a:t>
+                      </a:r>
+                      <a:r>
+                        <a:rPr lang="en-US" altLang="ko-KR" sz="900" b="0" i="0" dirty="0">
+                          <a:solidFill>
+                            <a:srgbClr val="333333"/>
+                          </a:solidFill>
+                          <a:effectLst/>
+                          <a:latin typeface="HanSans"/>
+                        </a:rPr>
+                        <a:t>,</a:t>
+                      </a:r>
+                      <a:r>
+                        <a:rPr lang="ko-KR" altLang="en-US" sz="900" b="0" i="0" dirty="0">
+                          <a:solidFill>
+                            <a:srgbClr val="333333"/>
+                          </a:solidFill>
+                          <a:effectLst/>
+                          <a:latin typeface="HanSans"/>
+                        </a:rPr>
+                        <a:t> 목표</a:t>
+                      </a:r>
+                      <a:r>
+                        <a:rPr lang="en-US" altLang="ko-KR" sz="900" b="0" i="0" dirty="0">
+                          <a:solidFill>
+                            <a:srgbClr val="333333"/>
+                          </a:solidFill>
+                          <a:effectLst/>
+                          <a:latin typeface="HanSans"/>
+                        </a:rPr>
+                        <a:t>,</a:t>
+                      </a:r>
+                      <a:r>
+                        <a:rPr lang="ko-KR" altLang="en-US" sz="900" b="0" i="0" dirty="0">
+                          <a:solidFill>
+                            <a:srgbClr val="333333"/>
+                          </a:solidFill>
+                          <a:effectLst/>
+                          <a:latin typeface="HanSans"/>
+                        </a:rPr>
+                        <a:t> 일기</a:t>
+                      </a:r>
+                      <a:r>
+                        <a:rPr lang="en-US" altLang="ko-KR" sz="900" b="0" i="0" dirty="0">
+                          <a:solidFill>
+                            <a:srgbClr val="333333"/>
+                          </a:solidFill>
+                          <a:effectLst/>
+                          <a:latin typeface="HanSans"/>
+                        </a:rPr>
+                        <a:t>,</a:t>
+                      </a:r>
+                      <a:r>
+                        <a:rPr lang="ko-KR" altLang="en-US" sz="900" b="0" i="0" dirty="0">
+                          <a:solidFill>
+                            <a:srgbClr val="333333"/>
+                          </a:solidFill>
+                          <a:effectLst/>
+                          <a:latin typeface="HanSans"/>
+                        </a:rPr>
+                        <a:t> 할일 공유하기 버튼 선택 시 공유 화면 노출</a:t>
+                      </a:r>
+                      <a:endParaRPr lang="en-US" altLang="ko-KR" sz="900" b="0" i="0" dirty="0">
+                        <a:solidFill>
+                          <a:srgbClr val="333333"/>
+                        </a:solidFill>
+                        <a:effectLst/>
+                        <a:latin typeface="HanSans"/>
+                      </a:endParaRPr>
+                    </a:p>
+                    <a:p>
+                      <a:pPr marL="228600" indent="-228600" algn="l" latinLnBrk="1">
+                        <a:buAutoNum type="arabicPeriod"/>
+                      </a:pPr>
+                      <a:r>
+                        <a:rPr lang="ko-KR" altLang="en-US" sz="900" b="0" i="0" dirty="0">
+                          <a:solidFill>
+                            <a:srgbClr val="333333"/>
+                          </a:solidFill>
+                          <a:effectLst/>
+                          <a:latin typeface="HanSans"/>
+                        </a:rPr>
+                        <a:t>공유 경로 선택 시 공유 상세 내용 선택 가능</a:t>
+                      </a:r>
+                      <a:endParaRPr lang="en-US" altLang="ko-KR" sz="900" b="0" i="0" dirty="0">
+                        <a:solidFill>
+                          <a:srgbClr val="333333"/>
+                        </a:solidFill>
+                        <a:effectLst/>
+                        <a:latin typeface="HanSans"/>
+                      </a:endParaRPr>
+                    </a:p>
+                  </a:txBody>
+                  <a:tcPr/>
+                </a:tc>
+                <a:extLst>
+                  <a:ext uri="{0D108BD9-81ED-4DB2-BD59-A6C34878D82A}">
+                    <a16:rowId xmlns:a16="http://schemas.microsoft.com/office/drawing/2014/main" val="2301895042"/>
+                  </a:ext>
+                </a:extLst>
+              </a:tr>
+            </a:tbl>
+          </a:graphicData>
+        </a:graphic>
+      </p:graphicFrame>
+      <p:sp>
+        <p:nvSpPr>
+          <p:cNvPr id="28" name="TextBox 27">
+            <a:extLst>
+              <a:ext uri="{FF2B5EF4-FFF2-40B4-BE49-F238E27FC236}">
+                <a16:creationId xmlns:a16="http://schemas.microsoft.com/office/drawing/2014/main" id="{2F4D1C33-F6A6-BA44-8AA5-87D07A4855ED}"/>
+              </a:ext>
+            </a:extLst>
+          </p:cNvPr>
+          <p:cNvSpPr txBox="1"/>
+          <p:nvPr/>
+        </p:nvSpPr>
+        <p:spPr>
+          <a:xfrm>
+            <a:off x="4133935" y="4010495"/>
+            <a:ext cx="780983" cy="261610"/>
+          </a:xfrm>
+          <a:prstGeom prst="rect">
+            <a:avLst/>
+          </a:prstGeom>
+          <a:noFill/>
+        </p:spPr>
+        <p:txBody>
+          <a:bodyPr wrap="none" rtlCol="0">
+            <a:spAutoFit/>
+          </a:bodyPr>
+          <a:lstStyle/>
+          <a:p>
+            <a:r>
+              <a:rPr kumimoji="1" lang="ko-KR" altLang="en-US" sz="1100" dirty="0"/>
+              <a:t>배지 관리</a:t>
+            </a:r>
+            <a:endParaRPr kumimoji="1" lang="ko-Kore-KR" altLang="en-US" sz="1100" dirty="0"/>
+          </a:p>
+        </p:txBody>
+      </p:sp>
+      <p:sp>
+        <p:nvSpPr>
+          <p:cNvPr id="31" name="TextBox 30">
+            <a:extLst>
+              <a:ext uri="{FF2B5EF4-FFF2-40B4-BE49-F238E27FC236}">
+                <a16:creationId xmlns:a16="http://schemas.microsoft.com/office/drawing/2014/main" id="{2F24B200-C7E8-6E4F-9761-1A2EA3B06A45}"/>
+              </a:ext>
+            </a:extLst>
+          </p:cNvPr>
+          <p:cNvSpPr txBox="1"/>
+          <p:nvPr/>
+        </p:nvSpPr>
+        <p:spPr>
+          <a:xfrm>
+            <a:off x="385948" y="466866"/>
+            <a:ext cx="3800238" cy="261610"/>
+          </a:xfrm>
+          <a:prstGeom prst="rect">
+            <a:avLst/>
+          </a:prstGeom>
+          <a:noFill/>
+        </p:spPr>
+        <p:txBody>
+          <a:bodyPr wrap="square">
+            <a:spAutoFit/>
+          </a:bodyPr>
+          <a:lstStyle/>
+          <a:p>
+            <a:r>
+              <a:rPr lang="en" altLang="ko-Kore-KR" sz="1050" b="1" dirty="0"/>
+              <a:t>https://</a:t>
+            </a:r>
+            <a:r>
+              <a:rPr lang="en" altLang="ko-Kore-KR" sz="1050" b="1" dirty="0" err="1"/>
+              <a:t>ovenapp.io</a:t>
+            </a:r>
+            <a:r>
+              <a:rPr lang="en" altLang="ko-Kore-KR" sz="1050" b="1" dirty="0"/>
+              <a:t>/view/oaYZYlQekFvJwlfknhyKX5gykfhVLO9b/</a:t>
+            </a:r>
+            <a:endParaRPr lang="ko-Kore-KR" altLang="en-US" sz="700" dirty="0"/>
+          </a:p>
+        </p:txBody>
+      </p:sp>
+      <p:graphicFrame>
+        <p:nvGraphicFramePr>
+          <p:cNvPr id="16" name="표 68">
+            <a:extLst>
+              <a:ext uri="{FF2B5EF4-FFF2-40B4-BE49-F238E27FC236}">
+                <a16:creationId xmlns:a16="http://schemas.microsoft.com/office/drawing/2014/main" id="{ABBDA214-D07F-4345-96CA-16F6382400AE}"/>
+              </a:ext>
+            </a:extLst>
+          </p:cNvPr>
+          <p:cNvGraphicFramePr>
+            <a:graphicFrameLocks noGrp="1"/>
+          </p:cNvGraphicFramePr>
+          <p:nvPr>
+            <p:extLst>
+              <p:ext uri="{D42A27DB-BD31-4B8C-83A1-F6EECF244321}">
+                <p14:modId xmlns:p14="http://schemas.microsoft.com/office/powerpoint/2010/main" val="1860197240"/>
+              </p:ext>
+            </p:extLst>
+          </p:nvPr>
+        </p:nvGraphicFramePr>
+        <p:xfrm>
+          <a:off x="3587762" y="4533329"/>
+          <a:ext cx="2822484" cy="1422396"/>
+        </p:xfrm>
+        <a:graphic>
+          <a:graphicData uri="http://schemas.openxmlformats.org/drawingml/2006/table">
+            <a:tbl>
+              <a:tblPr firstRow="1" bandRow="1">
+                <a:tableStyleId>{F5AB1C69-6EDB-4FF4-983F-18BD219EF322}</a:tableStyleId>
+              </a:tblPr>
+              <a:tblGrid>
+                <a:gridCol w="2822484">
+                  <a:extLst>
+                    <a:ext uri="{9D8B030D-6E8A-4147-A177-3AD203B41FA5}">
+                      <a16:colId xmlns:a16="http://schemas.microsoft.com/office/drawing/2014/main" val="1730690052"/>
+                    </a:ext>
+                  </a:extLst>
+                </a:gridCol>
+              </a:tblGrid>
+              <a:tr h="233676">
+                <a:tc>
+                  <a:txBody>
+                    <a:bodyPr/>
+                    <a:lstStyle/>
+                    <a:p>
+                      <a:r>
+                        <a:rPr lang="ko-KR" altLang="en-US" sz="900" b="0" i="0" cap="none" spc="0" dirty="0">
+                          <a:ln w="0"/>
+                          <a:solidFill>
+                            <a:schemeClr val="tx1"/>
+                          </a:solidFill>
+                          <a:effectLst>
+                            <a:outerShdw blurRad="38100" dist="19050" dir="2700000" algn="tl" rotWithShape="0">
+                              <a:schemeClr val="dk1">
+                                <a:alpha val="40000"/>
+                              </a:schemeClr>
+                            </a:outerShdw>
+                          </a:effectLst>
+                        </a:rPr>
+                        <a:t>배지 관리 화면</a:t>
+                      </a:r>
+                      <a:endParaRPr lang="ko-Kore-KR" altLang="en-US" sz="900" b="0" i="0" cap="none" spc="0" dirty="0">
+                        <a:ln w="0"/>
+                        <a:solidFill>
+                          <a:schemeClr val="tx1"/>
+                        </a:solidFill>
+                        <a:effectLst>
+                          <a:outerShdw blurRad="38100" dist="19050" dir="2700000" algn="tl" rotWithShape="0">
+                            <a:schemeClr val="dk1">
+                              <a:alpha val="40000"/>
+                            </a:schemeClr>
+                          </a:outerShdw>
+                        </a:effectLst>
+                      </a:endParaRPr>
+                    </a:p>
+                  </a:txBody>
+                  <a:tcPr/>
+                </a:tc>
+                <a:extLst>
+                  <a:ext uri="{0D108BD9-81ED-4DB2-BD59-A6C34878D82A}">
+                    <a16:rowId xmlns:a16="http://schemas.microsoft.com/office/drawing/2014/main" val="3124255190"/>
+                  </a:ext>
+                </a:extLst>
+              </a:tr>
+              <a:tr h="370840">
+                <a:tc>
+                  <a:txBody>
+                    <a:bodyPr/>
+                    <a:lstStyle/>
+                    <a:p>
+                      <a:pPr marL="228600" indent="-228600" algn="l" latinLnBrk="1">
+                        <a:buAutoNum type="arabicPeriod"/>
+                      </a:pPr>
+                      <a:r>
+                        <a:rPr lang="ko-KR" altLang="en-US" sz="900" b="0" i="0" dirty="0">
+                          <a:solidFill>
+                            <a:srgbClr val="333333"/>
+                          </a:solidFill>
+                          <a:effectLst/>
+                          <a:latin typeface="HanSans"/>
+                        </a:rPr>
+                        <a:t>어떠한 목표를 이루어 배지를 부여할 것인지 정의 필요</a:t>
+                      </a:r>
+                      <a:endParaRPr lang="en-US" altLang="ko-KR" sz="900" b="0" i="0" dirty="0">
+                        <a:solidFill>
+                          <a:srgbClr val="333333"/>
+                        </a:solidFill>
+                        <a:effectLst/>
+                        <a:latin typeface="HanSans"/>
+                      </a:endParaRPr>
+                    </a:p>
+                    <a:p>
+                      <a:pPr marL="228600" indent="-228600" algn="l" latinLnBrk="1">
+                        <a:buAutoNum type="arabicPeriod"/>
+                      </a:pPr>
+                      <a:r>
+                        <a:rPr lang="ko-KR" altLang="en-US" sz="900" b="0" i="0" dirty="0">
+                          <a:solidFill>
+                            <a:srgbClr val="333333"/>
+                          </a:solidFill>
+                          <a:effectLst/>
+                          <a:latin typeface="HanSans"/>
+                        </a:rPr>
+                        <a:t>배지 존재 유무는 투명도로 조절</a:t>
+                      </a:r>
+                      <a:endParaRPr lang="en-US" altLang="ko-KR" sz="900" b="0" i="0" dirty="0">
+                        <a:solidFill>
+                          <a:srgbClr val="333333"/>
+                        </a:solidFill>
+                        <a:effectLst/>
+                        <a:latin typeface="HanSans"/>
+                      </a:endParaRPr>
+                    </a:p>
+                    <a:p>
+                      <a:pPr marL="228600" indent="-228600" algn="l" latinLnBrk="1">
+                        <a:buAutoNum type="arabicPeriod"/>
+                      </a:pPr>
+                      <a:r>
+                        <a:rPr lang="ko-KR" altLang="en-US" sz="900" b="0" i="0" dirty="0">
+                          <a:solidFill>
+                            <a:srgbClr val="333333"/>
+                          </a:solidFill>
+                          <a:effectLst/>
+                          <a:latin typeface="HanSans"/>
+                        </a:rPr>
+                        <a:t>획득 배지 선택 시 배지에 대한 설명 팝업</a:t>
+                      </a:r>
+                      <a:endParaRPr lang="en-US" altLang="ko-KR" sz="900" b="0" i="0" dirty="0">
+                        <a:solidFill>
+                          <a:srgbClr val="333333"/>
+                        </a:solidFill>
+                        <a:effectLst/>
+                        <a:latin typeface="HanSans"/>
+                      </a:endParaRPr>
+                    </a:p>
+                    <a:p>
+                      <a:pPr marL="228600" indent="-228600" algn="l" latinLnBrk="1">
+                        <a:buAutoNum type="arabicPeriod"/>
+                      </a:pPr>
+                      <a:r>
+                        <a:rPr lang="ko-KR" altLang="en-US" sz="900" b="0" i="0" dirty="0">
+                          <a:solidFill>
+                            <a:srgbClr val="333333"/>
+                          </a:solidFill>
+                          <a:effectLst/>
+                          <a:latin typeface="HanSans"/>
+                        </a:rPr>
+                        <a:t>미 획득 배지 선택 시 배지 획득 경로 설명 팝업</a:t>
+                      </a:r>
+                      <a:endParaRPr lang="en-US" altLang="ko-KR" sz="900" b="0" i="0" dirty="0">
+                        <a:solidFill>
+                          <a:srgbClr val="333333"/>
+                        </a:solidFill>
+                        <a:effectLst/>
+                        <a:latin typeface="HanSans"/>
+                      </a:endParaRPr>
+                    </a:p>
+                    <a:p>
+                      <a:pPr marL="228600" indent="-228600" algn="l" latinLnBrk="1">
+                        <a:buAutoNum type="arabicPeriod"/>
+                      </a:pPr>
+                      <a:r>
+                        <a:rPr lang="ko-KR" altLang="en-US" sz="900" b="0" i="0" dirty="0">
+                          <a:solidFill>
+                            <a:srgbClr val="FF0000"/>
+                          </a:solidFill>
+                          <a:effectLst/>
+                          <a:latin typeface="HanSans"/>
+                        </a:rPr>
+                        <a:t>설명 팝업 </a:t>
+                      </a:r>
+                      <a:r>
+                        <a:rPr lang="en-US" altLang="ko-KR" sz="900" b="0" i="0" dirty="0">
+                          <a:solidFill>
+                            <a:srgbClr val="FF0000"/>
+                          </a:solidFill>
+                          <a:effectLst/>
+                          <a:latin typeface="HanSans"/>
+                        </a:rPr>
+                        <a:t>UI</a:t>
+                      </a:r>
+                      <a:r>
+                        <a:rPr lang="ko-KR" altLang="en-US" sz="900" b="0" i="0" dirty="0">
+                          <a:solidFill>
+                            <a:srgbClr val="FF0000"/>
+                          </a:solidFill>
+                          <a:effectLst/>
+                          <a:latin typeface="HanSans"/>
+                        </a:rPr>
+                        <a:t> 규격 필요</a:t>
+                      </a:r>
+                      <a:endParaRPr lang="en-US" altLang="ko-KR" sz="900" b="0" i="0" dirty="0">
+                        <a:solidFill>
+                          <a:srgbClr val="FF0000"/>
+                        </a:solidFill>
+                        <a:effectLst/>
+                        <a:latin typeface="HanSans"/>
+                      </a:endParaRPr>
+                    </a:p>
+                    <a:p>
+                      <a:pPr marL="228600" indent="-228600" algn="l" latinLnBrk="1">
+                        <a:buAutoNum type="arabicPeriod"/>
+                      </a:pPr>
+                      <a:endParaRPr lang="en-US" altLang="ko-KR" sz="900" b="0" i="0" dirty="0">
+                        <a:solidFill>
+                          <a:srgbClr val="333333"/>
+                        </a:solidFill>
+                        <a:effectLst/>
+                        <a:latin typeface="HanSans"/>
+                      </a:endParaRPr>
+                    </a:p>
+                    <a:p>
+                      <a:pPr marL="228600" indent="-228600" algn="l" latinLnBrk="1">
+                        <a:buAutoNum type="arabicPeriod"/>
+                      </a:pPr>
+                      <a:endParaRPr lang="en-US" altLang="ko-KR" sz="900" b="0" i="0" dirty="0">
+                        <a:solidFill>
+                          <a:srgbClr val="333333"/>
+                        </a:solidFill>
+                        <a:effectLst/>
+                        <a:latin typeface="HanSans"/>
+                      </a:endParaRPr>
+                    </a:p>
+                  </a:txBody>
+                  <a:tcPr/>
+                </a:tc>
+                <a:extLst>
+                  <a:ext uri="{0D108BD9-81ED-4DB2-BD59-A6C34878D82A}">
+                    <a16:rowId xmlns:a16="http://schemas.microsoft.com/office/drawing/2014/main" val="2301895042"/>
+                  </a:ext>
+                </a:extLst>
+              </a:tr>
+            </a:tbl>
+          </a:graphicData>
+        </a:graphic>
+      </p:graphicFrame>
+      <p:pic>
+        <p:nvPicPr>
+          <p:cNvPr id="7" name="그림 6">
+            <a:extLst>
+              <a:ext uri="{FF2B5EF4-FFF2-40B4-BE49-F238E27FC236}">
+                <a16:creationId xmlns:a16="http://schemas.microsoft.com/office/drawing/2014/main" id="{FEC86EE4-8024-9140-ADFB-6B28215963F5}"/>
+              </a:ext>
+            </a:extLst>
+          </p:cNvPr>
+          <p:cNvPicPr>
+            <a:picLocks noChangeAspect="1"/>
+          </p:cNvPicPr>
+          <p:nvPr/>
+        </p:nvPicPr>
+        <p:blipFill>
+          <a:blip r:embed="rId2"/>
+          <a:stretch>
+            <a:fillRect/>
+          </a:stretch>
+        </p:blipFill>
+        <p:spPr>
+          <a:xfrm>
+            <a:off x="311426" y="1068998"/>
+            <a:ext cx="1678871" cy="2824618"/>
+          </a:xfrm>
+          <a:prstGeom prst="rect">
+            <a:avLst/>
+          </a:prstGeom>
+        </p:spPr>
+      </p:pic>
+      <p:pic>
+        <p:nvPicPr>
+          <p:cNvPr id="10" name="그림 9">
+            <a:extLst>
+              <a:ext uri="{FF2B5EF4-FFF2-40B4-BE49-F238E27FC236}">
+                <a16:creationId xmlns:a16="http://schemas.microsoft.com/office/drawing/2014/main" id="{6EC515AD-C4A3-A947-B9C5-D5AADABF7762}"/>
+              </a:ext>
+            </a:extLst>
+          </p:cNvPr>
+          <p:cNvPicPr>
+            <a:picLocks noChangeAspect="1"/>
+          </p:cNvPicPr>
+          <p:nvPr/>
+        </p:nvPicPr>
+        <p:blipFill>
+          <a:blip r:embed="rId3"/>
+          <a:stretch>
+            <a:fillRect/>
+          </a:stretch>
+        </p:blipFill>
+        <p:spPr>
+          <a:xfrm>
+            <a:off x="3626381" y="1068998"/>
+            <a:ext cx="1705786" cy="2849277"/>
+          </a:xfrm>
+          <a:prstGeom prst="rect">
+            <a:avLst/>
+          </a:prstGeom>
+        </p:spPr>
+      </p:pic>
+      <p:pic>
+        <p:nvPicPr>
+          <p:cNvPr id="11" name="그림 10">
+            <a:extLst>
+              <a:ext uri="{FF2B5EF4-FFF2-40B4-BE49-F238E27FC236}">
+                <a16:creationId xmlns:a16="http://schemas.microsoft.com/office/drawing/2014/main" id="{B0EFAAFD-E88B-8940-8527-82C69BA63B94}"/>
+              </a:ext>
+            </a:extLst>
+          </p:cNvPr>
+          <p:cNvPicPr>
+            <a:picLocks noChangeAspect="1"/>
+          </p:cNvPicPr>
+          <p:nvPr/>
+        </p:nvPicPr>
+        <p:blipFill>
+          <a:blip r:embed="rId4"/>
+          <a:stretch>
+            <a:fillRect/>
+          </a:stretch>
+        </p:blipFill>
+        <p:spPr>
+          <a:xfrm>
+            <a:off x="6965627" y="1068999"/>
+            <a:ext cx="1718085" cy="2849276"/>
+          </a:xfrm>
+          <a:prstGeom prst="rect">
+            <a:avLst/>
+          </a:prstGeom>
+        </p:spPr>
+      </p:pic>
+    </p:spTree>
+    <p:extLst>
+      <p:ext uri="{BB962C8B-B14F-4D97-AF65-F5344CB8AC3E}">
+        <p14:creationId xmlns:p14="http://schemas.microsoft.com/office/powerpoint/2010/main" val="828224722"/>
+      </p:ext>
+    </p:extLst>
+  </p:cSld>
+  <p:clrMapOvr>
+    <a:masterClrMapping/>
+  </p:clrMapOvr>
+</p:sld>
+</file>
+
+<file path=ppt/slides/slide7.xml><?xml version="1.0" encoding="utf-8"?>
+<p:sld xmlns:a="http://schemas.openxmlformats.org/drawingml/2006/main" xmlns:r="http://schemas.openxmlformats.org/officeDocument/2006/relationships" xmlns:p="http://schemas.openxmlformats.org/presentationml/2006/main">
+  <p:cSld>
+    <p:spTree>
+      <p:nvGrpSpPr>
+        <p:cNvPr id="1" name=""/>
+        <p:cNvGrpSpPr/>
+        <p:nvPr/>
+      </p:nvGrpSpPr>
+      <p:grpSpPr>
+        <a:xfrm>
+          <a:off x="0" y="0"/>
+          <a:ext cx="0" cy="0"/>
+          <a:chOff x="0" y="0"/>
+          <a:chExt cx="0" cy="0"/>
+        </a:xfrm>
+      </p:grpSpPr>
+      <p:sp>
+        <p:nvSpPr>
+          <p:cNvPr id="2" name="제목 1">
+            <a:extLst>
+              <a:ext uri="{FF2B5EF4-FFF2-40B4-BE49-F238E27FC236}">
+                <a16:creationId xmlns:a16="http://schemas.microsoft.com/office/drawing/2014/main" id="{4DA2F12F-ADD1-A247-8F78-05DDB7F1CE61}"/>
+              </a:ext>
+            </a:extLst>
+          </p:cNvPr>
+          <p:cNvSpPr>
+            <a:spLocks noGrp="1"/>
+          </p:cNvSpPr>
+          <p:nvPr>
+            <p:ph type="title"/>
+          </p:nvPr>
+        </p:nvSpPr>
+        <p:spPr>
+          <a:xfrm>
+            <a:off x="411218" y="173123"/>
+            <a:ext cx="853966" cy="315912"/>
+          </a:xfrm>
+        </p:spPr>
+        <p:txBody>
+          <a:bodyPr>
+            <a:noAutofit/>
+          </a:bodyPr>
+          <a:lstStyle/>
+          <a:p>
+            <a:r>
+              <a:rPr kumimoji="1" lang="ko-KR" altLang="en-US" sz="1600" dirty="0"/>
+              <a:t>소제목</a:t>
+            </a:r>
+            <a:endParaRPr kumimoji="1" lang="ko-Kore-KR" altLang="en-US" sz="1600" dirty="0"/>
+          </a:p>
+        </p:txBody>
+      </p:sp>
+      <p:cxnSp>
+        <p:nvCxnSpPr>
+          <p:cNvPr id="8" name="직선 연결선[R] 7">
+            <a:extLst>
+              <a:ext uri="{FF2B5EF4-FFF2-40B4-BE49-F238E27FC236}">
+                <a16:creationId xmlns:a16="http://schemas.microsoft.com/office/drawing/2014/main" id="{27890F80-36DC-BE45-AF2C-8F1A6E9E5B40}"/>
+              </a:ext>
+            </a:extLst>
+          </p:cNvPr>
+          <p:cNvCxnSpPr/>
+          <p:nvPr/>
+        </p:nvCxnSpPr>
+        <p:spPr>
+          <a:xfrm>
+            <a:off x="0" y="798788"/>
+            <a:ext cx="12204000" cy="0"/>
+          </a:xfrm>
+          <a:prstGeom prst="line">
+            <a:avLst/>
+          </a:prstGeom>
+          <a:ln w="25400"/>
+        </p:spPr>
+        <p:style>
+          <a:lnRef idx="1">
+            <a:schemeClr val="dk1"/>
+          </a:lnRef>
+          <a:fillRef idx="0">
+            <a:schemeClr val="dk1"/>
+          </a:fillRef>
+          <a:effectRef idx="0">
+            <a:schemeClr val="dk1"/>
+          </a:effectRef>
+          <a:fontRef idx="minor">
+            <a:schemeClr val="tx1"/>
+          </a:fontRef>
+        </p:style>
+      </p:cxnSp>
+      <p:sp>
+        <p:nvSpPr>
+          <p:cNvPr id="9" name="제목 1">
+            <a:extLst>
+              <a:ext uri="{FF2B5EF4-FFF2-40B4-BE49-F238E27FC236}">
+                <a16:creationId xmlns:a16="http://schemas.microsoft.com/office/drawing/2014/main" id="{6F8A83B5-CF55-8A4A-806C-1AA82B17116C}"/>
+              </a:ext>
+            </a:extLst>
+          </p:cNvPr>
+          <p:cNvSpPr txBox="1">
+            <a:spLocks/>
+          </p:cNvSpPr>
+          <p:nvPr/>
+        </p:nvSpPr>
+        <p:spPr>
+          <a:xfrm>
+            <a:off x="10626811" y="173123"/>
+            <a:ext cx="1355800" cy="315912"/>
+          </a:xfrm>
+          <a:prstGeom prst="rect">
+            <a:avLst/>
+          </a:prstGeom>
+        </p:spPr>
+        <p:txBody>
+          <a:bodyPr vert="horz" lIns="91440" tIns="45720" rIns="91440" bIns="45720" rtlCol="0" anchor="ctr">
+            <a:noAutofit/>
+          </a:bodyPr>
+          <a:lstStyle>
+            <a:lvl1pPr algn="l" defTabSz="914400" rtl="0" eaLnBrk="1" latinLnBrk="0" hangingPunct="1">
+              <a:lnSpc>
+                <a:spcPct val="90000"/>
+              </a:lnSpc>
+              <a:spcBef>
+                <a:spcPct val="0"/>
+              </a:spcBef>
+              <a:buNone/>
+              <a:defRPr sz="4400" kern="1200">
+                <a:solidFill>
+                  <a:schemeClr val="tx1"/>
+                </a:solidFill>
+                <a:latin typeface="+mj-lt"/>
+                <a:ea typeface="+mj-ea"/>
+                <a:cs typeface="+mj-cs"/>
+              </a:defRPr>
+            </a:lvl1pPr>
+          </a:lstStyle>
+          <a:p>
+            <a:r>
+              <a:rPr kumimoji="1" lang="en-US" altLang="ko-Kore-KR" sz="1600" dirty="0"/>
+              <a:t>Record a Day</a:t>
+            </a:r>
+            <a:endParaRPr kumimoji="1" lang="ko-Kore-KR" altLang="en-US" sz="1600" dirty="0"/>
+          </a:p>
+        </p:txBody>
+      </p:sp>
+      <p:sp>
+        <p:nvSpPr>
           <p:cNvPr id="30" name="TextBox 29">
             <a:extLst>
               <a:ext uri="{FF2B5EF4-FFF2-40B4-BE49-F238E27FC236}">
@@ -8084,7 +9363,7 @@
         <p:spPr>
           <a:xfrm>
             <a:off x="411218" y="4440095"/>
-            <a:ext cx="3460412" cy="1898790"/>
+            <a:ext cx="3460412" cy="1529458"/>
           </a:xfrm>
           <a:prstGeom prst="rect">
             <a:avLst/>
@@ -8115,21 +9394,6 @@
                 <a:srgbClr val="FF0000"/>
               </a:solidFill>
             </a:endParaRPr>
-          </a:p>
-          <a:p>
-            <a:pPr>
-              <a:lnSpc>
-                <a:spcPct val="150000"/>
-              </a:lnSpc>
-            </a:pPr>
-            <a:r>
-              <a:rPr kumimoji="1" lang="en-US" altLang="ko-KR" sz="1600" dirty="0">
-                <a:solidFill>
-                  <a:srgbClr val="FF0000"/>
-                </a:solidFill>
-              </a:rPr>
-              <a:t>UI/UX</a:t>
-            </a:r>
           </a:p>
           <a:p>
             <a:pPr>

--- a/doc/설계서.pptx
+++ b/doc/설계서.pptx
@@ -12,6 +12,7 @@
     <p:sldId id="261" r:id="rId6"/>
     <p:sldId id="262" r:id="rId7"/>
     <p:sldId id="260" r:id="rId8"/>
+    <p:sldId id="263" r:id="rId9"/>
   </p:sldIdLst>
   <p:sldSz cx="12192000" cy="6858000"/>
   <p:notesSz cx="6858000" cy="9144000"/>
@@ -267,7 +268,7 @@
           <a:p>
             <a:fld id="{4FF2EDFA-36E7-4D47-840F-4413CE022B72}" type="datetimeFigureOut">
               <a:rPr kumimoji="1" lang="ko-Kore-KR" altLang="en-US" smtClean="0"/>
-              <a:t>2021. 10. 22.</a:t>
+              <a:t>2021. 11. 1.</a:t>
             </a:fld>
             <a:endParaRPr kumimoji="1" lang="ko-Kore-KR" altLang="en-US"/>
           </a:p>
@@ -467,7 +468,7 @@
           <a:p>
             <a:fld id="{4FF2EDFA-36E7-4D47-840F-4413CE022B72}" type="datetimeFigureOut">
               <a:rPr kumimoji="1" lang="ko-Kore-KR" altLang="en-US" smtClean="0"/>
-              <a:t>2021. 10. 22.</a:t>
+              <a:t>2021. 11. 1.</a:t>
             </a:fld>
             <a:endParaRPr kumimoji="1" lang="ko-Kore-KR" altLang="en-US"/>
           </a:p>
@@ -677,7 +678,7 @@
           <a:p>
             <a:fld id="{4FF2EDFA-36E7-4D47-840F-4413CE022B72}" type="datetimeFigureOut">
               <a:rPr kumimoji="1" lang="ko-Kore-KR" altLang="en-US" smtClean="0"/>
-              <a:t>2021. 10. 22.</a:t>
+              <a:t>2021. 11. 1.</a:t>
             </a:fld>
             <a:endParaRPr kumimoji="1" lang="ko-Kore-KR" altLang="en-US"/>
           </a:p>
@@ -877,7 +878,7 @@
           <a:p>
             <a:fld id="{4FF2EDFA-36E7-4D47-840F-4413CE022B72}" type="datetimeFigureOut">
               <a:rPr kumimoji="1" lang="ko-Kore-KR" altLang="en-US" smtClean="0"/>
-              <a:t>2021. 10. 22.</a:t>
+              <a:t>2021. 11. 1.</a:t>
             </a:fld>
             <a:endParaRPr kumimoji="1" lang="ko-Kore-KR" altLang="en-US"/>
           </a:p>
@@ -1153,7 +1154,7 @@
           <a:p>
             <a:fld id="{4FF2EDFA-36E7-4D47-840F-4413CE022B72}" type="datetimeFigureOut">
               <a:rPr kumimoji="1" lang="ko-Kore-KR" altLang="en-US" smtClean="0"/>
-              <a:t>2021. 10. 22.</a:t>
+              <a:t>2021. 11. 1.</a:t>
             </a:fld>
             <a:endParaRPr kumimoji="1" lang="ko-Kore-KR" altLang="en-US"/>
           </a:p>
@@ -1421,7 +1422,7 @@
           <a:p>
             <a:fld id="{4FF2EDFA-36E7-4D47-840F-4413CE022B72}" type="datetimeFigureOut">
               <a:rPr kumimoji="1" lang="ko-Kore-KR" altLang="en-US" smtClean="0"/>
-              <a:t>2021. 10. 22.</a:t>
+              <a:t>2021. 11. 1.</a:t>
             </a:fld>
             <a:endParaRPr kumimoji="1" lang="ko-Kore-KR" altLang="en-US"/>
           </a:p>
@@ -1836,7 +1837,7 @@
           <a:p>
             <a:fld id="{4FF2EDFA-36E7-4D47-840F-4413CE022B72}" type="datetimeFigureOut">
               <a:rPr kumimoji="1" lang="ko-Kore-KR" altLang="en-US" smtClean="0"/>
-              <a:t>2021. 10. 22.</a:t>
+              <a:t>2021. 11. 1.</a:t>
             </a:fld>
             <a:endParaRPr kumimoji="1" lang="ko-Kore-KR" altLang="en-US"/>
           </a:p>
@@ -1978,7 +1979,7 @@
           <a:p>
             <a:fld id="{4FF2EDFA-36E7-4D47-840F-4413CE022B72}" type="datetimeFigureOut">
               <a:rPr kumimoji="1" lang="ko-Kore-KR" altLang="en-US" smtClean="0"/>
-              <a:t>2021. 10. 22.</a:t>
+              <a:t>2021. 11. 1.</a:t>
             </a:fld>
             <a:endParaRPr kumimoji="1" lang="ko-Kore-KR" altLang="en-US"/>
           </a:p>
@@ -2091,7 +2092,7 @@
           <a:p>
             <a:fld id="{4FF2EDFA-36E7-4D47-840F-4413CE022B72}" type="datetimeFigureOut">
               <a:rPr kumimoji="1" lang="ko-Kore-KR" altLang="en-US" smtClean="0"/>
-              <a:t>2021. 10. 22.</a:t>
+              <a:t>2021. 11. 1.</a:t>
             </a:fld>
             <a:endParaRPr kumimoji="1" lang="ko-Kore-KR" altLang="en-US"/>
           </a:p>
@@ -2404,7 +2405,7 @@
           <a:p>
             <a:fld id="{4FF2EDFA-36E7-4D47-840F-4413CE022B72}" type="datetimeFigureOut">
               <a:rPr kumimoji="1" lang="ko-Kore-KR" altLang="en-US" smtClean="0"/>
-              <a:t>2021. 10. 22.</a:t>
+              <a:t>2021. 11. 1.</a:t>
             </a:fld>
             <a:endParaRPr kumimoji="1" lang="ko-Kore-KR" altLang="en-US"/>
           </a:p>
@@ -2693,7 +2694,7 @@
           <a:p>
             <a:fld id="{4FF2EDFA-36E7-4D47-840F-4413CE022B72}" type="datetimeFigureOut">
               <a:rPr kumimoji="1" lang="ko-Kore-KR" altLang="en-US" smtClean="0"/>
-              <a:t>2021. 10. 22.</a:t>
+              <a:t>2021. 11. 1.</a:t>
             </a:fld>
             <a:endParaRPr kumimoji="1" lang="ko-Kore-KR" altLang="en-US"/>
           </a:p>
@@ -2936,7 +2937,7 @@
           <a:p>
             <a:fld id="{4FF2EDFA-36E7-4D47-840F-4413CE022B72}" type="datetimeFigureOut">
               <a:rPr kumimoji="1" lang="ko-Kore-KR" altLang="en-US" smtClean="0"/>
-              <a:t>2021. 10. 22.</a:t>
+              <a:t>2021. 11. 1.</a:t>
             </a:fld>
             <a:endParaRPr kumimoji="1" lang="ko-Kore-KR" altLang="en-US"/>
           </a:p>
@@ -9159,6 +9160,455 @@
         <p:spPr>
           <a:xfrm>
             <a:off x="411218" y="173123"/>
+            <a:ext cx="2195348" cy="315912"/>
+          </a:xfrm>
+        </p:spPr>
+        <p:txBody>
+          <a:bodyPr>
+            <a:noAutofit/>
+          </a:bodyPr>
+          <a:lstStyle/>
+          <a:p>
+            <a:r>
+              <a:rPr kumimoji="1" lang="en-US" altLang="ko-Kore-KR" sz="1600" dirty="0"/>
+              <a:t>DB</a:t>
+            </a:r>
+            <a:r>
+              <a:rPr kumimoji="1" lang="ko-KR" altLang="en-US" sz="1600" dirty="0"/>
+              <a:t> </a:t>
+            </a:r>
+            <a:r>
+              <a:rPr kumimoji="1" lang="en-US" altLang="ko-KR" sz="1600" dirty="0"/>
+              <a:t>–</a:t>
+            </a:r>
+            <a:r>
+              <a:rPr kumimoji="1" lang="ko-KR" altLang="en-US" sz="1600" dirty="0"/>
+              <a:t> </a:t>
+            </a:r>
+            <a:r>
+              <a:rPr kumimoji="1" lang="en-US" altLang="ko-KR" sz="1600" dirty="0" err="1"/>
+              <a:t>Firestore</a:t>
+            </a:r>
+            <a:r>
+              <a:rPr kumimoji="1" lang="en-US" altLang="ko-KR" sz="1600" dirty="0"/>
+              <a:t> Database</a:t>
+            </a:r>
+            <a:endParaRPr kumimoji="1" lang="ko-Kore-KR" altLang="en-US" sz="1600" dirty="0"/>
+          </a:p>
+        </p:txBody>
+      </p:sp>
+      <p:cxnSp>
+        <p:nvCxnSpPr>
+          <p:cNvPr id="8" name="직선 연결선[R] 7">
+            <a:extLst>
+              <a:ext uri="{FF2B5EF4-FFF2-40B4-BE49-F238E27FC236}">
+                <a16:creationId xmlns:a16="http://schemas.microsoft.com/office/drawing/2014/main" id="{27890F80-36DC-BE45-AF2C-8F1A6E9E5B40}"/>
+              </a:ext>
+            </a:extLst>
+          </p:cNvPr>
+          <p:cNvCxnSpPr/>
+          <p:nvPr/>
+        </p:nvCxnSpPr>
+        <p:spPr>
+          <a:xfrm>
+            <a:off x="0" y="798788"/>
+            <a:ext cx="12204000" cy="0"/>
+          </a:xfrm>
+          <a:prstGeom prst="line">
+            <a:avLst/>
+          </a:prstGeom>
+          <a:ln w="25400"/>
+        </p:spPr>
+        <p:style>
+          <a:lnRef idx="1">
+            <a:schemeClr val="dk1"/>
+          </a:lnRef>
+          <a:fillRef idx="0">
+            <a:schemeClr val="dk1"/>
+          </a:fillRef>
+          <a:effectRef idx="0">
+            <a:schemeClr val="dk1"/>
+          </a:effectRef>
+          <a:fontRef idx="minor">
+            <a:schemeClr val="tx1"/>
+          </a:fontRef>
+        </p:style>
+      </p:cxnSp>
+      <p:sp>
+        <p:nvSpPr>
+          <p:cNvPr id="9" name="제목 1">
+            <a:extLst>
+              <a:ext uri="{FF2B5EF4-FFF2-40B4-BE49-F238E27FC236}">
+                <a16:creationId xmlns:a16="http://schemas.microsoft.com/office/drawing/2014/main" id="{6F8A83B5-CF55-8A4A-806C-1AA82B17116C}"/>
+              </a:ext>
+            </a:extLst>
+          </p:cNvPr>
+          <p:cNvSpPr txBox="1">
+            <a:spLocks/>
+          </p:cNvSpPr>
+          <p:nvPr/>
+        </p:nvSpPr>
+        <p:spPr>
+          <a:xfrm>
+            <a:off x="10626811" y="173123"/>
+            <a:ext cx="1355800" cy="315912"/>
+          </a:xfrm>
+          <a:prstGeom prst="rect">
+            <a:avLst/>
+          </a:prstGeom>
+        </p:spPr>
+        <p:txBody>
+          <a:bodyPr vert="horz" lIns="91440" tIns="45720" rIns="91440" bIns="45720" rtlCol="0" anchor="ctr">
+            <a:noAutofit/>
+          </a:bodyPr>
+          <a:lstStyle>
+            <a:lvl1pPr algn="l" defTabSz="914400" rtl="0" eaLnBrk="1" latinLnBrk="0" hangingPunct="1">
+              <a:lnSpc>
+                <a:spcPct val="90000"/>
+              </a:lnSpc>
+              <a:spcBef>
+                <a:spcPct val="0"/>
+              </a:spcBef>
+              <a:buNone/>
+              <a:defRPr sz="4400" kern="1200">
+                <a:solidFill>
+                  <a:schemeClr val="tx1"/>
+                </a:solidFill>
+                <a:latin typeface="+mj-lt"/>
+                <a:ea typeface="+mj-ea"/>
+                <a:cs typeface="+mj-cs"/>
+              </a:defRPr>
+            </a:lvl1pPr>
+          </a:lstStyle>
+          <a:p>
+            <a:r>
+              <a:rPr kumimoji="1" lang="en-US" altLang="ko-Kore-KR" sz="1600" dirty="0"/>
+              <a:t>Record a Day</a:t>
+            </a:r>
+            <a:endParaRPr kumimoji="1" lang="ko-Kore-KR" altLang="en-US" sz="1600" dirty="0"/>
+          </a:p>
+        </p:txBody>
+      </p:sp>
+      <p:sp>
+        <p:nvSpPr>
+          <p:cNvPr id="30" name="TextBox 29">
+            <a:extLst>
+              <a:ext uri="{FF2B5EF4-FFF2-40B4-BE49-F238E27FC236}">
+                <a16:creationId xmlns:a16="http://schemas.microsoft.com/office/drawing/2014/main" id="{21BE6591-B9B2-A747-A41F-5E7A0D094C8B}"/>
+              </a:ext>
+            </a:extLst>
+          </p:cNvPr>
+          <p:cNvSpPr txBox="1"/>
+          <p:nvPr/>
+        </p:nvSpPr>
+        <p:spPr>
+          <a:xfrm>
+            <a:off x="411217" y="1108542"/>
+            <a:ext cx="2058713" cy="307777"/>
+          </a:xfrm>
+          <a:prstGeom prst="rect">
+            <a:avLst/>
+          </a:prstGeom>
+          <a:noFill/>
+        </p:spPr>
+        <p:txBody>
+          <a:bodyPr wrap="square" rtlCol="0">
+            <a:spAutoFit/>
+          </a:bodyPr>
+          <a:lstStyle/>
+          <a:p>
+            <a:r>
+              <a:rPr kumimoji="1" lang="en-US" altLang="ko-KR" sz="1400" b="1" dirty="0"/>
+              <a:t>user</a:t>
+            </a:r>
+            <a:r>
+              <a:rPr kumimoji="1" lang="ko-KR" altLang="en-US" sz="1400" b="1" dirty="0"/>
+              <a:t> 컬렉션 필드 구성</a:t>
+            </a:r>
+            <a:endParaRPr kumimoji="1" lang="en-US" altLang="ko-KR" sz="1400" b="1" dirty="0"/>
+          </a:p>
+        </p:txBody>
+      </p:sp>
+      <p:sp>
+        <p:nvSpPr>
+          <p:cNvPr id="33" name="TextBox 32">
+            <a:extLst>
+              <a:ext uri="{FF2B5EF4-FFF2-40B4-BE49-F238E27FC236}">
+                <a16:creationId xmlns:a16="http://schemas.microsoft.com/office/drawing/2014/main" id="{EB7E5175-1596-464A-8486-C9C4CD6182F1}"/>
+              </a:ext>
+            </a:extLst>
+          </p:cNvPr>
+          <p:cNvSpPr txBox="1"/>
+          <p:nvPr/>
+        </p:nvSpPr>
+        <p:spPr>
+          <a:xfrm>
+            <a:off x="411217" y="1515341"/>
+            <a:ext cx="3460412" cy="1441613"/>
+          </a:xfrm>
+          <a:prstGeom prst="rect">
+            <a:avLst/>
+          </a:prstGeom>
+          <a:noFill/>
+        </p:spPr>
+        <p:txBody>
+          <a:bodyPr wrap="square" rtlCol="0">
+            <a:spAutoFit/>
+          </a:bodyPr>
+          <a:lstStyle/>
+          <a:p>
+            <a:pPr>
+              <a:lnSpc>
+                <a:spcPct val="150000"/>
+              </a:lnSpc>
+            </a:pPr>
+            <a:r>
+              <a:rPr kumimoji="1" lang="en-US" altLang="ko-KR" sz="1200" dirty="0">
+                <a:latin typeface="+mn-ea"/>
+              </a:rPr>
+              <a:t>name : ”</a:t>
+            </a:r>
+            <a:r>
+              <a:rPr kumimoji="1" lang="en-US" altLang="ko-KR" sz="1200" dirty="0" err="1">
+                <a:latin typeface="+mn-ea"/>
+              </a:rPr>
+              <a:t>hyeonseok</a:t>
+            </a:r>
+            <a:r>
+              <a:rPr kumimoji="1" lang="en-US" altLang="ko-KR" sz="1200" dirty="0">
+                <a:latin typeface="+mn-ea"/>
+              </a:rPr>
+              <a:t>”</a:t>
+            </a:r>
+          </a:p>
+          <a:p>
+            <a:pPr>
+              <a:lnSpc>
+                <a:spcPct val="150000"/>
+              </a:lnSpc>
+            </a:pPr>
+            <a:r>
+              <a:rPr kumimoji="1" lang="en-US" altLang="ko-KR" sz="1200" dirty="0">
+                <a:latin typeface="+mn-ea"/>
+              </a:rPr>
+              <a:t>id : ”test”</a:t>
+            </a:r>
+          </a:p>
+          <a:p>
+            <a:pPr>
+              <a:lnSpc>
+                <a:spcPct val="150000"/>
+              </a:lnSpc>
+            </a:pPr>
+            <a:r>
+              <a:rPr kumimoji="1" lang="en-US" altLang="ko-KR" sz="1200" dirty="0">
+                <a:latin typeface="+mn-ea"/>
+              </a:rPr>
+              <a:t>pw : “vBTI3dNJpvPf5AwLE9N2BQ==“</a:t>
+            </a:r>
+          </a:p>
+          <a:p>
+            <a:pPr>
+              <a:lnSpc>
+                <a:spcPct val="150000"/>
+              </a:lnSpc>
+            </a:pPr>
+            <a:r>
+              <a:rPr kumimoji="1" lang="en-US" altLang="ko-KR" sz="1200" dirty="0">
+                <a:latin typeface="+mn-ea"/>
+              </a:rPr>
+              <a:t>birth : “19960830”</a:t>
+            </a:r>
+          </a:p>
+          <a:p>
+            <a:pPr>
+              <a:lnSpc>
+                <a:spcPct val="150000"/>
+              </a:lnSpc>
+            </a:pPr>
+            <a:r>
+              <a:rPr kumimoji="1" lang="en-US" altLang="ko-KR" sz="1200" dirty="0">
+                <a:latin typeface="+mn-ea"/>
+              </a:rPr>
+              <a:t>phone : ”01041260000”</a:t>
+            </a:r>
+          </a:p>
+        </p:txBody>
+      </p:sp>
+      <p:sp>
+        <p:nvSpPr>
+          <p:cNvPr id="17" name="TextBox 16">
+            <a:extLst>
+              <a:ext uri="{FF2B5EF4-FFF2-40B4-BE49-F238E27FC236}">
+                <a16:creationId xmlns:a16="http://schemas.microsoft.com/office/drawing/2014/main" id="{64439FB6-3CE2-0F49-A6EA-D0D8776B521D}"/>
+              </a:ext>
+            </a:extLst>
+          </p:cNvPr>
+          <p:cNvSpPr txBox="1"/>
+          <p:nvPr/>
+        </p:nvSpPr>
+        <p:spPr>
+          <a:xfrm>
+            <a:off x="1315107" y="3013432"/>
+            <a:ext cx="387569" cy="887615"/>
+          </a:xfrm>
+          <a:prstGeom prst="rect">
+            <a:avLst/>
+          </a:prstGeom>
+          <a:noFill/>
+        </p:spPr>
+        <p:txBody>
+          <a:bodyPr wrap="square" rtlCol="0">
+            <a:spAutoFit/>
+          </a:bodyPr>
+          <a:lstStyle/>
+          <a:p>
+            <a:pPr>
+              <a:lnSpc>
+                <a:spcPct val="150000"/>
+              </a:lnSpc>
+            </a:pPr>
+            <a:r>
+              <a:rPr kumimoji="1" lang="en-US" altLang="ko-KR" sz="1200" b="1" dirty="0">
+                <a:latin typeface="+mn-ea"/>
+              </a:rPr>
+              <a:t>.</a:t>
+            </a:r>
+          </a:p>
+          <a:p>
+            <a:pPr>
+              <a:lnSpc>
+                <a:spcPct val="150000"/>
+              </a:lnSpc>
+            </a:pPr>
+            <a:r>
+              <a:rPr kumimoji="1" lang="en-US" altLang="ko-KR" sz="1200" b="1" dirty="0">
+                <a:latin typeface="+mn-ea"/>
+              </a:rPr>
+              <a:t>.</a:t>
+            </a:r>
+          </a:p>
+          <a:p>
+            <a:pPr>
+              <a:lnSpc>
+                <a:spcPct val="150000"/>
+              </a:lnSpc>
+            </a:pPr>
+            <a:r>
+              <a:rPr kumimoji="1" lang="en-US" altLang="ko-KR" sz="1200" b="1" dirty="0">
+                <a:latin typeface="+mn-ea"/>
+              </a:rPr>
+              <a:t>.</a:t>
+            </a:r>
+          </a:p>
+        </p:txBody>
+      </p:sp>
+      <p:sp>
+        <p:nvSpPr>
+          <p:cNvPr id="18" name="TextBox 17">
+            <a:extLst>
+              <a:ext uri="{FF2B5EF4-FFF2-40B4-BE49-F238E27FC236}">
+                <a16:creationId xmlns:a16="http://schemas.microsoft.com/office/drawing/2014/main" id="{5043F64B-C2E3-1249-A2F7-8FD32C6424D4}"/>
+              </a:ext>
+            </a:extLst>
+          </p:cNvPr>
+          <p:cNvSpPr txBox="1"/>
+          <p:nvPr/>
+        </p:nvSpPr>
+        <p:spPr>
+          <a:xfrm>
+            <a:off x="3524788" y="1694017"/>
+            <a:ext cx="3460412" cy="333617"/>
+          </a:xfrm>
+          <a:prstGeom prst="rect">
+            <a:avLst/>
+          </a:prstGeom>
+          <a:noFill/>
+        </p:spPr>
+        <p:txBody>
+          <a:bodyPr wrap="square" rtlCol="0">
+            <a:spAutoFit/>
+          </a:bodyPr>
+          <a:lstStyle/>
+          <a:p>
+            <a:pPr>
+              <a:lnSpc>
+                <a:spcPct val="150000"/>
+              </a:lnSpc>
+            </a:pPr>
+            <a:r>
+              <a:rPr kumimoji="1" lang="ko-KR" altLang="en-US" sz="1200" dirty="0">
+                <a:latin typeface="+mn-ea"/>
+              </a:rPr>
+              <a:t>비밀번호 </a:t>
+            </a:r>
+            <a:r>
+              <a:rPr kumimoji="1" lang="en-US" altLang="ko-KR" sz="1200" dirty="0">
+                <a:latin typeface="+mn-ea"/>
+              </a:rPr>
+              <a:t>AES</a:t>
+            </a:r>
+            <a:r>
+              <a:rPr kumimoji="1" lang="ko-KR" altLang="en-US" sz="1200" dirty="0">
+                <a:latin typeface="+mn-ea"/>
+              </a:rPr>
+              <a:t> 암호화하여 저장</a:t>
+            </a:r>
+            <a:endParaRPr kumimoji="1" lang="en-US" altLang="ko-KR" sz="1200" dirty="0">
+              <a:latin typeface="+mn-ea"/>
+            </a:endParaRPr>
+          </a:p>
+        </p:txBody>
+      </p:sp>
+    </p:spTree>
+    <p:extLst>
+      <p:ext uri="{BB962C8B-B14F-4D97-AF65-F5344CB8AC3E}">
+        <p14:creationId xmlns:p14="http://schemas.microsoft.com/office/powerpoint/2010/main" val="3590545729"/>
+      </p:ext>
+    </p:extLst>
+  </p:cSld>
+  <p:clrMapOvr>
+    <a:masterClrMapping/>
+  </p:clrMapOvr>
+</p:sld>
+</file>
+
+<file path=ppt/slides/slide8.xml><?xml version="1.0" encoding="utf-8"?>
+<p:sld xmlns:a="http://schemas.openxmlformats.org/drawingml/2006/main" xmlns:r="http://schemas.openxmlformats.org/officeDocument/2006/relationships" xmlns:p="http://schemas.openxmlformats.org/presentationml/2006/main">
+  <p:cSld>
+    <p:spTree>
+      <p:nvGrpSpPr>
+        <p:cNvPr id="1" name=""/>
+        <p:cNvGrpSpPr/>
+        <p:nvPr/>
+      </p:nvGrpSpPr>
+      <p:grpSpPr>
+        <a:xfrm>
+          <a:off x="0" y="0"/>
+          <a:ext cx="0" cy="0"/>
+          <a:chOff x="0" y="0"/>
+          <a:chExt cx="0" cy="0"/>
+        </a:xfrm>
+      </p:grpSpPr>
+      <p:sp>
+        <p:nvSpPr>
+          <p:cNvPr id="2" name="제목 1">
+            <a:extLst>
+              <a:ext uri="{FF2B5EF4-FFF2-40B4-BE49-F238E27FC236}">
+                <a16:creationId xmlns:a16="http://schemas.microsoft.com/office/drawing/2014/main" id="{4DA2F12F-ADD1-A247-8F78-05DDB7F1CE61}"/>
+              </a:ext>
+            </a:extLst>
+          </p:cNvPr>
+          <p:cNvSpPr>
+            <a:spLocks noGrp="1"/>
+          </p:cNvSpPr>
+          <p:nvPr>
+            <p:ph type="title"/>
+          </p:nvPr>
+        </p:nvSpPr>
+        <p:spPr>
+          <a:xfrm>
+            <a:off x="411218" y="173123"/>
             <a:ext cx="853966" cy="315912"/>
           </a:xfrm>
         </p:spPr>
@@ -9687,7 +10137,7 @@
     </p:spTree>
     <p:extLst>
       <p:ext uri="{BB962C8B-B14F-4D97-AF65-F5344CB8AC3E}">
-        <p14:creationId xmlns:p14="http://schemas.microsoft.com/office/powerpoint/2010/main" val="3590545729"/>
+        <p14:creationId xmlns:p14="http://schemas.microsoft.com/office/powerpoint/2010/main" val="1277061214"/>
       </p:ext>
     </p:extLst>
   </p:cSld>

--- a/doc/설계서.pptx
+++ b/doc/설계서.pptx
@@ -12,7 +12,8 @@
     <p:sldId id="261" r:id="rId6"/>
     <p:sldId id="262" r:id="rId7"/>
     <p:sldId id="260" r:id="rId8"/>
-    <p:sldId id="263" r:id="rId9"/>
+    <p:sldId id="264" r:id="rId9"/>
+    <p:sldId id="263" r:id="rId10"/>
   </p:sldIdLst>
   <p:sldSz cx="12192000" cy="6858000"/>
   <p:notesSz cx="6858000" cy="9144000"/>
@@ -268,7 +269,7 @@
           <a:p>
             <a:fld id="{4FF2EDFA-36E7-4D47-840F-4413CE022B72}" type="datetimeFigureOut">
               <a:rPr kumimoji="1" lang="ko-Kore-KR" altLang="en-US" smtClean="0"/>
-              <a:t>2021. 11. 1.</a:t>
+              <a:t>2021. 12. 1.</a:t>
             </a:fld>
             <a:endParaRPr kumimoji="1" lang="ko-Kore-KR" altLang="en-US"/>
           </a:p>
@@ -468,7 +469,7 @@
           <a:p>
             <a:fld id="{4FF2EDFA-36E7-4D47-840F-4413CE022B72}" type="datetimeFigureOut">
               <a:rPr kumimoji="1" lang="ko-Kore-KR" altLang="en-US" smtClean="0"/>
-              <a:t>2021. 11. 1.</a:t>
+              <a:t>2021. 12. 1.</a:t>
             </a:fld>
             <a:endParaRPr kumimoji="1" lang="ko-Kore-KR" altLang="en-US"/>
           </a:p>
@@ -678,7 +679,7 @@
           <a:p>
             <a:fld id="{4FF2EDFA-36E7-4D47-840F-4413CE022B72}" type="datetimeFigureOut">
               <a:rPr kumimoji="1" lang="ko-Kore-KR" altLang="en-US" smtClean="0"/>
-              <a:t>2021. 11. 1.</a:t>
+              <a:t>2021. 12. 1.</a:t>
             </a:fld>
             <a:endParaRPr kumimoji="1" lang="ko-Kore-KR" altLang="en-US"/>
           </a:p>
@@ -878,7 +879,7 @@
           <a:p>
             <a:fld id="{4FF2EDFA-36E7-4D47-840F-4413CE022B72}" type="datetimeFigureOut">
               <a:rPr kumimoji="1" lang="ko-Kore-KR" altLang="en-US" smtClean="0"/>
-              <a:t>2021. 11. 1.</a:t>
+              <a:t>2021. 12. 1.</a:t>
             </a:fld>
             <a:endParaRPr kumimoji="1" lang="ko-Kore-KR" altLang="en-US"/>
           </a:p>
@@ -1154,7 +1155,7 @@
           <a:p>
             <a:fld id="{4FF2EDFA-36E7-4D47-840F-4413CE022B72}" type="datetimeFigureOut">
               <a:rPr kumimoji="1" lang="ko-Kore-KR" altLang="en-US" smtClean="0"/>
-              <a:t>2021. 11. 1.</a:t>
+              <a:t>2021. 12. 1.</a:t>
             </a:fld>
             <a:endParaRPr kumimoji="1" lang="ko-Kore-KR" altLang="en-US"/>
           </a:p>
@@ -1422,7 +1423,7 @@
           <a:p>
             <a:fld id="{4FF2EDFA-36E7-4D47-840F-4413CE022B72}" type="datetimeFigureOut">
               <a:rPr kumimoji="1" lang="ko-Kore-KR" altLang="en-US" smtClean="0"/>
-              <a:t>2021. 11. 1.</a:t>
+              <a:t>2021. 12. 1.</a:t>
             </a:fld>
             <a:endParaRPr kumimoji="1" lang="ko-Kore-KR" altLang="en-US"/>
           </a:p>
@@ -1837,7 +1838,7 @@
           <a:p>
             <a:fld id="{4FF2EDFA-36E7-4D47-840F-4413CE022B72}" type="datetimeFigureOut">
               <a:rPr kumimoji="1" lang="ko-Kore-KR" altLang="en-US" smtClean="0"/>
-              <a:t>2021. 11. 1.</a:t>
+              <a:t>2021. 12. 1.</a:t>
             </a:fld>
             <a:endParaRPr kumimoji="1" lang="ko-Kore-KR" altLang="en-US"/>
           </a:p>
@@ -1979,7 +1980,7 @@
           <a:p>
             <a:fld id="{4FF2EDFA-36E7-4D47-840F-4413CE022B72}" type="datetimeFigureOut">
               <a:rPr kumimoji="1" lang="ko-Kore-KR" altLang="en-US" smtClean="0"/>
-              <a:t>2021. 11. 1.</a:t>
+              <a:t>2021. 12. 1.</a:t>
             </a:fld>
             <a:endParaRPr kumimoji="1" lang="ko-Kore-KR" altLang="en-US"/>
           </a:p>
@@ -2092,7 +2093,7 @@
           <a:p>
             <a:fld id="{4FF2EDFA-36E7-4D47-840F-4413CE022B72}" type="datetimeFigureOut">
               <a:rPr kumimoji="1" lang="ko-Kore-KR" altLang="en-US" smtClean="0"/>
-              <a:t>2021. 11. 1.</a:t>
+              <a:t>2021. 12. 1.</a:t>
             </a:fld>
             <a:endParaRPr kumimoji="1" lang="ko-Kore-KR" altLang="en-US"/>
           </a:p>
@@ -2405,7 +2406,7 @@
           <a:p>
             <a:fld id="{4FF2EDFA-36E7-4D47-840F-4413CE022B72}" type="datetimeFigureOut">
               <a:rPr kumimoji="1" lang="ko-Kore-KR" altLang="en-US" smtClean="0"/>
-              <a:t>2021. 11. 1.</a:t>
+              <a:t>2021. 12. 1.</a:t>
             </a:fld>
             <a:endParaRPr kumimoji="1" lang="ko-Kore-KR" altLang="en-US"/>
           </a:p>
@@ -2694,7 +2695,7 @@
           <a:p>
             <a:fld id="{4FF2EDFA-36E7-4D47-840F-4413CE022B72}" type="datetimeFigureOut">
               <a:rPr kumimoji="1" lang="ko-Kore-KR" altLang="en-US" smtClean="0"/>
-              <a:t>2021. 11. 1.</a:t>
+              <a:t>2021. 12. 1.</a:t>
             </a:fld>
             <a:endParaRPr kumimoji="1" lang="ko-Kore-KR" altLang="en-US"/>
           </a:p>
@@ -2937,7 +2938,7 @@
           <a:p>
             <a:fld id="{4FF2EDFA-36E7-4D47-840F-4413CE022B72}" type="datetimeFigureOut">
               <a:rPr kumimoji="1" lang="ko-Kore-KR" altLang="en-US" smtClean="0"/>
-              <a:t>2021. 11. 1.</a:t>
+              <a:t>2021. 12. 1.</a:t>
             </a:fld>
             <a:endParaRPr kumimoji="1" lang="ko-Kore-KR" altLang="en-US"/>
           </a:p>
@@ -9391,7 +9392,7 @@
               <a:rPr kumimoji="1" lang="en-US" altLang="ko-KR" sz="1200" dirty="0">
                 <a:latin typeface="+mn-ea"/>
               </a:rPr>
-              <a:t>id : ”test”</a:t>
+              <a:t>id : ”hyeonseok2”</a:t>
             </a:r>
           </a:p>
           <a:p>
@@ -9437,10 +9438,10 @@
       </p:sp>
       <p:sp>
         <p:nvSpPr>
-          <p:cNvPr id="17" name="TextBox 16">
-            <a:extLst>
-              <a:ext uri="{FF2B5EF4-FFF2-40B4-BE49-F238E27FC236}">
-                <a16:creationId xmlns:a16="http://schemas.microsoft.com/office/drawing/2014/main" id="{64439FB6-3CE2-0F49-A6EA-D0D8776B521D}"/>
+          <p:cNvPr id="18" name="TextBox 17">
+            <a:extLst>
+              <a:ext uri="{FF2B5EF4-FFF2-40B4-BE49-F238E27FC236}">
+                <a16:creationId xmlns:a16="http://schemas.microsoft.com/office/drawing/2014/main" id="{5043F64B-C2E3-1249-A2F7-8FD32C6424D4}"/>
               </a:ext>
             </a:extLst>
           </p:cNvPr>
@@ -9449,8 +9450,8 @@
         </p:nvSpPr>
         <p:spPr>
           <a:xfrm>
-            <a:off x="1315107" y="3013432"/>
-            <a:ext cx="387569" cy="887615"/>
+            <a:off x="3093864" y="2069338"/>
+            <a:ext cx="1330991" cy="610616"/>
           </a:xfrm>
           <a:prstGeom prst="rect">
             <a:avLst/>
@@ -9469,46 +9470,35 @@
               </a:lnSpc>
             </a:pPr>
             <a:r>
-              <a:rPr kumimoji="1" lang="en-US" altLang="ko-KR" sz="1200" b="1" dirty="0">
+              <a:rPr kumimoji="1" lang="ko-KR" altLang="en-US" sz="1200" dirty="0">
                 <a:latin typeface="+mn-ea"/>
               </a:rPr>
-              <a:t>.</a:t>
-            </a:r>
-          </a:p>
-          <a:p>
-            <a:pPr>
-              <a:lnSpc>
-                <a:spcPct val="150000"/>
-              </a:lnSpc>
-            </a:pPr>
-            <a:r>
-              <a:rPr kumimoji="1" lang="en-US" altLang="ko-KR" sz="1200" b="1" dirty="0">
+              <a:t>비밀번호 </a:t>
+            </a:r>
+            <a:r>
+              <a:rPr kumimoji="1" lang="en-US" altLang="ko-KR" sz="1200" dirty="0">
                 <a:latin typeface="+mn-ea"/>
               </a:rPr>
-              <a:t>.</a:t>
-            </a:r>
-          </a:p>
-          <a:p>
-            <a:pPr>
-              <a:lnSpc>
-                <a:spcPct val="150000"/>
-              </a:lnSpc>
-            </a:pPr>
-            <a:r>
-              <a:rPr kumimoji="1" lang="en-US" altLang="ko-KR" sz="1200" b="1" dirty="0">
+              <a:t>AES</a:t>
+            </a:r>
+            <a:r>
+              <a:rPr kumimoji="1" lang="ko-KR" altLang="en-US" sz="1200" dirty="0">
                 <a:latin typeface="+mn-ea"/>
               </a:rPr>
-              <a:t>.</a:t>
-            </a:r>
-          </a:p>
-        </p:txBody>
-      </p:sp>
-      <p:sp>
-        <p:nvSpPr>
-          <p:cNvPr id="18" name="TextBox 17">
-            <a:extLst>
-              <a:ext uri="{FF2B5EF4-FFF2-40B4-BE49-F238E27FC236}">
-                <a16:creationId xmlns:a16="http://schemas.microsoft.com/office/drawing/2014/main" id="{5043F64B-C2E3-1249-A2F7-8FD32C6424D4}"/>
+              <a:t> 암호화하여 저장</a:t>
+            </a:r>
+            <a:endParaRPr kumimoji="1" lang="en-US" altLang="ko-KR" sz="1200" dirty="0">
+              <a:latin typeface="+mn-ea"/>
+            </a:endParaRPr>
+          </a:p>
+        </p:txBody>
+      </p:sp>
+      <p:sp>
+        <p:nvSpPr>
+          <p:cNvPr id="10" name="TextBox 9">
+            <a:extLst>
+              <a:ext uri="{FF2B5EF4-FFF2-40B4-BE49-F238E27FC236}">
+                <a16:creationId xmlns:a16="http://schemas.microsoft.com/office/drawing/2014/main" id="{EF1DDD1F-81D2-D746-8466-4BFE2F714818}"/>
               </a:ext>
             </a:extLst>
           </p:cNvPr>
@@ -9517,8 +9507,8 @@
         </p:nvSpPr>
         <p:spPr>
           <a:xfrm>
-            <a:off x="3524788" y="1694017"/>
-            <a:ext cx="3460412" cy="333617"/>
+            <a:off x="6417879" y="1108542"/>
+            <a:ext cx="2058713" cy="307777"/>
           </a:xfrm>
           <a:prstGeom prst="rect">
             <a:avLst/>
@@ -9531,32 +9521,554 @@
           </a:bodyPr>
           <a:lstStyle/>
           <a:p>
+            <a:r>
+              <a:rPr kumimoji="1" lang="en-US" altLang="ko-KR" sz="1400" b="1" dirty="0"/>
+              <a:t>record </a:t>
+            </a:r>
+            <a:r>
+              <a:rPr kumimoji="1" lang="ko-KR" altLang="en-US" sz="1400" b="1" dirty="0"/>
+              <a:t>컬렉션 필드 구성</a:t>
+            </a:r>
+            <a:endParaRPr kumimoji="1" lang="en-US" altLang="ko-KR" sz="1400" b="1" dirty="0"/>
+          </a:p>
+        </p:txBody>
+      </p:sp>
+      <p:sp>
+        <p:nvSpPr>
+          <p:cNvPr id="11" name="TextBox 10">
+            <a:extLst>
+              <a:ext uri="{FF2B5EF4-FFF2-40B4-BE49-F238E27FC236}">
+                <a16:creationId xmlns:a16="http://schemas.microsoft.com/office/drawing/2014/main" id="{80E53AC9-72A5-9B44-9A9C-5D366DFFF14D}"/>
+              </a:ext>
+            </a:extLst>
+          </p:cNvPr>
+          <p:cNvSpPr txBox="1"/>
+          <p:nvPr/>
+        </p:nvSpPr>
+        <p:spPr>
+          <a:xfrm>
+            <a:off x="6417879" y="1515341"/>
+            <a:ext cx="3460412" cy="1995611"/>
+          </a:xfrm>
+          <a:prstGeom prst="rect">
+            <a:avLst/>
+          </a:prstGeom>
+          <a:noFill/>
+        </p:spPr>
+        <p:txBody>
+          <a:bodyPr wrap="square" rtlCol="0">
+            <a:spAutoFit/>
+          </a:bodyPr>
+          <a:lstStyle/>
+          <a:p>
             <a:pPr>
               <a:lnSpc>
                 <a:spcPct val="150000"/>
               </a:lnSpc>
             </a:pPr>
             <a:r>
+              <a:rPr kumimoji="1" lang="en-US" altLang="ko-KR" sz="1200" dirty="0">
+                <a:latin typeface="+mn-ea"/>
+              </a:rPr>
+              <a:t>no : ”1”</a:t>
+            </a:r>
+          </a:p>
+          <a:p>
+            <a:pPr>
+              <a:lnSpc>
+                <a:spcPct val="150000"/>
+              </a:lnSpc>
+            </a:pPr>
+            <a:r>
+              <a:rPr kumimoji="1" lang="en-US" altLang="ko-KR" sz="1200" dirty="0" err="1">
+                <a:latin typeface="+mn-ea"/>
+              </a:rPr>
+              <a:t>user_id</a:t>
+            </a:r>
+            <a:r>
+              <a:rPr kumimoji="1" lang="en-US" altLang="ko-KR" sz="1200" dirty="0">
+                <a:latin typeface="+mn-ea"/>
+              </a:rPr>
+              <a:t> : “hyeonseok2”</a:t>
+            </a:r>
+          </a:p>
+          <a:p>
+            <a:pPr>
+              <a:lnSpc>
+                <a:spcPct val="150000"/>
+              </a:lnSpc>
+            </a:pPr>
+            <a:r>
+              <a:rPr kumimoji="1" lang="en-US" altLang="ko-KR" sz="1200" dirty="0">
+                <a:latin typeface="+mn-ea"/>
+              </a:rPr>
+              <a:t>title : ”</a:t>
+            </a:r>
+            <a:r>
               <a:rPr kumimoji="1" lang="ko-KR" altLang="en-US" sz="1200" dirty="0">
                 <a:latin typeface="+mn-ea"/>
               </a:rPr>
-              <a:t>비밀번호 </a:t>
+              <a:t>새로운 날</a:t>
             </a:r>
             <a:r>
               <a:rPr kumimoji="1" lang="en-US" altLang="ko-KR" sz="1200" dirty="0">
                 <a:latin typeface="+mn-ea"/>
               </a:rPr>
-              <a:t>AES</a:t>
+              <a:t>”</a:t>
+            </a:r>
+          </a:p>
+          <a:p>
+            <a:pPr>
+              <a:lnSpc>
+                <a:spcPct val="150000"/>
+              </a:lnSpc>
+            </a:pPr>
+            <a:r>
+              <a:rPr kumimoji="1" lang="en-US" altLang="ko-KR" sz="1200" dirty="0">
+                <a:latin typeface="+mn-ea"/>
+              </a:rPr>
+              <a:t>content : “</a:t>
             </a:r>
             <a:r>
               <a:rPr kumimoji="1" lang="ko-KR" altLang="en-US" sz="1200" dirty="0">
                 <a:latin typeface="+mn-ea"/>
               </a:rPr>
-              <a:t> 암호화하여 저장</a:t>
-            </a:r>
-            <a:endParaRPr kumimoji="1" lang="en-US" altLang="ko-KR" sz="1200" dirty="0">
-              <a:latin typeface="+mn-ea"/>
-            </a:endParaRPr>
+              <a:t>오늘은 나에게 새로웠다</a:t>
+            </a:r>
+            <a:r>
+              <a:rPr kumimoji="1" lang="en-US" altLang="ko-KR" sz="1200" dirty="0">
+                <a:latin typeface="+mn-ea"/>
+              </a:rPr>
+              <a:t>.“</a:t>
+            </a:r>
+          </a:p>
+          <a:p>
+            <a:pPr>
+              <a:lnSpc>
+                <a:spcPct val="150000"/>
+              </a:lnSpc>
+            </a:pPr>
+            <a:r>
+              <a:rPr kumimoji="1" lang="en-US" altLang="ko-KR" sz="1200" dirty="0">
+                <a:latin typeface="+mn-ea"/>
+              </a:rPr>
+              <a:t>date : “20211201”</a:t>
+            </a:r>
+          </a:p>
+          <a:p>
+            <a:pPr>
+              <a:lnSpc>
+                <a:spcPct val="150000"/>
+              </a:lnSpc>
+            </a:pPr>
+            <a:r>
+              <a:rPr kumimoji="1" lang="en-US" altLang="ko-KR" sz="1200" dirty="0">
+                <a:latin typeface="+mn-ea"/>
+              </a:rPr>
+              <a:t>weather : “</a:t>
+            </a:r>
+            <a:r>
+              <a:rPr kumimoji="1" lang="ko-KR" altLang="en-US" sz="1200" dirty="0">
+                <a:latin typeface="+mn-ea"/>
+              </a:rPr>
+              <a:t>맑음</a:t>
+            </a:r>
+            <a:r>
+              <a:rPr kumimoji="1" lang="en-US" altLang="ko-KR" sz="1200" dirty="0">
+                <a:latin typeface="+mn-ea"/>
+              </a:rPr>
+              <a:t>”</a:t>
+            </a:r>
+          </a:p>
+          <a:p>
+            <a:pPr>
+              <a:lnSpc>
+                <a:spcPct val="150000"/>
+              </a:lnSpc>
+            </a:pPr>
+            <a:r>
+              <a:rPr kumimoji="1" lang="en-US" altLang="ko-KR" sz="1200" dirty="0">
+                <a:latin typeface="+mn-ea"/>
+              </a:rPr>
+              <a:t>image : ”http://{</a:t>
+            </a:r>
+            <a:r>
+              <a:rPr kumimoji="1" lang="en-US" altLang="ko-KR" sz="1200" dirty="0" err="1">
+                <a:latin typeface="+mn-ea"/>
+              </a:rPr>
+              <a:t>ImageServer</a:t>
+            </a:r>
+            <a:r>
+              <a:rPr kumimoji="1" lang="en-US" altLang="ko-KR" sz="1200" dirty="0">
+                <a:latin typeface="+mn-ea"/>
+              </a:rPr>
+              <a:t>}/</a:t>
+            </a:r>
+            <a:r>
+              <a:rPr kumimoji="1" lang="en-US" altLang="ko-KR" sz="1200" dirty="0" err="1">
+                <a:latin typeface="+mn-ea"/>
+              </a:rPr>
+              <a:t>img.jpg</a:t>
+            </a:r>
+            <a:r>
+              <a:rPr kumimoji="1" lang="en-US" altLang="ko-KR" sz="1200" dirty="0">
+                <a:latin typeface="+mn-ea"/>
+              </a:rPr>
+              <a:t>”</a:t>
+            </a:r>
+          </a:p>
+        </p:txBody>
+      </p:sp>
+      <p:sp>
+        <p:nvSpPr>
+          <p:cNvPr id="14" name="TextBox 13">
+            <a:extLst>
+              <a:ext uri="{FF2B5EF4-FFF2-40B4-BE49-F238E27FC236}">
+                <a16:creationId xmlns:a16="http://schemas.microsoft.com/office/drawing/2014/main" id="{DA1AA854-3199-ED4A-8463-9F5332A55C2E}"/>
+              </a:ext>
+            </a:extLst>
+          </p:cNvPr>
+          <p:cNvSpPr txBox="1"/>
+          <p:nvPr/>
+        </p:nvSpPr>
+        <p:spPr>
+          <a:xfrm>
+            <a:off x="411217" y="4064949"/>
+            <a:ext cx="2058713" cy="307777"/>
+          </a:xfrm>
+          <a:prstGeom prst="rect">
+            <a:avLst/>
+          </a:prstGeom>
+          <a:noFill/>
+        </p:spPr>
+        <p:txBody>
+          <a:bodyPr wrap="square" rtlCol="0">
+            <a:spAutoFit/>
+          </a:bodyPr>
+          <a:lstStyle/>
+          <a:p>
+            <a:r>
+              <a:rPr kumimoji="1" lang="en-US" altLang="ko-KR" sz="1400" b="1" dirty="0" err="1"/>
+              <a:t>todo</a:t>
+            </a:r>
+            <a:r>
+              <a:rPr kumimoji="1" lang="ko-KR" altLang="en-US" sz="1400" b="1" dirty="0"/>
+              <a:t> 컬렉션 필드 구성</a:t>
+            </a:r>
+            <a:endParaRPr kumimoji="1" lang="en-US" altLang="ko-KR" sz="1400" b="1" dirty="0"/>
+          </a:p>
+        </p:txBody>
+      </p:sp>
+      <p:sp>
+        <p:nvSpPr>
+          <p:cNvPr id="15" name="TextBox 14">
+            <a:extLst>
+              <a:ext uri="{FF2B5EF4-FFF2-40B4-BE49-F238E27FC236}">
+                <a16:creationId xmlns:a16="http://schemas.microsoft.com/office/drawing/2014/main" id="{EB7CE370-4511-1C4D-A469-E6BAA1BA4826}"/>
+              </a:ext>
+            </a:extLst>
+          </p:cNvPr>
+          <p:cNvSpPr txBox="1"/>
+          <p:nvPr/>
+        </p:nvSpPr>
+        <p:spPr>
+          <a:xfrm>
+            <a:off x="411217" y="4471748"/>
+            <a:ext cx="3460412" cy="1441613"/>
+          </a:xfrm>
+          <a:prstGeom prst="rect">
+            <a:avLst/>
+          </a:prstGeom>
+          <a:noFill/>
+        </p:spPr>
+        <p:txBody>
+          <a:bodyPr wrap="square" rtlCol="0">
+            <a:spAutoFit/>
+          </a:bodyPr>
+          <a:lstStyle/>
+          <a:p>
+            <a:pPr>
+              <a:lnSpc>
+                <a:spcPct val="150000"/>
+              </a:lnSpc>
+            </a:pPr>
+            <a:r>
+              <a:rPr kumimoji="1" lang="en-US" altLang="ko-KR" sz="1200" dirty="0">
+                <a:latin typeface="+mn-ea"/>
+              </a:rPr>
+              <a:t>no : ”1”</a:t>
+            </a:r>
+          </a:p>
+          <a:p>
+            <a:pPr>
+              <a:lnSpc>
+                <a:spcPct val="150000"/>
+              </a:lnSpc>
+            </a:pPr>
+            <a:r>
+              <a:rPr kumimoji="1" lang="en-US" altLang="ko-KR" sz="1200" dirty="0" err="1">
+                <a:latin typeface="+mn-ea"/>
+              </a:rPr>
+              <a:t>user_id</a:t>
+            </a:r>
+            <a:r>
+              <a:rPr kumimoji="1" lang="en-US" altLang="ko-KR" sz="1200" dirty="0">
+                <a:latin typeface="+mn-ea"/>
+              </a:rPr>
+              <a:t> : “hyeonseok2"</a:t>
+            </a:r>
+          </a:p>
+          <a:p>
+            <a:pPr>
+              <a:lnSpc>
+                <a:spcPct val="150000"/>
+              </a:lnSpc>
+            </a:pPr>
+            <a:r>
+              <a:rPr kumimoji="1" lang="en-US" altLang="ko-KR" sz="1200" dirty="0">
+                <a:latin typeface="+mn-ea"/>
+              </a:rPr>
+              <a:t>content : ”7</a:t>
+            </a:r>
+            <a:r>
+              <a:rPr kumimoji="1" lang="ko-KR" altLang="en-US" sz="1200" dirty="0">
+                <a:latin typeface="+mn-ea"/>
+              </a:rPr>
+              <a:t>시에 빨래하기</a:t>
+            </a:r>
+            <a:r>
+              <a:rPr kumimoji="1" lang="en-US" altLang="ko-KR" sz="1200" dirty="0">
+                <a:latin typeface="+mn-ea"/>
+              </a:rPr>
+              <a:t>”</a:t>
+            </a:r>
+          </a:p>
+          <a:p>
+            <a:pPr>
+              <a:lnSpc>
+                <a:spcPct val="150000"/>
+              </a:lnSpc>
+            </a:pPr>
+            <a:r>
+              <a:rPr kumimoji="1" lang="en-US" altLang="ko-KR" sz="1200" dirty="0">
+                <a:latin typeface="+mn-ea"/>
+              </a:rPr>
+              <a:t>complete : “true“</a:t>
+            </a:r>
+          </a:p>
+          <a:p>
+            <a:pPr>
+              <a:lnSpc>
+                <a:spcPct val="150000"/>
+              </a:lnSpc>
+            </a:pPr>
+            <a:r>
+              <a:rPr kumimoji="1" lang="en-US" altLang="ko-KR" sz="1200" dirty="0">
+                <a:latin typeface="+mn-ea"/>
+              </a:rPr>
+              <a:t>date : “20211201”</a:t>
+            </a:r>
+          </a:p>
+        </p:txBody>
+      </p:sp>
+      <p:sp>
+        <p:nvSpPr>
+          <p:cNvPr id="19" name="TextBox 18">
+            <a:extLst>
+              <a:ext uri="{FF2B5EF4-FFF2-40B4-BE49-F238E27FC236}">
+                <a16:creationId xmlns:a16="http://schemas.microsoft.com/office/drawing/2014/main" id="{03475F6F-362B-264C-86D2-F89533FE285B}"/>
+              </a:ext>
+            </a:extLst>
+          </p:cNvPr>
+          <p:cNvSpPr txBox="1"/>
+          <p:nvPr/>
+        </p:nvSpPr>
+        <p:spPr>
+          <a:xfrm>
+            <a:off x="6417879" y="4064949"/>
+            <a:ext cx="2058713" cy="307777"/>
+          </a:xfrm>
+          <a:prstGeom prst="rect">
+            <a:avLst/>
+          </a:prstGeom>
+          <a:noFill/>
+        </p:spPr>
+        <p:txBody>
+          <a:bodyPr wrap="square" rtlCol="0">
+            <a:spAutoFit/>
+          </a:bodyPr>
+          <a:lstStyle/>
+          <a:p>
+            <a:r>
+              <a:rPr kumimoji="1" lang="en-US" altLang="ko-KR" sz="1400" b="1" dirty="0"/>
+              <a:t>badge </a:t>
+            </a:r>
+            <a:r>
+              <a:rPr kumimoji="1" lang="ko-KR" altLang="en-US" sz="1400" b="1" dirty="0"/>
+              <a:t>컬렉션 필드 구성</a:t>
+            </a:r>
+            <a:endParaRPr kumimoji="1" lang="en-US" altLang="ko-KR" sz="1400" b="1" dirty="0"/>
+          </a:p>
+        </p:txBody>
+      </p:sp>
+      <p:sp>
+        <p:nvSpPr>
+          <p:cNvPr id="20" name="TextBox 19">
+            <a:extLst>
+              <a:ext uri="{FF2B5EF4-FFF2-40B4-BE49-F238E27FC236}">
+                <a16:creationId xmlns:a16="http://schemas.microsoft.com/office/drawing/2014/main" id="{BE89D20F-AE7B-0C4C-B9B3-F372DCC49A6A}"/>
+              </a:ext>
+            </a:extLst>
+          </p:cNvPr>
+          <p:cNvSpPr txBox="1"/>
+          <p:nvPr/>
+        </p:nvSpPr>
+        <p:spPr>
+          <a:xfrm>
+            <a:off x="6417879" y="4471748"/>
+            <a:ext cx="3460412" cy="1718612"/>
+          </a:xfrm>
+          <a:prstGeom prst="rect">
+            <a:avLst/>
+          </a:prstGeom>
+          <a:noFill/>
+        </p:spPr>
+        <p:txBody>
+          <a:bodyPr wrap="square" rtlCol="0">
+            <a:spAutoFit/>
+          </a:bodyPr>
+          <a:lstStyle/>
+          <a:p>
+            <a:pPr>
+              <a:lnSpc>
+                <a:spcPct val="150000"/>
+              </a:lnSpc>
+            </a:pPr>
+            <a:r>
+              <a:rPr kumimoji="1" lang="en-US" altLang="ko-KR" sz="1200" dirty="0">
+                <a:latin typeface="+mn-ea"/>
+              </a:rPr>
+              <a:t>no : ”1”</a:t>
+            </a:r>
+          </a:p>
+          <a:p>
+            <a:pPr>
+              <a:lnSpc>
+                <a:spcPct val="150000"/>
+              </a:lnSpc>
+            </a:pPr>
+            <a:r>
+              <a:rPr kumimoji="1" lang="en-US" altLang="ko-KR" sz="1200" dirty="0" err="1">
+                <a:latin typeface="+mn-ea"/>
+              </a:rPr>
+              <a:t>user_id</a:t>
+            </a:r>
+            <a:r>
+              <a:rPr kumimoji="1" lang="en-US" altLang="ko-KR" sz="1200" dirty="0">
+                <a:latin typeface="+mn-ea"/>
+              </a:rPr>
+              <a:t> : “hyeonseok2”</a:t>
+            </a:r>
+          </a:p>
+          <a:p>
+            <a:pPr>
+              <a:lnSpc>
+                <a:spcPct val="150000"/>
+              </a:lnSpc>
+            </a:pPr>
+            <a:r>
+              <a:rPr kumimoji="1" lang="en-US" altLang="ko-KR" sz="1200" dirty="0">
+                <a:latin typeface="+mn-ea"/>
+              </a:rPr>
+              <a:t>name : ”</a:t>
+            </a:r>
+            <a:r>
+              <a:rPr kumimoji="1" lang="ko-KR" altLang="en-US" sz="1200" dirty="0" err="1">
+                <a:latin typeface="+mn-ea"/>
+              </a:rPr>
+              <a:t>긍정왕</a:t>
+            </a:r>
+            <a:r>
+              <a:rPr kumimoji="1" lang="en-US" altLang="ko-KR" sz="1200" dirty="0">
+                <a:latin typeface="+mn-ea"/>
+              </a:rPr>
+              <a:t>”</a:t>
+            </a:r>
+          </a:p>
+          <a:p>
+            <a:pPr>
+              <a:lnSpc>
+                <a:spcPct val="150000"/>
+              </a:lnSpc>
+            </a:pPr>
+            <a:r>
+              <a:rPr kumimoji="1" lang="en-US" altLang="ko-KR" sz="1200" dirty="0">
+                <a:latin typeface="+mn-ea"/>
+              </a:rPr>
+              <a:t>content : “</a:t>
+            </a:r>
+            <a:r>
+              <a:rPr kumimoji="1" lang="ko-KR" altLang="en-US" sz="1200" dirty="0">
+                <a:latin typeface="+mn-ea"/>
+              </a:rPr>
+              <a:t>긍정적인 사람에게 주어지는 배지</a:t>
+            </a:r>
+            <a:r>
+              <a:rPr kumimoji="1" lang="en-US" altLang="ko-KR" sz="1200" dirty="0">
+                <a:latin typeface="+mn-ea"/>
+              </a:rPr>
+              <a:t>“</a:t>
+            </a:r>
+          </a:p>
+          <a:p>
+            <a:pPr>
+              <a:lnSpc>
+                <a:spcPct val="150000"/>
+              </a:lnSpc>
+            </a:pPr>
+            <a:r>
+              <a:rPr kumimoji="1" lang="en-US" altLang="ko-KR" sz="1200" dirty="0">
+                <a:latin typeface="+mn-ea"/>
+              </a:rPr>
+              <a:t>date : “20211201”</a:t>
+            </a:r>
+          </a:p>
+          <a:p>
+            <a:pPr>
+              <a:lnSpc>
+                <a:spcPct val="150000"/>
+              </a:lnSpc>
+            </a:pPr>
+            <a:r>
+              <a:rPr kumimoji="1" lang="en-US" altLang="ko-KR" sz="1200" dirty="0">
+                <a:latin typeface="+mn-ea"/>
+              </a:rPr>
+              <a:t>image : ”http://{</a:t>
+            </a:r>
+            <a:r>
+              <a:rPr kumimoji="1" lang="en-US" altLang="ko-KR" sz="1200" dirty="0" err="1">
+                <a:latin typeface="+mn-ea"/>
+              </a:rPr>
+              <a:t>ImageServer</a:t>
+            </a:r>
+            <a:r>
+              <a:rPr kumimoji="1" lang="en-US" altLang="ko-KR" sz="1200" dirty="0">
+                <a:latin typeface="+mn-ea"/>
+              </a:rPr>
+              <a:t>}/</a:t>
+            </a:r>
+            <a:r>
+              <a:rPr kumimoji="1" lang="en-US" altLang="ko-KR" sz="1200" dirty="0" err="1">
+                <a:latin typeface="+mn-ea"/>
+              </a:rPr>
+              <a:t>img.jpg</a:t>
+            </a:r>
+            <a:r>
+              <a:rPr kumimoji="1" lang="en-US" altLang="ko-KR" sz="1200" dirty="0">
+                <a:latin typeface="+mn-ea"/>
+              </a:rPr>
+              <a:t>”</a:t>
+            </a:r>
           </a:p>
         </p:txBody>
       </p:sp>
@@ -9574,6 +10086,673 @@
 </file>
 
 <file path=ppt/slides/slide8.xml><?xml version="1.0" encoding="utf-8"?>
+<p:sld xmlns:a="http://schemas.openxmlformats.org/drawingml/2006/main" xmlns:r="http://schemas.openxmlformats.org/officeDocument/2006/relationships" xmlns:p="http://schemas.openxmlformats.org/presentationml/2006/main">
+  <p:cSld>
+    <p:spTree>
+      <p:nvGrpSpPr>
+        <p:cNvPr id="1" name=""/>
+        <p:cNvGrpSpPr/>
+        <p:nvPr/>
+      </p:nvGrpSpPr>
+      <p:grpSpPr>
+        <a:xfrm>
+          <a:off x="0" y="0"/>
+          <a:ext cx="0" cy="0"/>
+          <a:chOff x="0" y="0"/>
+          <a:chExt cx="0" cy="0"/>
+        </a:xfrm>
+      </p:grpSpPr>
+      <p:sp>
+        <p:nvSpPr>
+          <p:cNvPr id="2" name="제목 1">
+            <a:extLst>
+              <a:ext uri="{FF2B5EF4-FFF2-40B4-BE49-F238E27FC236}">
+                <a16:creationId xmlns:a16="http://schemas.microsoft.com/office/drawing/2014/main" id="{4DA2F12F-ADD1-A247-8F78-05DDB7F1CE61}"/>
+              </a:ext>
+            </a:extLst>
+          </p:cNvPr>
+          <p:cNvSpPr>
+            <a:spLocks noGrp="1"/>
+          </p:cNvSpPr>
+          <p:nvPr>
+            <p:ph type="title"/>
+          </p:nvPr>
+        </p:nvSpPr>
+        <p:spPr>
+          <a:xfrm>
+            <a:off x="411218" y="173123"/>
+            <a:ext cx="2195348" cy="315912"/>
+          </a:xfrm>
+        </p:spPr>
+        <p:txBody>
+          <a:bodyPr>
+            <a:noAutofit/>
+          </a:bodyPr>
+          <a:lstStyle/>
+          <a:p>
+            <a:r>
+              <a:rPr kumimoji="1" lang="en-US" altLang="ko-Kore-KR" sz="1600" dirty="0"/>
+              <a:t>DB</a:t>
+            </a:r>
+            <a:r>
+              <a:rPr kumimoji="1" lang="ko-KR" altLang="en-US" sz="1600" dirty="0"/>
+              <a:t> </a:t>
+            </a:r>
+            <a:r>
+              <a:rPr kumimoji="1" lang="en-US" altLang="ko-KR" sz="1600" dirty="0"/>
+              <a:t>–</a:t>
+            </a:r>
+            <a:r>
+              <a:rPr kumimoji="1" lang="ko-KR" altLang="en-US" sz="1600" dirty="0"/>
+              <a:t> </a:t>
+            </a:r>
+            <a:r>
+              <a:rPr kumimoji="1" lang="en-US" altLang="ko-KR" sz="1600" dirty="0" err="1"/>
+              <a:t>Firestore</a:t>
+            </a:r>
+            <a:r>
+              <a:rPr kumimoji="1" lang="en-US" altLang="ko-KR" sz="1600" dirty="0"/>
+              <a:t> Database</a:t>
+            </a:r>
+            <a:endParaRPr kumimoji="1" lang="ko-Kore-KR" altLang="en-US" sz="1600" dirty="0"/>
+          </a:p>
+        </p:txBody>
+      </p:sp>
+      <p:cxnSp>
+        <p:nvCxnSpPr>
+          <p:cNvPr id="8" name="직선 연결선[R] 7">
+            <a:extLst>
+              <a:ext uri="{FF2B5EF4-FFF2-40B4-BE49-F238E27FC236}">
+                <a16:creationId xmlns:a16="http://schemas.microsoft.com/office/drawing/2014/main" id="{27890F80-36DC-BE45-AF2C-8F1A6E9E5B40}"/>
+              </a:ext>
+            </a:extLst>
+          </p:cNvPr>
+          <p:cNvCxnSpPr/>
+          <p:nvPr/>
+        </p:nvCxnSpPr>
+        <p:spPr>
+          <a:xfrm>
+            <a:off x="0" y="798788"/>
+            <a:ext cx="12204000" cy="0"/>
+          </a:xfrm>
+          <a:prstGeom prst="line">
+            <a:avLst/>
+          </a:prstGeom>
+          <a:ln w="25400"/>
+        </p:spPr>
+        <p:style>
+          <a:lnRef idx="1">
+            <a:schemeClr val="dk1"/>
+          </a:lnRef>
+          <a:fillRef idx="0">
+            <a:schemeClr val="dk1"/>
+          </a:fillRef>
+          <a:effectRef idx="0">
+            <a:schemeClr val="dk1"/>
+          </a:effectRef>
+          <a:fontRef idx="minor">
+            <a:schemeClr val="tx1"/>
+          </a:fontRef>
+        </p:style>
+      </p:cxnSp>
+      <p:sp>
+        <p:nvSpPr>
+          <p:cNvPr id="9" name="제목 1">
+            <a:extLst>
+              <a:ext uri="{FF2B5EF4-FFF2-40B4-BE49-F238E27FC236}">
+                <a16:creationId xmlns:a16="http://schemas.microsoft.com/office/drawing/2014/main" id="{6F8A83B5-CF55-8A4A-806C-1AA82B17116C}"/>
+              </a:ext>
+            </a:extLst>
+          </p:cNvPr>
+          <p:cNvSpPr txBox="1">
+            <a:spLocks/>
+          </p:cNvSpPr>
+          <p:nvPr/>
+        </p:nvSpPr>
+        <p:spPr>
+          <a:xfrm>
+            <a:off x="10626811" y="173123"/>
+            <a:ext cx="1355800" cy="315912"/>
+          </a:xfrm>
+          <a:prstGeom prst="rect">
+            <a:avLst/>
+          </a:prstGeom>
+        </p:spPr>
+        <p:txBody>
+          <a:bodyPr vert="horz" lIns="91440" tIns="45720" rIns="91440" bIns="45720" rtlCol="0" anchor="ctr">
+            <a:noAutofit/>
+          </a:bodyPr>
+          <a:lstStyle>
+            <a:lvl1pPr algn="l" defTabSz="914400" rtl="0" eaLnBrk="1" latinLnBrk="0" hangingPunct="1">
+              <a:lnSpc>
+                <a:spcPct val="90000"/>
+              </a:lnSpc>
+              <a:spcBef>
+                <a:spcPct val="0"/>
+              </a:spcBef>
+              <a:buNone/>
+              <a:defRPr sz="4400" kern="1200">
+                <a:solidFill>
+                  <a:schemeClr val="tx1"/>
+                </a:solidFill>
+                <a:latin typeface="+mj-lt"/>
+                <a:ea typeface="+mj-ea"/>
+                <a:cs typeface="+mj-cs"/>
+              </a:defRPr>
+            </a:lvl1pPr>
+          </a:lstStyle>
+          <a:p>
+            <a:r>
+              <a:rPr kumimoji="1" lang="en-US" altLang="ko-Kore-KR" sz="1600" dirty="0"/>
+              <a:t>Record a Day</a:t>
+            </a:r>
+            <a:endParaRPr kumimoji="1" lang="ko-Kore-KR" altLang="en-US" sz="1600" dirty="0"/>
+          </a:p>
+        </p:txBody>
+      </p:sp>
+      <p:sp>
+        <p:nvSpPr>
+          <p:cNvPr id="30" name="TextBox 29">
+            <a:extLst>
+              <a:ext uri="{FF2B5EF4-FFF2-40B4-BE49-F238E27FC236}">
+                <a16:creationId xmlns:a16="http://schemas.microsoft.com/office/drawing/2014/main" id="{21BE6591-B9B2-A747-A41F-5E7A0D094C8B}"/>
+              </a:ext>
+            </a:extLst>
+          </p:cNvPr>
+          <p:cNvSpPr txBox="1"/>
+          <p:nvPr/>
+        </p:nvSpPr>
+        <p:spPr>
+          <a:xfrm>
+            <a:off x="411217" y="1108542"/>
+            <a:ext cx="2058713" cy="307777"/>
+          </a:xfrm>
+          <a:prstGeom prst="rect">
+            <a:avLst/>
+          </a:prstGeom>
+          <a:noFill/>
+        </p:spPr>
+        <p:txBody>
+          <a:bodyPr wrap="square" rtlCol="0">
+            <a:spAutoFit/>
+          </a:bodyPr>
+          <a:lstStyle/>
+          <a:p>
+            <a:r>
+              <a:rPr kumimoji="1" lang="en-US" altLang="ko-KR" sz="1400" b="1" dirty="0" err="1"/>
+              <a:t>todo</a:t>
+            </a:r>
+            <a:r>
+              <a:rPr kumimoji="1" lang="ko-KR" altLang="en-US" sz="1400" b="1" dirty="0"/>
+              <a:t> 컬렉션 필드 구성</a:t>
+            </a:r>
+            <a:endParaRPr kumimoji="1" lang="en-US" altLang="ko-KR" sz="1400" b="1" dirty="0"/>
+          </a:p>
+        </p:txBody>
+      </p:sp>
+      <p:sp>
+        <p:nvSpPr>
+          <p:cNvPr id="33" name="TextBox 32">
+            <a:extLst>
+              <a:ext uri="{FF2B5EF4-FFF2-40B4-BE49-F238E27FC236}">
+                <a16:creationId xmlns:a16="http://schemas.microsoft.com/office/drawing/2014/main" id="{EB7E5175-1596-464A-8486-C9C4CD6182F1}"/>
+              </a:ext>
+            </a:extLst>
+          </p:cNvPr>
+          <p:cNvSpPr txBox="1"/>
+          <p:nvPr/>
+        </p:nvSpPr>
+        <p:spPr>
+          <a:xfrm>
+            <a:off x="411217" y="1515341"/>
+            <a:ext cx="3460412" cy="1441613"/>
+          </a:xfrm>
+          <a:prstGeom prst="rect">
+            <a:avLst/>
+          </a:prstGeom>
+          <a:noFill/>
+        </p:spPr>
+        <p:txBody>
+          <a:bodyPr wrap="square" rtlCol="0">
+            <a:spAutoFit/>
+          </a:bodyPr>
+          <a:lstStyle/>
+          <a:p>
+            <a:pPr>
+              <a:lnSpc>
+                <a:spcPct val="150000"/>
+              </a:lnSpc>
+            </a:pPr>
+            <a:r>
+              <a:rPr kumimoji="1" lang="en-US" altLang="ko-KR" sz="1200" dirty="0">
+                <a:latin typeface="+mn-ea"/>
+              </a:rPr>
+              <a:t>no : ”1”</a:t>
+            </a:r>
+          </a:p>
+          <a:p>
+            <a:pPr>
+              <a:lnSpc>
+                <a:spcPct val="150000"/>
+              </a:lnSpc>
+            </a:pPr>
+            <a:r>
+              <a:rPr kumimoji="1" lang="en-US" altLang="ko-KR" sz="1200" dirty="0" err="1">
+                <a:latin typeface="+mn-ea"/>
+              </a:rPr>
+              <a:t>user_id</a:t>
+            </a:r>
+            <a:r>
+              <a:rPr kumimoji="1" lang="en-US" altLang="ko-KR" sz="1200" dirty="0">
+                <a:latin typeface="+mn-ea"/>
+              </a:rPr>
+              <a:t> : “hyeonseok2"</a:t>
+            </a:r>
+          </a:p>
+          <a:p>
+            <a:pPr>
+              <a:lnSpc>
+                <a:spcPct val="150000"/>
+              </a:lnSpc>
+            </a:pPr>
+            <a:r>
+              <a:rPr kumimoji="1" lang="en-US" altLang="ko-KR" sz="1200" dirty="0">
+                <a:latin typeface="+mn-ea"/>
+              </a:rPr>
+              <a:t>content : ”7</a:t>
+            </a:r>
+            <a:r>
+              <a:rPr kumimoji="1" lang="ko-KR" altLang="en-US" sz="1200" dirty="0">
+                <a:latin typeface="+mn-ea"/>
+              </a:rPr>
+              <a:t>시에 빨래하기</a:t>
+            </a:r>
+            <a:r>
+              <a:rPr kumimoji="1" lang="en-US" altLang="ko-KR" sz="1200" dirty="0">
+                <a:latin typeface="+mn-ea"/>
+              </a:rPr>
+              <a:t>”</a:t>
+            </a:r>
+          </a:p>
+          <a:p>
+            <a:pPr>
+              <a:lnSpc>
+                <a:spcPct val="150000"/>
+              </a:lnSpc>
+            </a:pPr>
+            <a:r>
+              <a:rPr kumimoji="1" lang="en-US" altLang="ko-KR" sz="1200" dirty="0">
+                <a:latin typeface="+mn-ea"/>
+              </a:rPr>
+              <a:t>complete : “true“</a:t>
+            </a:r>
+          </a:p>
+          <a:p>
+            <a:pPr>
+              <a:lnSpc>
+                <a:spcPct val="150000"/>
+              </a:lnSpc>
+            </a:pPr>
+            <a:r>
+              <a:rPr kumimoji="1" lang="en-US" altLang="ko-KR" sz="1200" dirty="0">
+                <a:latin typeface="+mn-ea"/>
+              </a:rPr>
+              <a:t>date : “20211201”</a:t>
+            </a:r>
+          </a:p>
+        </p:txBody>
+      </p:sp>
+      <p:sp>
+        <p:nvSpPr>
+          <p:cNvPr id="17" name="TextBox 16">
+            <a:extLst>
+              <a:ext uri="{FF2B5EF4-FFF2-40B4-BE49-F238E27FC236}">
+                <a16:creationId xmlns:a16="http://schemas.microsoft.com/office/drawing/2014/main" id="{64439FB6-3CE2-0F49-A6EA-D0D8776B521D}"/>
+              </a:ext>
+            </a:extLst>
+          </p:cNvPr>
+          <p:cNvSpPr txBox="1"/>
+          <p:nvPr/>
+        </p:nvSpPr>
+        <p:spPr>
+          <a:xfrm>
+            <a:off x="1315107" y="3013432"/>
+            <a:ext cx="387569" cy="887615"/>
+          </a:xfrm>
+          <a:prstGeom prst="rect">
+            <a:avLst/>
+          </a:prstGeom>
+          <a:noFill/>
+        </p:spPr>
+        <p:txBody>
+          <a:bodyPr wrap="square" rtlCol="0">
+            <a:spAutoFit/>
+          </a:bodyPr>
+          <a:lstStyle/>
+          <a:p>
+            <a:pPr>
+              <a:lnSpc>
+                <a:spcPct val="150000"/>
+              </a:lnSpc>
+            </a:pPr>
+            <a:r>
+              <a:rPr kumimoji="1" lang="en-US" altLang="ko-KR" sz="1200" b="1" dirty="0">
+                <a:latin typeface="+mn-ea"/>
+              </a:rPr>
+              <a:t>.</a:t>
+            </a:r>
+          </a:p>
+          <a:p>
+            <a:pPr>
+              <a:lnSpc>
+                <a:spcPct val="150000"/>
+              </a:lnSpc>
+            </a:pPr>
+            <a:r>
+              <a:rPr kumimoji="1" lang="en-US" altLang="ko-KR" sz="1200" b="1" dirty="0">
+                <a:latin typeface="+mn-ea"/>
+              </a:rPr>
+              <a:t>.</a:t>
+            </a:r>
+          </a:p>
+          <a:p>
+            <a:pPr>
+              <a:lnSpc>
+                <a:spcPct val="150000"/>
+              </a:lnSpc>
+            </a:pPr>
+            <a:r>
+              <a:rPr kumimoji="1" lang="en-US" altLang="ko-KR" sz="1200" b="1" dirty="0">
+                <a:latin typeface="+mn-ea"/>
+              </a:rPr>
+              <a:t>.</a:t>
+            </a:r>
+          </a:p>
+        </p:txBody>
+      </p:sp>
+      <p:sp>
+        <p:nvSpPr>
+          <p:cNvPr id="10" name="TextBox 9">
+            <a:extLst>
+              <a:ext uri="{FF2B5EF4-FFF2-40B4-BE49-F238E27FC236}">
+                <a16:creationId xmlns:a16="http://schemas.microsoft.com/office/drawing/2014/main" id="{EF1DDD1F-81D2-D746-8466-4BFE2F714818}"/>
+              </a:ext>
+            </a:extLst>
+          </p:cNvPr>
+          <p:cNvSpPr txBox="1"/>
+          <p:nvPr/>
+        </p:nvSpPr>
+        <p:spPr>
+          <a:xfrm>
+            <a:off x="6417879" y="1108542"/>
+            <a:ext cx="2058713" cy="307777"/>
+          </a:xfrm>
+          <a:prstGeom prst="rect">
+            <a:avLst/>
+          </a:prstGeom>
+          <a:noFill/>
+        </p:spPr>
+        <p:txBody>
+          <a:bodyPr wrap="square" rtlCol="0">
+            <a:spAutoFit/>
+          </a:bodyPr>
+          <a:lstStyle/>
+          <a:p>
+            <a:r>
+              <a:rPr kumimoji="1" lang="en-US" altLang="ko-KR" sz="1400" b="1" dirty="0"/>
+              <a:t>badge </a:t>
+            </a:r>
+            <a:r>
+              <a:rPr kumimoji="1" lang="ko-KR" altLang="en-US" sz="1400" b="1" dirty="0"/>
+              <a:t>컬렉션 필드 구성</a:t>
+            </a:r>
+            <a:endParaRPr kumimoji="1" lang="en-US" altLang="ko-KR" sz="1400" b="1" dirty="0"/>
+          </a:p>
+        </p:txBody>
+      </p:sp>
+      <p:sp>
+        <p:nvSpPr>
+          <p:cNvPr id="11" name="TextBox 10">
+            <a:extLst>
+              <a:ext uri="{FF2B5EF4-FFF2-40B4-BE49-F238E27FC236}">
+                <a16:creationId xmlns:a16="http://schemas.microsoft.com/office/drawing/2014/main" id="{80E53AC9-72A5-9B44-9A9C-5D366DFFF14D}"/>
+              </a:ext>
+            </a:extLst>
+          </p:cNvPr>
+          <p:cNvSpPr txBox="1"/>
+          <p:nvPr/>
+        </p:nvSpPr>
+        <p:spPr>
+          <a:xfrm>
+            <a:off x="6417879" y="1515341"/>
+            <a:ext cx="3460412" cy="1718612"/>
+          </a:xfrm>
+          <a:prstGeom prst="rect">
+            <a:avLst/>
+          </a:prstGeom>
+          <a:noFill/>
+        </p:spPr>
+        <p:txBody>
+          <a:bodyPr wrap="square" rtlCol="0">
+            <a:spAutoFit/>
+          </a:bodyPr>
+          <a:lstStyle/>
+          <a:p>
+            <a:pPr>
+              <a:lnSpc>
+                <a:spcPct val="150000"/>
+              </a:lnSpc>
+            </a:pPr>
+            <a:r>
+              <a:rPr kumimoji="1" lang="en-US" altLang="ko-KR" sz="1200" dirty="0">
+                <a:latin typeface="+mn-ea"/>
+              </a:rPr>
+              <a:t>no : ”1”</a:t>
+            </a:r>
+          </a:p>
+          <a:p>
+            <a:pPr>
+              <a:lnSpc>
+                <a:spcPct val="150000"/>
+              </a:lnSpc>
+            </a:pPr>
+            <a:r>
+              <a:rPr kumimoji="1" lang="en-US" altLang="ko-KR" sz="1200" dirty="0" err="1">
+                <a:latin typeface="+mn-ea"/>
+              </a:rPr>
+              <a:t>user_id</a:t>
+            </a:r>
+            <a:r>
+              <a:rPr kumimoji="1" lang="en-US" altLang="ko-KR" sz="1200" dirty="0">
+                <a:latin typeface="+mn-ea"/>
+              </a:rPr>
+              <a:t> : “hyeonseok2”</a:t>
+            </a:r>
+          </a:p>
+          <a:p>
+            <a:pPr>
+              <a:lnSpc>
+                <a:spcPct val="150000"/>
+              </a:lnSpc>
+            </a:pPr>
+            <a:r>
+              <a:rPr kumimoji="1" lang="en-US" altLang="ko-KR" sz="1200" dirty="0">
+                <a:latin typeface="+mn-ea"/>
+              </a:rPr>
+              <a:t>name : ”</a:t>
+            </a:r>
+            <a:r>
+              <a:rPr kumimoji="1" lang="ko-KR" altLang="en-US" sz="1200" dirty="0" err="1">
+                <a:latin typeface="+mn-ea"/>
+              </a:rPr>
+              <a:t>긍정왕</a:t>
+            </a:r>
+            <a:r>
+              <a:rPr kumimoji="1" lang="en-US" altLang="ko-KR" sz="1200" dirty="0">
+                <a:latin typeface="+mn-ea"/>
+              </a:rPr>
+              <a:t>”</a:t>
+            </a:r>
+          </a:p>
+          <a:p>
+            <a:pPr>
+              <a:lnSpc>
+                <a:spcPct val="150000"/>
+              </a:lnSpc>
+            </a:pPr>
+            <a:r>
+              <a:rPr kumimoji="1" lang="en-US" altLang="ko-KR" sz="1200" dirty="0">
+                <a:latin typeface="+mn-ea"/>
+              </a:rPr>
+              <a:t>content : “</a:t>
+            </a:r>
+            <a:r>
+              <a:rPr kumimoji="1" lang="ko-KR" altLang="en-US" sz="1200" dirty="0">
+                <a:latin typeface="+mn-ea"/>
+              </a:rPr>
+              <a:t>긍정적인 사람에게 주어지는 배지</a:t>
+            </a:r>
+            <a:r>
+              <a:rPr kumimoji="1" lang="en-US" altLang="ko-KR" sz="1200" dirty="0">
+                <a:latin typeface="+mn-ea"/>
+              </a:rPr>
+              <a:t>“</a:t>
+            </a:r>
+          </a:p>
+          <a:p>
+            <a:pPr>
+              <a:lnSpc>
+                <a:spcPct val="150000"/>
+              </a:lnSpc>
+            </a:pPr>
+            <a:r>
+              <a:rPr kumimoji="1" lang="en-US" altLang="ko-KR" sz="1200" dirty="0">
+                <a:latin typeface="+mn-ea"/>
+              </a:rPr>
+              <a:t>date : “20211201”</a:t>
+            </a:r>
+          </a:p>
+          <a:p>
+            <a:pPr>
+              <a:lnSpc>
+                <a:spcPct val="150000"/>
+              </a:lnSpc>
+            </a:pPr>
+            <a:r>
+              <a:rPr kumimoji="1" lang="en-US" altLang="ko-KR" sz="1200" dirty="0">
+                <a:latin typeface="+mn-ea"/>
+              </a:rPr>
+              <a:t>image : ”http://{</a:t>
+            </a:r>
+            <a:r>
+              <a:rPr kumimoji="1" lang="en-US" altLang="ko-KR" sz="1200" dirty="0" err="1">
+                <a:latin typeface="+mn-ea"/>
+              </a:rPr>
+              <a:t>ImageServer</a:t>
+            </a:r>
+            <a:r>
+              <a:rPr kumimoji="1" lang="en-US" altLang="ko-KR" sz="1200" dirty="0">
+                <a:latin typeface="+mn-ea"/>
+              </a:rPr>
+              <a:t>}/</a:t>
+            </a:r>
+            <a:r>
+              <a:rPr kumimoji="1" lang="en-US" altLang="ko-KR" sz="1200" dirty="0" err="1">
+                <a:latin typeface="+mn-ea"/>
+              </a:rPr>
+              <a:t>img.jpg</a:t>
+            </a:r>
+            <a:r>
+              <a:rPr kumimoji="1" lang="en-US" altLang="ko-KR" sz="1200" dirty="0">
+                <a:latin typeface="+mn-ea"/>
+              </a:rPr>
+              <a:t>”</a:t>
+            </a:r>
+          </a:p>
+        </p:txBody>
+      </p:sp>
+      <p:sp>
+        <p:nvSpPr>
+          <p:cNvPr id="12" name="TextBox 11">
+            <a:extLst>
+              <a:ext uri="{FF2B5EF4-FFF2-40B4-BE49-F238E27FC236}">
+                <a16:creationId xmlns:a16="http://schemas.microsoft.com/office/drawing/2014/main" id="{61C78ABA-D8AE-694C-A8CF-5477A6CEBC7C}"/>
+              </a:ext>
+            </a:extLst>
+          </p:cNvPr>
+          <p:cNvSpPr txBox="1"/>
+          <p:nvPr/>
+        </p:nvSpPr>
+        <p:spPr>
+          <a:xfrm>
+            <a:off x="7253450" y="3267193"/>
+            <a:ext cx="387569" cy="887615"/>
+          </a:xfrm>
+          <a:prstGeom prst="rect">
+            <a:avLst/>
+          </a:prstGeom>
+          <a:noFill/>
+        </p:spPr>
+        <p:txBody>
+          <a:bodyPr wrap="square" rtlCol="0">
+            <a:spAutoFit/>
+          </a:bodyPr>
+          <a:lstStyle/>
+          <a:p>
+            <a:pPr>
+              <a:lnSpc>
+                <a:spcPct val="150000"/>
+              </a:lnSpc>
+            </a:pPr>
+            <a:r>
+              <a:rPr kumimoji="1" lang="en-US" altLang="ko-KR" sz="1200" b="1" dirty="0">
+                <a:latin typeface="+mn-ea"/>
+              </a:rPr>
+              <a:t>.</a:t>
+            </a:r>
+          </a:p>
+          <a:p>
+            <a:pPr>
+              <a:lnSpc>
+                <a:spcPct val="150000"/>
+              </a:lnSpc>
+            </a:pPr>
+            <a:r>
+              <a:rPr kumimoji="1" lang="en-US" altLang="ko-KR" sz="1200" b="1" dirty="0">
+                <a:latin typeface="+mn-ea"/>
+              </a:rPr>
+              <a:t>.</a:t>
+            </a:r>
+          </a:p>
+          <a:p>
+            <a:pPr>
+              <a:lnSpc>
+                <a:spcPct val="150000"/>
+              </a:lnSpc>
+            </a:pPr>
+            <a:r>
+              <a:rPr kumimoji="1" lang="en-US" altLang="ko-KR" sz="1200" b="1" dirty="0">
+                <a:latin typeface="+mn-ea"/>
+              </a:rPr>
+              <a:t>.</a:t>
+            </a:r>
+          </a:p>
+        </p:txBody>
+      </p:sp>
+    </p:spTree>
+    <p:extLst>
+      <p:ext uri="{BB962C8B-B14F-4D97-AF65-F5344CB8AC3E}">
+        <p14:creationId xmlns:p14="http://schemas.microsoft.com/office/powerpoint/2010/main" val="742885124"/>
+      </p:ext>
+    </p:extLst>
+  </p:cSld>
+  <p:clrMapOvr>
+    <a:masterClrMapping/>
+  </p:clrMapOvr>
+</p:sld>
+</file>
+
+<file path=ppt/slides/slide9.xml><?xml version="1.0" encoding="utf-8"?>
 <p:sld xmlns:a="http://schemas.openxmlformats.org/drawingml/2006/main" xmlns:r="http://schemas.openxmlformats.org/officeDocument/2006/relationships" xmlns:p="http://schemas.openxmlformats.org/presentationml/2006/main">
   <p:cSld>
     <p:spTree>
